--- a/slides.pptx
+++ b/slides.pptx
@@ -243,7 +243,7 @@
           <a:p>
             <a:fld id="{8BDDE874-3A55-4A42-BDC0-7B03FB776E3F}" type="datetimeFigureOut">
               <a:rPr lang="de-DE" smtClean="0"/>
-              <a:t>24.04.2022</a:t>
+              <a:t>25.04.2022</a:t>
             </a:fld>
             <a:endParaRPr lang="de-DE"/>
           </a:p>
@@ -821,6 +821,79 @@
             <a:endParaRPr lang="en-US" dirty="0"/>
           </a:p>
           <a:p>
+            <a:endParaRPr lang="en-US" dirty="0"/>
+          </a:p>
+          <a:p>
+            <a:endParaRPr lang="en-US" dirty="0"/>
+          </a:p>
+          <a:p>
+            <a:pPr marL="0" marR="0" lvl="0" indent="0" algn="l" defTabSz="914400" rtl="0" eaLnBrk="1" fontAlgn="auto" latinLnBrk="0" hangingPunct="1">
+              <a:lnSpc>
+                <a:spcPct val="100000"/>
+              </a:lnSpc>
+              <a:spcBef>
+                <a:spcPts val="0"/>
+              </a:spcBef>
+              <a:spcAft>
+                <a:spcPts val="0"/>
+              </a:spcAft>
+              <a:buClrTx/>
+              <a:buSzTx/>
+              <a:buFontTx/>
+              <a:buNone/>
+              <a:tabLst/>
+              <a:defRPr/>
+            </a:pPr>
+            <a:r>
+              <a:rPr lang="en-US" dirty="0" err="1"/>
+              <a:t>ArticleNumber</a:t>
+            </a:r>
+            <a:r>
+              <a:rPr lang="en-US" dirty="0"/>
+              <a:t> binding:</a:t>
+            </a:r>
+          </a:p>
+          <a:p>
+            <a:pPr marL="0" marR="0" lvl="0" indent="0" algn="l" defTabSz="914400" rtl="0" eaLnBrk="1" fontAlgn="auto" latinLnBrk="0" hangingPunct="1">
+              <a:lnSpc>
+                <a:spcPct val="100000"/>
+              </a:lnSpc>
+              <a:spcBef>
+                <a:spcPts val="0"/>
+              </a:spcBef>
+              <a:spcAft>
+                <a:spcPts val="0"/>
+              </a:spcAft>
+              <a:buClrTx/>
+              <a:buSzTx/>
+              <a:buFontTx/>
+              <a:buNone/>
+              <a:tabLst/>
+              <a:defRPr/>
+            </a:pPr>
+            <a:r>
+              <a:rPr lang="en-US" i="0" dirty="0"/>
+              <a:t>https://localhost:7248/binding/articleNumber/modelBindingProvider/123456789</a:t>
+            </a:r>
+          </a:p>
+          <a:p>
+            <a:pPr marL="0" marR="0" lvl="0" indent="0" algn="l" defTabSz="914400" rtl="0" eaLnBrk="1" fontAlgn="auto" latinLnBrk="0" hangingPunct="1">
+              <a:lnSpc>
+                <a:spcPct val="100000"/>
+              </a:lnSpc>
+              <a:spcBef>
+                <a:spcPts val="0"/>
+              </a:spcBef>
+              <a:spcAft>
+                <a:spcPts val="0"/>
+              </a:spcAft>
+              <a:buClrTx/>
+              <a:buSzTx/>
+              <a:buFontTx/>
+              <a:buNone/>
+              <a:tabLst/>
+              <a:defRPr/>
+            </a:pPr>
             <a:endParaRPr lang="en-AT" dirty="0"/>
           </a:p>
         </p:txBody>
@@ -1051,6 +1124,49 @@
             <a:endParaRPr lang="en-US" dirty="0"/>
           </a:p>
           <a:p>
+            <a:pPr marL="0" marR="0" lvl="0" indent="0" algn="l" defTabSz="914400" rtl="0" eaLnBrk="1" fontAlgn="auto" latinLnBrk="0" hangingPunct="1">
+              <a:lnSpc>
+                <a:spcPct val="100000"/>
+              </a:lnSpc>
+              <a:spcBef>
+                <a:spcPts val="0"/>
+              </a:spcBef>
+              <a:spcAft>
+                <a:spcPts val="0"/>
+              </a:spcAft>
+              <a:buClrTx/>
+              <a:buSzTx/>
+              <a:buFontTx/>
+              <a:buNone/>
+              <a:tabLst/>
+              <a:defRPr/>
+            </a:pPr>
+            <a:r>
+              <a:rPr lang="en-US" dirty="0" err="1"/>
+              <a:t>ArticleNumber</a:t>
+            </a:r>
+            <a:r>
+              <a:rPr lang="en-US" dirty="0"/>
+              <a:t> </a:t>
+            </a:r>
+            <a:r>
+              <a:rPr lang="en-US" dirty="0" err="1"/>
+              <a:t>zentrales</a:t>
+            </a:r>
+            <a:r>
+              <a:rPr lang="en-US" dirty="0"/>
+              <a:t> </a:t>
+            </a:r>
+            <a:r>
+              <a:rPr lang="en-US" dirty="0" err="1"/>
+              <a:t>objekt</a:t>
+            </a:r>
+            <a:endParaRPr lang="en-US" dirty="0"/>
+          </a:p>
+          <a:p>
+            <a:endParaRPr lang="en-US" dirty="0"/>
+          </a:p>
+          <a:p>
             <a:r>
               <a:rPr lang="en-US" dirty="0"/>
               <a:t>HTTP Requests </a:t>
@@ -1082,32 +1198,6 @@
             <a:r>
               <a:rPr lang="en-US" dirty="0" err="1"/>
               <a:t>unterscheiden</a:t>
-            </a:r>
-            <a:endParaRPr lang="en-US" dirty="0"/>
-          </a:p>
-          <a:p>
-            <a:endParaRPr lang="en-US" dirty="0"/>
-          </a:p>
-          <a:p>
-            <a:r>
-              <a:rPr lang="en-US" dirty="0" err="1"/>
-              <a:t>ArticleNumber</a:t>
-            </a:r>
-            <a:r>
-              <a:rPr lang="en-US" dirty="0"/>
-              <a:t> </a:t>
-            </a:r>
-            <a:r>
-              <a:rPr lang="en-US" dirty="0" err="1"/>
-              <a:t>zentrales</a:t>
-            </a:r>
-            <a:r>
-              <a:rPr lang="en-US" dirty="0"/>
-              <a:t> </a:t>
-            </a:r>
-            <a:r>
-              <a:rPr lang="en-US" dirty="0" err="1"/>
-              <a:t>objekt</a:t>
             </a:r>
             <a:endParaRPr lang="en-US" dirty="0"/>
           </a:p>
@@ -1278,6 +1368,90 @@
 </p:notes>
 </file>
 
+<file path=ppt/notesSlides/notesSlide15.xml><?xml version="1.0" encoding="utf-8"?>
+<p:notes xmlns:a="http://schemas.openxmlformats.org/drawingml/2006/main" xmlns:r="http://schemas.openxmlformats.org/officeDocument/2006/relationships" xmlns:p="http://schemas.openxmlformats.org/presentationml/2006/main">
+  <p:cSld>
+    <p:spTree>
+      <p:nvGrpSpPr>
+        <p:cNvPr id="1" name=""/>
+        <p:cNvGrpSpPr/>
+        <p:nvPr/>
+      </p:nvGrpSpPr>
+      <p:grpSpPr>
+        <a:xfrm>
+          <a:off x="0" y="0"/>
+          <a:ext cx="0" cy="0"/>
+          <a:chOff x="0" y="0"/>
+          <a:chExt cx="0" cy="0"/>
+        </a:xfrm>
+      </p:grpSpPr>
+      <p:sp>
+        <p:nvSpPr>
+          <p:cNvPr id="2" name="Folienbildplatzhalter 1"/>
+          <p:cNvSpPr>
+            <a:spLocks noGrp="1" noRot="1" noChangeAspect="1"/>
+          </p:cNvSpPr>
+          <p:nvPr>
+            <p:ph type="sldImg"/>
+          </p:nvPr>
+        </p:nvSpPr>
+        <p:spPr/>
+      </p:sp>
+      <p:sp>
+        <p:nvSpPr>
+          <p:cNvPr id="3" name="Notizenplatzhalter 2"/>
+          <p:cNvSpPr>
+            <a:spLocks noGrp="1"/>
+          </p:cNvSpPr>
+          <p:nvPr>
+            <p:ph type="body" idx="1"/>
+          </p:nvPr>
+        </p:nvSpPr>
+        <p:spPr/>
+        <p:txBody>
+          <a:bodyPr/>
+          <a:lstStyle/>
+          <a:p>
+            <a:endParaRPr lang="en-AT" dirty="0"/>
+          </a:p>
+        </p:txBody>
+      </p:sp>
+      <p:sp>
+        <p:nvSpPr>
+          <p:cNvPr id="4" name="Foliennummernplatzhalter 3"/>
+          <p:cNvSpPr>
+            <a:spLocks noGrp="1"/>
+          </p:cNvSpPr>
+          <p:nvPr>
+            <p:ph type="sldNum" sz="quarter" idx="5"/>
+          </p:nvPr>
+        </p:nvSpPr>
+        <p:spPr/>
+        <p:txBody>
+          <a:bodyPr/>
+          <a:lstStyle/>
+          <a:p>
+            <a:fld id="{4D6B7403-AAEE-4E5A-8745-677A04A5E937}" type="slidenum">
+              <a:rPr lang="de-DE" smtClean="0"/>
+              <a:t>16</a:t>
+            </a:fld>
+            <a:endParaRPr lang="de-DE"/>
+          </a:p>
+        </p:txBody>
+      </p:sp>
+    </p:spTree>
+    <p:extLst>
+      <p:ext uri="{BB962C8B-B14F-4D97-AF65-F5344CB8AC3E}">
+        <p14:creationId xmlns:p14="http://schemas.microsoft.com/office/powerpoint/2010/main" val="1863308535"/>
+      </p:ext>
+    </p:extLst>
+  </p:cSld>
+  <p:clrMapOvr>
+    <a:masterClrMapping/>
+  </p:clrMapOvr>
+</p:notes>
+</file>
+
 <file path=ppt/notesSlides/notesSlide2.xml><?xml version="1.0" encoding="utf-8"?>
 <p:notes xmlns:a="http://schemas.openxmlformats.org/drawingml/2006/main" xmlns:r="http://schemas.openxmlformats.org/officeDocument/2006/relationships" xmlns:p="http://schemas.openxmlformats.org/presentationml/2006/main">
   <p:cSld>
@@ -1336,6 +1510,25 @@
             </a:r>
           </a:p>
           <a:p>
+            <a:endParaRPr lang="en-US" dirty="0"/>
+          </a:p>
+          <a:p>
+            <a:r>
+              <a:rPr lang="en-US" dirty="0"/>
+              <a:t>Bei Fragen </a:t>
+            </a:r>
+            <a:r>
+              <a:rPr lang="en-US" dirty="0" err="1"/>
+              <a:t>einfach</a:t>
+            </a:r>
+            <a:r>
+              <a:rPr lang="en-US" dirty="0"/>
+              <a:t> </a:t>
+            </a:r>
+            <a:r>
+              <a:rPr lang="en-US" dirty="0" err="1"/>
+              <a:t>unterbrechen</a:t>
+            </a:r>
             <a:endParaRPr lang="en-AT" dirty="0"/>
           </a:p>
         </p:txBody>
@@ -1475,7 +1668,7 @@
             </a:r>
             <a:r>
               <a:rPr lang="en-US" dirty="0" err="1"/>
-              <a:t>Verschiedene</a:t>
+              <a:t>verschiedene</a:t>
             </a:r>
             <a:r>
               <a:rPr lang="en-US" dirty="0"/>
@@ -1618,6 +1811,32 @@
           <a:p>
             <a:r>
               <a:rPr lang="en-US" dirty="0" err="1"/>
+              <a:t>Kommt</a:t>
+            </a:r>
+            <a:r>
+              <a:rPr lang="en-US" dirty="0"/>
+              <a:t> </a:t>
+            </a:r>
+            <a:r>
+              <a:rPr lang="en-US" dirty="0" err="1"/>
+              <a:t>aus</a:t>
+            </a:r>
+            <a:r>
+              <a:rPr lang="en-US" dirty="0"/>
+              <a:t> dem DDD-</a:t>
+            </a:r>
+            <a:r>
+              <a:rPr lang="en-US" dirty="0" err="1"/>
+              <a:t>Umfeld</a:t>
+            </a:r>
+            <a:endParaRPr lang="en-US" dirty="0"/>
+          </a:p>
+          <a:p>
+            <a:endParaRPr lang="en-US" dirty="0"/>
+          </a:p>
+          <a:p>
+            <a:r>
+              <a:rPr lang="en-US" dirty="0" err="1"/>
               <a:t>Netto</a:t>
             </a:r>
             <a:r>
@@ -1688,43 +1907,7 @@
               <a:rPr lang="en-US" dirty="0">
                 <a:sym typeface="Wingdings" panose="05000000000000000000" pitchFamily="2" charset="2"/>
               </a:rPr>
-              <a:t>Wenn </a:t>
-            </a:r>
-            <a:r>
-              <a:rPr lang="en-US" dirty="0" err="1">
-                <a:sym typeface="Wingdings" panose="05000000000000000000" pitchFamily="2" charset="2"/>
-              </a:rPr>
-              <a:t>nur</a:t>
-            </a:r>
-            <a:r>
-              <a:rPr lang="en-US" dirty="0">
-                <a:sym typeface="Wingdings" panose="05000000000000000000" pitchFamily="2" charset="2"/>
-              </a:rPr>
-              <a:t> decimal </a:t>
-            </a:r>
-            <a:r>
-              <a:rPr lang="en-US" dirty="0" err="1">
-                <a:sym typeface="Wingdings" panose="05000000000000000000" pitchFamily="2" charset="2"/>
-              </a:rPr>
-              <a:t>verwendet</a:t>
-            </a:r>
-            <a:r>
-              <a:rPr lang="en-US" dirty="0">
-                <a:sym typeface="Wingdings" panose="05000000000000000000" pitchFamily="2" charset="2"/>
-              </a:rPr>
-              <a:t> wird, </a:t>
-            </a:r>
-            <a:r>
-              <a:rPr lang="en-US" dirty="0" err="1">
-                <a:sym typeface="Wingdings" panose="05000000000000000000" pitchFamily="2" charset="2"/>
-              </a:rPr>
-              <a:t>ist</a:t>
-            </a:r>
-            <a:r>
-              <a:rPr lang="en-US" dirty="0">
-                <a:sym typeface="Wingdings" panose="05000000000000000000" pitchFamily="2" charset="2"/>
-              </a:rPr>
-              <a:t> </a:t>
+              <a:t>Nur decimal  </a:t>
             </a:r>
             <a:r>
               <a:rPr lang="en-US" dirty="0" err="1">
@@ -1830,6 +2013,57 @@
             </a:endParaRPr>
           </a:p>
           <a:p>
+            <a:pPr marL="0" indent="0">
+              <a:buFont typeface="Arial" panose="020B0604020202020204" pitchFamily="34" charset="0"/>
+              <a:buNone/>
+            </a:pPr>
+            <a:r>
+              <a:rPr lang="en-US" dirty="0" err="1">
+                <a:sym typeface="Wingdings" panose="05000000000000000000" pitchFamily="2" charset="2"/>
+              </a:rPr>
+              <a:t>Beim</a:t>
+            </a:r>
+            <a:r>
+              <a:rPr lang="en-US" dirty="0">
+                <a:sym typeface="Wingdings" panose="05000000000000000000" pitchFamily="2" charset="2"/>
+              </a:rPr>
+              <a:t> erstellen wird </a:t>
+            </a:r>
+            <a:r>
+              <a:rPr lang="en-US" dirty="0" err="1">
+                <a:sym typeface="Wingdings" panose="05000000000000000000" pitchFamily="2" charset="2"/>
+              </a:rPr>
+              <a:t>geprüft</a:t>
+            </a:r>
+            <a:r>
+              <a:rPr lang="en-US" dirty="0">
+                <a:sym typeface="Wingdings" panose="05000000000000000000" pitchFamily="2" charset="2"/>
+              </a:rPr>
+              <a:t> </a:t>
+            </a:r>
+            <a:r>
+              <a:rPr lang="en-US" dirty="0" err="1">
+                <a:sym typeface="Wingdings" panose="05000000000000000000" pitchFamily="2" charset="2"/>
+              </a:rPr>
+              <a:t>ob</a:t>
+            </a:r>
+            <a:r>
+              <a:rPr lang="en-US" dirty="0">
+                <a:sym typeface="Wingdings" panose="05000000000000000000" pitchFamily="2" charset="2"/>
+              </a:rPr>
+              <a:t> </a:t>
+            </a:r>
+            <a:r>
+              <a:rPr lang="en-US" dirty="0" err="1">
+                <a:sym typeface="Wingdings" panose="05000000000000000000" pitchFamily="2" charset="2"/>
+              </a:rPr>
+              <a:t>valide</a:t>
+            </a:r>
+            <a:endParaRPr lang="en-US" dirty="0">
+              <a:sym typeface="Wingdings" panose="05000000000000000000" pitchFamily="2" charset="2"/>
+            </a:endParaRPr>
+          </a:p>
+          <a:p>
             <a:pPr marL="171450" indent="-171450">
               <a:buFont typeface="Arial" panose="020B0604020202020204" pitchFamily="34" charset="0"/>
               <a:buChar char="•"/>
@@ -1864,6 +2098,57 @@
               </a:rPr>
               <a:t>Ziffern</a:t>
             </a:r>
+            <a:endParaRPr lang="en-US" dirty="0">
+              <a:sym typeface="Wingdings" panose="05000000000000000000" pitchFamily="2" charset="2"/>
+            </a:endParaRPr>
+          </a:p>
+          <a:p>
+            <a:pPr marL="171450" indent="-171450">
+              <a:buFont typeface="Arial" panose="020B0604020202020204" pitchFamily="34" charset="0"/>
+              <a:buChar char="•"/>
+            </a:pPr>
+            <a:endParaRPr lang="en-US" dirty="0">
+              <a:sym typeface="Wingdings" panose="05000000000000000000" pitchFamily="2" charset="2"/>
+            </a:endParaRPr>
+          </a:p>
+          <a:p>
+            <a:pPr marL="0" indent="0">
+              <a:buFont typeface="Arial" panose="020B0604020202020204" pitchFamily="34" charset="0"/>
+              <a:buNone/>
+            </a:pPr>
+            <a:r>
+              <a:rPr lang="en-US" dirty="0">
+                <a:sym typeface="Wingdings" panose="05000000000000000000" pitchFamily="2" charset="2"/>
+              </a:rPr>
+              <a:t>Record </a:t>
+            </a:r>
+            <a:r>
+              <a:rPr lang="en-US" dirty="0" err="1">
+                <a:sym typeface="Wingdings" panose="05000000000000000000" pitchFamily="2" charset="2"/>
+              </a:rPr>
+              <a:t>verwendet</a:t>
+            </a:r>
+            <a:r>
+              <a:rPr lang="en-US" dirty="0">
+                <a:sym typeface="Wingdings" panose="05000000000000000000" pitchFamily="2" charset="2"/>
+              </a:rPr>
+              <a:t>  generierte automatisch Equals-</a:t>
+            </a:r>
+            <a:r>
+              <a:rPr lang="en-US" dirty="0" err="1">
+                <a:sym typeface="Wingdings" panose="05000000000000000000" pitchFamily="2" charset="2"/>
+              </a:rPr>
+              <a:t>Methode</a:t>
+            </a:r>
+            <a:endParaRPr lang="en-US" dirty="0">
+              <a:sym typeface="Wingdings" panose="05000000000000000000" pitchFamily="2" charset="2"/>
+            </a:endParaRPr>
+          </a:p>
+          <a:p>
+            <a:pPr marL="171450" indent="-171450">
+              <a:buFont typeface="Arial" panose="020B0604020202020204" pitchFamily="34" charset="0"/>
+              <a:buChar char="•"/>
+            </a:pPr>
             <a:endParaRPr lang="en-US" dirty="0">
               <a:sym typeface="Wingdings" panose="05000000000000000000" pitchFamily="2" charset="2"/>
             </a:endParaRPr>
@@ -1985,9 +2270,44 @@
               <a:rPr lang="en-US" dirty="0" err="1"/>
               <a:t>leichtgewichtig</a:t>
             </a:r>
-            <a:endParaRPr lang="en-US" dirty="0"/>
-          </a:p>
-          <a:p>
+            <a:r>
+              <a:rPr lang="en-US" dirty="0"/>
+              <a:t> (</a:t>
+            </a:r>
+            <a:r>
+              <a:rPr lang="en-US" dirty="0" err="1"/>
+              <a:t>im</a:t>
+            </a:r>
+            <a:r>
+              <a:rPr lang="en-US" dirty="0"/>
+              <a:t> </a:t>
+            </a:r>
+            <a:r>
+              <a:rPr lang="en-US" dirty="0" err="1"/>
+              <a:t>Vergleich</a:t>
+            </a:r>
+            <a:r>
+              <a:rPr lang="en-US" dirty="0"/>
+              <a:t> </a:t>
+            </a:r>
+            <a:r>
+              <a:rPr lang="en-US" dirty="0" err="1"/>
+              <a:t>zu</a:t>
+            </a:r>
+            <a:r>
+              <a:rPr lang="en-US" dirty="0"/>
+              <a:t> .NET Framework)</a:t>
+            </a:r>
+          </a:p>
+          <a:p>
+            <a:r>
+              <a:rPr lang="en-US" dirty="0" err="1"/>
+              <a:t>Gutes</a:t>
+            </a:r>
+            <a:r>
+              <a:rPr lang="en-US" dirty="0"/>
+              <a:t> Tooling</a:t>
+            </a:r>
             <a:endParaRPr lang="en-AT" dirty="0"/>
           </a:p>
         </p:txBody>
@@ -2073,13 +2393,38 @@
           <a:lstStyle/>
           <a:p>
             <a:r>
+              <a:rPr lang="en-US" dirty="0"/>
+              <a:t>Parameter </a:t>
+            </a:r>
+            <a:r>
               <a:rPr lang="en-US" dirty="0" err="1"/>
-              <a:t>Über</a:t>
+              <a:t>binden</a:t>
             </a:r>
             <a:r>
               <a:rPr lang="en-US" dirty="0"/>
-              <a:t> Route und Query Parameter</a:t>
-            </a:r>
+              <a:t> </a:t>
+            </a:r>
+            <a:r>
+              <a:rPr lang="en-US" dirty="0" err="1"/>
+              <a:t>über</a:t>
+            </a:r>
+            <a:r>
+              <a:rPr lang="en-US" dirty="0"/>
+              <a:t> Route und Query-String </a:t>
+            </a:r>
+            <a:r>
+              <a:rPr lang="en-US" dirty="0">
+                <a:sym typeface="Wingdings" panose="05000000000000000000" pitchFamily="2" charset="2"/>
+              </a:rPr>
+              <a:t> </a:t>
+            </a:r>
+            <a:r>
+              <a:rPr lang="en-US" dirty="0" err="1">
+                <a:sym typeface="Wingdings" panose="05000000000000000000" pitchFamily="2" charset="2"/>
+              </a:rPr>
+              <a:t>Validierung</a:t>
+            </a:r>
+            <a:endParaRPr lang="en-US" dirty="0"/>
           </a:p>
           <a:p>
             <a:r>
@@ -2165,6 +2510,68 @@
               </a:rPr>
               <a:t>mitgegeben</a:t>
             </a:r>
+            <a:endParaRPr lang="en-US" dirty="0">
+              <a:sym typeface="Wingdings" panose="05000000000000000000" pitchFamily="2" charset="2"/>
+            </a:endParaRPr>
+          </a:p>
+          <a:p>
+            <a:endParaRPr lang="en-US" dirty="0">
+              <a:sym typeface="Wingdings" panose="05000000000000000000" pitchFamily="2" charset="2"/>
+            </a:endParaRPr>
+          </a:p>
+          <a:p>
+            <a:r>
+              <a:rPr lang="en-US" dirty="0">
+                <a:sym typeface="Wingdings" panose="05000000000000000000" pitchFamily="2" charset="2"/>
+              </a:rPr>
+              <a:t>Int binding:</a:t>
+            </a:r>
+          </a:p>
+          <a:p>
+            <a:r>
+              <a:rPr lang="en-US" dirty="0">
+                <a:sym typeface="Wingdings" panose="05000000000000000000" pitchFamily="2" charset="2"/>
+              </a:rPr>
+              <a:t>https://localhost:7248/binding/int/42</a:t>
+            </a:r>
+          </a:p>
+          <a:p>
+            <a:endParaRPr lang="en-US" dirty="0">
+              <a:sym typeface="Wingdings" panose="05000000000000000000" pitchFamily="2" charset="2"/>
+            </a:endParaRPr>
+          </a:p>
+          <a:p>
+            <a:r>
+              <a:rPr lang="en-US" dirty="0">
+                <a:sym typeface="Wingdings" panose="05000000000000000000" pitchFamily="2" charset="2"/>
+              </a:rPr>
+              <a:t>String binding:</a:t>
+            </a:r>
+          </a:p>
+          <a:p>
+            <a:pPr marL="0" marR="0" lvl="0" indent="0" algn="l" defTabSz="914400" rtl="0" eaLnBrk="1" fontAlgn="auto" latinLnBrk="0" hangingPunct="1">
+              <a:lnSpc>
+                <a:spcPct val="100000"/>
+              </a:lnSpc>
+              <a:spcBef>
+                <a:spcPts val="0"/>
+              </a:spcBef>
+              <a:spcAft>
+                <a:spcPts val="0"/>
+              </a:spcAft>
+              <a:buClrTx/>
+              <a:buSzTx/>
+              <a:buFontTx/>
+              <a:buNone/>
+              <a:tabLst/>
+              <a:defRPr/>
+            </a:pPr>
+            <a:r>
+              <a:rPr lang="en-US" i="0" dirty="0"/>
+              <a:t>https://localhost:7248/binding/articleNumber/string/123456789</a:t>
+            </a:r>
+          </a:p>
+          <a:p>
             <a:endParaRPr lang="en-US" dirty="0">
               <a:sym typeface="Wingdings" panose="05000000000000000000" pitchFamily="2" charset="2"/>
             </a:endParaRPr>
@@ -2450,7 +2857,7 @@
               <a:tabLst/>
               <a:defRPr/>
             </a:pPr>
-            <a:endParaRPr lang="en-US" i="0"/>
+            <a:endParaRPr lang="en-US" i="0" dirty="0"/>
           </a:p>
           <a:p>
             <a:pPr marL="0" marR="0" lvl="0" indent="0" algn="l" defTabSz="914400" rtl="0" eaLnBrk="1" fontAlgn="auto" latinLnBrk="0" hangingPunct="1">
@@ -2471,26 +2878,107 @@
               <a:defRPr/>
             </a:pPr>
             <a:r>
-              <a:rPr lang="en-US" i="0"/>
-              <a:t>Sample </a:t>
+              <a:rPr lang="en-US" i="0" dirty="0" err="1"/>
+              <a:t>Guid</a:t>
             </a:r>
             <a:r>
               <a:rPr lang="en-US" i="0" dirty="0"/>
-              <a:t>GUID: </a:t>
-            </a:r>
-            <a:r>
-              <a:rPr lang="en-US" i="0" dirty="0">
-                <a:solidFill>
-                  <a:srgbClr val="248700"/>
-                </a:solidFill>
-                <a:effectLst/>
-              </a:rPr>
-              <a:t>AAAAAAAA-D7B4-47ED-A9E7-AE18721D6F3D</a:t>
-            </a:r>
-            <a:endParaRPr lang="en-AT" i="0" dirty="0"/>
-          </a:p>
-          <a:p>
-            <a:endParaRPr lang="en-AT" dirty="0"/>
+              <a:t> binding:</a:t>
+            </a:r>
+          </a:p>
+          <a:p>
+            <a:pPr marL="0" marR="0" lvl="0" indent="0" algn="l" defTabSz="914400" rtl="0" eaLnBrk="1" fontAlgn="auto" latinLnBrk="0" hangingPunct="1">
+              <a:lnSpc>
+                <a:spcPct val="100000"/>
+              </a:lnSpc>
+              <a:spcBef>
+                <a:spcPts val="0"/>
+              </a:spcBef>
+              <a:spcAft>
+                <a:spcPts val="0"/>
+              </a:spcAft>
+              <a:buClrTx/>
+              <a:buSzTx/>
+              <a:buFontTx/>
+              <a:buNone/>
+              <a:tabLst/>
+              <a:defRPr/>
+            </a:pPr>
+            <a:r>
+              <a:rPr lang="en-US" i="0" dirty="0"/>
+              <a:t>https://localhost:7248/binding/guid/AAAAAAAA-D7B4-47ED-A9E7-AE18721D6F3D</a:t>
+            </a:r>
+          </a:p>
+          <a:p>
+            <a:pPr marL="0" marR="0" lvl="0" indent="0" algn="l" defTabSz="914400" rtl="0" eaLnBrk="1" fontAlgn="auto" latinLnBrk="0" hangingPunct="1">
+              <a:lnSpc>
+                <a:spcPct val="100000"/>
+              </a:lnSpc>
+              <a:spcBef>
+                <a:spcPts val="0"/>
+              </a:spcBef>
+              <a:spcAft>
+                <a:spcPts val="0"/>
+              </a:spcAft>
+              <a:buClrTx/>
+              <a:buSzTx/>
+              <a:buFontTx/>
+              <a:buNone/>
+              <a:tabLst/>
+              <a:defRPr/>
+            </a:pPr>
+            <a:endParaRPr lang="en-US" dirty="0"/>
+          </a:p>
+          <a:p>
+            <a:pPr marL="0" marR="0" lvl="0" indent="0" algn="l" defTabSz="914400" rtl="0" eaLnBrk="1" fontAlgn="auto" latinLnBrk="0" hangingPunct="1">
+              <a:lnSpc>
+                <a:spcPct val="100000"/>
+              </a:lnSpc>
+              <a:spcBef>
+                <a:spcPts val="0"/>
+              </a:spcBef>
+              <a:spcAft>
+                <a:spcPts val="0"/>
+              </a:spcAft>
+              <a:buClrTx/>
+              <a:buSzTx/>
+              <a:buFontTx/>
+              <a:buNone/>
+              <a:tabLst/>
+              <a:defRPr/>
+            </a:pPr>
+            <a:r>
+              <a:rPr lang="en-US" dirty="0" err="1"/>
+              <a:t>ArticleNumber</a:t>
+            </a:r>
+            <a:r>
+              <a:rPr lang="en-US" dirty="0"/>
+              <a:t> binding:</a:t>
+            </a:r>
+          </a:p>
+          <a:p>
+            <a:pPr marL="0" marR="0" lvl="0" indent="0" algn="l" defTabSz="914400" rtl="0" eaLnBrk="1" fontAlgn="auto" latinLnBrk="0" hangingPunct="1">
+              <a:lnSpc>
+                <a:spcPct val="100000"/>
+              </a:lnSpc>
+              <a:spcBef>
+                <a:spcPts val="0"/>
+              </a:spcBef>
+              <a:spcAft>
+                <a:spcPts val="0"/>
+              </a:spcAft>
+              <a:buClrTx/>
+              <a:buSzTx/>
+              <a:buFontTx/>
+              <a:buNone/>
+              <a:tabLst/>
+              <a:defRPr/>
+            </a:pPr>
+            <a:r>
+              <a:rPr lang="en-US" i="0" dirty="0"/>
+              <a:t>https://localhost:7248/binding/articleNumber/typeConverter/123456789</a:t>
+            </a:r>
+            <a:endParaRPr lang="en-US" dirty="0"/>
           </a:p>
         </p:txBody>
       </p:sp>
@@ -2652,6 +3140,134 @@
               <a:rPr lang="en-US" dirty="0" err="1"/>
               <a:t>debuggen</a:t>
             </a:r>
+            <a:endParaRPr lang="en-US" i="0" dirty="0"/>
+          </a:p>
+          <a:p>
+            <a:pPr marL="0" marR="0" lvl="0" indent="0" algn="l" defTabSz="914400" rtl="0" eaLnBrk="1" fontAlgn="auto" latinLnBrk="0" hangingPunct="1">
+              <a:lnSpc>
+                <a:spcPct val="100000"/>
+              </a:lnSpc>
+              <a:spcBef>
+                <a:spcPts val="0"/>
+              </a:spcBef>
+              <a:spcAft>
+                <a:spcPts val="0"/>
+              </a:spcAft>
+              <a:buClrTx/>
+              <a:buSzTx/>
+              <a:buFontTx/>
+              <a:buNone/>
+              <a:tabLst/>
+              <a:defRPr/>
+            </a:pPr>
+            <a:r>
+              <a:rPr lang="en-US" i="0" dirty="0">
+                <a:sym typeface="Wingdings" panose="05000000000000000000" pitchFamily="2" charset="2"/>
+              </a:rPr>
+              <a:t> </a:t>
+            </a:r>
+            <a:r>
+              <a:rPr lang="en-US" i="0" dirty="0" err="1">
+                <a:sym typeface="Wingdings" panose="05000000000000000000" pitchFamily="2" charset="2"/>
+              </a:rPr>
+              <a:t>StackTrace</a:t>
+            </a:r>
+            <a:r>
+              <a:rPr lang="en-US" i="0" dirty="0">
+                <a:sym typeface="Wingdings" panose="05000000000000000000" pitchFamily="2" charset="2"/>
+              </a:rPr>
+              <a:t> </a:t>
+            </a:r>
+            <a:r>
+              <a:rPr lang="en-US" i="0" dirty="0" err="1">
+                <a:sym typeface="Wingdings" panose="05000000000000000000" pitchFamily="2" charset="2"/>
+              </a:rPr>
+              <a:t>zeigen</a:t>
+            </a:r>
+            <a:endParaRPr lang="en-US" dirty="0"/>
+          </a:p>
+          <a:p>
+            <a:pPr marL="0" indent="0">
+              <a:buFont typeface="Arial" panose="020B0604020202020204" pitchFamily="34" charset="0"/>
+              <a:buNone/>
+            </a:pPr>
+            <a:endParaRPr lang="en-US" dirty="0"/>
+          </a:p>
+          <a:p>
+            <a:pPr marL="0" marR="0" lvl="0" indent="0" algn="l" defTabSz="914400" rtl="0" eaLnBrk="1" fontAlgn="auto" latinLnBrk="0" hangingPunct="1">
+              <a:lnSpc>
+                <a:spcPct val="100000"/>
+              </a:lnSpc>
+              <a:spcBef>
+                <a:spcPts val="0"/>
+              </a:spcBef>
+              <a:spcAft>
+                <a:spcPts val="0"/>
+              </a:spcAft>
+              <a:buClrTx/>
+              <a:buSzTx/>
+              <a:buFontTx/>
+              <a:buNone/>
+              <a:tabLst/>
+              <a:defRPr/>
+            </a:pPr>
+            <a:endParaRPr lang="en-US" dirty="0"/>
+          </a:p>
+          <a:p>
+            <a:pPr marL="0" marR="0" lvl="0" indent="0" algn="l" defTabSz="914400" rtl="0" eaLnBrk="1" fontAlgn="auto" latinLnBrk="0" hangingPunct="1">
+              <a:lnSpc>
+                <a:spcPct val="100000"/>
+              </a:lnSpc>
+              <a:spcBef>
+                <a:spcPts val="0"/>
+              </a:spcBef>
+              <a:spcAft>
+                <a:spcPts val="0"/>
+              </a:spcAft>
+              <a:buClrTx/>
+              <a:buSzTx/>
+              <a:buFontTx/>
+              <a:buNone/>
+              <a:tabLst/>
+              <a:defRPr/>
+            </a:pPr>
+            <a:r>
+              <a:rPr lang="en-US" dirty="0" err="1"/>
+              <a:t>ArticleNumber</a:t>
+            </a:r>
+            <a:r>
+              <a:rPr lang="en-US" dirty="0"/>
+              <a:t> binding:</a:t>
+            </a:r>
+          </a:p>
+          <a:p>
+            <a:pPr marL="0" marR="0" lvl="0" indent="0" algn="l" defTabSz="914400" rtl="0" eaLnBrk="1" fontAlgn="auto" latinLnBrk="0" hangingPunct="1">
+              <a:lnSpc>
+                <a:spcPct val="100000"/>
+              </a:lnSpc>
+              <a:spcBef>
+                <a:spcPts val="0"/>
+              </a:spcBef>
+              <a:spcAft>
+                <a:spcPts val="0"/>
+              </a:spcAft>
+              <a:buClrTx/>
+              <a:buSzTx/>
+              <a:buFontTx/>
+              <a:buNone/>
+              <a:tabLst/>
+              <a:defRPr/>
+            </a:pPr>
+            <a:r>
+              <a:rPr lang="en-US" i="0" dirty="0"/>
+              <a:t>https://localhost:7248/binding/articleNumber/modelBinder/123456789</a:t>
+            </a:r>
+          </a:p>
+          <a:p>
+            <a:pPr marL="0" indent="0">
+              <a:buFont typeface="Arial" panose="020B0604020202020204" pitchFamily="34" charset="0"/>
+              <a:buNone/>
+            </a:pPr>
             <a:endParaRPr lang="en-AT" dirty="0"/>
           </a:p>
         </p:txBody>
@@ -8597,7 +9213,7 @@
             </a:r>
             <a:r>
               <a:rPr lang="en-US" sz="1400" dirty="0">
-                <a:hlinkClick r:id="rId2"/>
+                <a:hlinkClick r:id="rId3"/>
               </a:rPr>
               <a:t>https://github.com/dotnet/aspnetcore</a:t>
             </a:r>
@@ -8607,27 +9223,6 @@
             <a:r>
               <a:rPr lang="en-US" sz="1400" dirty="0" err="1"/>
               <a:t>SimpleTypeModelBinder</a:t>
-            </a:r>
-            <a:r>
-              <a:rPr lang="en-US" sz="1400" dirty="0"/>
-              <a:t>: </a:t>
-            </a:r>
-            <a:r>
-              <a:rPr lang="en-US" sz="1400" dirty="0">
-                <a:hlinkClick r:id="rId3"/>
-              </a:rPr>
-              <a:t>https://github.com/dotnet/aspnetcore/blob/main/src/Mvc/Mvc.Core/src/ModelBinding/Binders/SimpleTypeModelBinder.cs</a:t>
-            </a:r>
-            <a:endParaRPr lang="en-US" sz="1400" dirty="0"/>
-          </a:p>
-          <a:p>
-            <a:r>
-              <a:rPr lang="en-US" sz="1400" dirty="0"/>
-              <a:t>Implementing </a:t>
-            </a:r>
-            <a:r>
-              <a:rPr lang="en-US" sz="1400" dirty="0" err="1"/>
-              <a:t>ModelBinderProvider</a:t>
             </a:r>
             <a:r>
               <a:rPr lang="en-US" sz="1400" dirty="0"/>
@@ -8637,17 +9232,18 @@
               <a:rPr lang="en-US" sz="1400" dirty="0">
                 <a:hlinkClick r:id="rId4"/>
               </a:rPr>
-              <a:t>https://docs.microsoft.com/en-us/aspnet/core/mvc/advanced/custom-model-binding?view=aspnetcore-6.0#implementing-a-modelbinderprovider</a:t>
-            </a:r>
+              <a:t>https://github.com/dotnet/aspnetcore/blob/main/src/Mvc/Mvc.Core/src/ModelBinding/Binders/SimpleTypeModelBinder.cs</a:t>
+            </a:r>
+            <a:endParaRPr lang="en-US" sz="1400" dirty="0"/>
+          </a:p>
+          <a:p>
             <a:r>
               <a:rPr lang="en-US" sz="1400" dirty="0"/>
-              <a:t> </a:t>
-            </a:r>
-          </a:p>
-          <a:p>
+              <a:t>Implementing </a:t>
+            </a:r>
             <a:r>
               <a:rPr lang="en-US" sz="1400" dirty="0" err="1"/>
-              <a:t>TypeConverter</a:t>
+              <a:t>ModelBinderProvider</a:t>
             </a:r>
             <a:r>
               <a:rPr lang="en-US" sz="1400" dirty="0"/>
@@ -8657,14 +9253,17 @@
               <a:rPr lang="en-US" sz="1400" dirty="0">
                 <a:hlinkClick r:id="rId5"/>
               </a:rPr>
-              <a:t>https://docs.microsoft.com/en-us/dotnet/api/system.componentmodel.typeconverter</a:t>
-            </a:r>
-            <a:endParaRPr lang="en-US" sz="1400" dirty="0"/>
+              <a:t>https://docs.microsoft.com/en-us/aspnet/core/mvc/advanced/custom-model-binding?view=aspnetcore-6.0#implementing-a-modelbinderprovider</a:t>
+            </a:r>
+            <a:r>
+              <a:rPr lang="en-US" sz="1400" dirty="0"/>
+              <a:t> </a:t>
+            </a:r>
           </a:p>
           <a:p>
             <a:r>
               <a:rPr lang="en-US" sz="1400" dirty="0" err="1"/>
-              <a:t>TypeDescriptor</a:t>
+              <a:t>TypeConverter</a:t>
             </a:r>
             <a:r>
               <a:rPr lang="en-US" sz="1400" dirty="0"/>
@@ -8674,36 +9273,53 @@
               <a:rPr lang="en-US" sz="1400" dirty="0">
                 <a:hlinkClick r:id="rId6"/>
               </a:rPr>
-              <a:t>https://docs.microsoft.com/en-us/dotnet/api/system.componentmodel.typedescriptor</a:t>
+              <a:t>https://docs.microsoft.com/en-us/dotnet/api/system.componentmodel.typeconverter</a:t>
             </a:r>
             <a:endParaRPr lang="en-US" sz="1400" dirty="0"/>
           </a:p>
           <a:p>
             <a:r>
               <a:rPr lang="en-US" sz="1400" dirty="0" err="1"/>
-              <a:t>GuidConverter</a:t>
+              <a:t>TypeDescriptor</a:t>
             </a:r>
             <a:r>
               <a:rPr lang="en-US" sz="1400" dirty="0"/>
-              <a:t> implementation from the dotnet runtime: </a:t>
+              <a:t>: </a:t>
             </a:r>
             <a:r>
               <a:rPr lang="en-US" sz="1400" dirty="0">
                 <a:hlinkClick r:id="rId7"/>
               </a:rPr>
-              <a:t>https://github.com/dotnet/runtime/blob/main/src/libraries/System.ComponentModel.TypeConverter/src/System/ComponentModel/GuidConverter.cs</a:t>
+              <a:t>https://docs.microsoft.com/en-us/dotnet/api/system.componentmodel.typedescriptor</a:t>
             </a:r>
             <a:endParaRPr lang="en-US" sz="1400" dirty="0"/>
           </a:p>
           <a:p>
             <a:r>
+              <a:rPr lang="en-US" sz="1400" dirty="0" err="1"/>
+              <a:t>GuidConverter</a:t>
+            </a:r>
+            <a:r>
               <a:rPr lang="en-US" sz="1400" dirty="0"/>
-              <a:t>Domain specific value types: </a:t>
+              <a:t> implementation from the dotnet runtime: </a:t>
             </a:r>
             <a:r>
               <a:rPr lang="en-US" sz="1400" dirty="0">
                 <a:hlinkClick r:id="rId8"/>
               </a:rPr>
+              <a:t>https://github.com/dotnet/runtime/blob/main/src/libraries/System.ComponentModel.TypeConverter/src/System/ComponentModel/GuidConverter.cs</a:t>
+            </a:r>
+            <a:endParaRPr lang="en-US" sz="1400" dirty="0"/>
+          </a:p>
+          <a:p>
+            <a:r>
+              <a:rPr lang="en-US" sz="1400" dirty="0"/>
+              <a:t>Domain specific value types: </a:t>
+            </a:r>
+            <a:r>
+              <a:rPr lang="en-US" sz="1400" dirty="0">
+                <a:hlinkClick r:id="rId9"/>
+              </a:rPr>
               <a:t>https://freecontent.manning.com/domain-primitives-what-they-are-and-how-you-can-use-them-to-make-more-secure-software/</a:t>
             </a:r>
             <a:endParaRPr lang="en-US" sz="1400" dirty="0"/>
@@ -8715,7 +9331,7 @@
             </a:r>
             <a:r>
               <a:rPr lang="en-US" sz="1400" dirty="0">
-                <a:hlinkClick r:id="rId9"/>
+                <a:hlinkClick r:id="rId10"/>
               </a:rPr>
               <a:t>https://fideloper.com/hexagonal-architecture</a:t>
             </a:r>
@@ -9522,10 +10138,10 @@
       </p:sp>
       <p:pic>
         <p:nvPicPr>
-          <p:cNvPr id="15" name="Grafik 14">
-            <a:extLst>
-              <a:ext uri="{FF2B5EF4-FFF2-40B4-BE49-F238E27FC236}">
-                <a16:creationId xmlns:a16="http://schemas.microsoft.com/office/drawing/2014/main" id="{530FAD2C-7A38-4F01-B34A-0957021E8F0D}"/>
+          <p:cNvPr id="5" name="Grafik 4">
+            <a:extLst>
+              <a:ext uri="{FF2B5EF4-FFF2-40B4-BE49-F238E27FC236}">
+                <a16:creationId xmlns:a16="http://schemas.microsoft.com/office/drawing/2014/main" id="{731E4938-DF47-45FA-BDA5-027F78C45603}"/>
               </a:ext>
             </a:extLst>
           </p:cNvPr>
@@ -9542,8 +10158,8 @@
         </p:blipFill>
         <p:spPr>
           <a:xfrm>
-            <a:off x="5529002" y="2925183"/>
-            <a:ext cx="6353695" cy="2608103"/>
+            <a:off x="5899112" y="1794307"/>
+            <a:ext cx="5701646" cy="4421298"/>
           </a:xfrm>
           <a:prstGeom prst="rect">
             <a:avLst/>
@@ -9790,7 +10406,7 @@
             <a:pPr lvl="1"/>
             <a:r>
               <a:rPr lang="en-US" dirty="0"/>
-              <a:t>Bind primitives</a:t>
+              <a:t>Bind primitives,</a:t>
             </a:r>
           </a:p>
           <a:p>
@@ -9975,19 +10591,19 @@
           <a:p>
             <a:r>
               <a:rPr lang="en-US" dirty="0"/>
-              <a:t>define a Converter for a Type</a:t>
+              <a:t>Define a Converter for a Type</a:t>
             </a:r>
           </a:p>
           <a:p>
             <a:r>
               <a:rPr lang="en-US" dirty="0"/>
-              <a:t>retrieve the Converter</a:t>
+              <a:t>Retrieve the Converter</a:t>
             </a:r>
           </a:p>
           <a:p>
             <a:r>
               <a:rPr lang="en-US" dirty="0"/>
-              <a:t>convert</a:t>
+              <a:t>Convert</a:t>
             </a:r>
           </a:p>
           <a:p>
@@ -10139,7 +10755,7 @@
           <a:p>
             <a:r>
               <a:rPr lang="en-US" dirty="0"/>
-              <a:t>utilized to bind </a:t>
+              <a:t>Utilized to bind </a:t>
             </a:r>
             <a:r>
               <a:rPr lang="en-US" dirty="0" err="1"/>
@@ -10150,7 +10766,7 @@
           <a:p>
             <a:r>
               <a:rPr lang="en-US" dirty="0"/>
-              <a:t>can be extended</a:t>
+              <a:t>Can be extended</a:t>
             </a:r>
             <a:endParaRPr lang="en-AT" dirty="0"/>
           </a:p>

--- a/slides.pptx
+++ b/slides.pptx
@@ -243,7 +243,7 @@
           <a:p>
             <a:fld id="{8BDDE874-3A55-4A42-BDC0-7B03FB776E3F}" type="datetimeFigureOut">
               <a:rPr lang="de-DE" smtClean="0"/>
-              <a:t>25.04.2022</a:t>
+              <a:t>09.05.2022</a:t>
             </a:fld>
             <a:endParaRPr lang="de-DE"/>
           </a:p>
@@ -554,6 +554,180 @@
           <a:bodyPr/>
           <a:lstStyle/>
           <a:p>
+            <a:r>
+              <a:rPr lang="de-DE" dirty="0"/>
+              <a:t>Wie wird ein HTTP Request zu einem Methodenaufruf?</a:t>
+            </a:r>
+          </a:p>
+          <a:p>
+            <a:pPr marL="0" marR="0" lvl="0" indent="0" algn="l" defTabSz="914400" rtl="0" eaLnBrk="1" fontAlgn="auto" latinLnBrk="0" hangingPunct="1">
+              <a:lnSpc>
+                <a:spcPct val="100000"/>
+              </a:lnSpc>
+              <a:spcBef>
+                <a:spcPts val="0"/>
+              </a:spcBef>
+              <a:spcAft>
+                <a:spcPts val="0"/>
+              </a:spcAft>
+              <a:buClrTx/>
+              <a:buSzTx/>
+              <a:buFontTx/>
+              <a:buNone/>
+              <a:tabLst/>
+              <a:defRPr/>
+            </a:pPr>
+            <a:endParaRPr lang="de-DE" dirty="0"/>
+          </a:p>
+          <a:p>
+            <a:pPr marL="0" marR="0" lvl="0" indent="0" algn="l" defTabSz="914400" rtl="0" eaLnBrk="1" fontAlgn="auto" latinLnBrk="0" hangingPunct="1">
+              <a:lnSpc>
+                <a:spcPct val="100000"/>
+              </a:lnSpc>
+              <a:spcBef>
+                <a:spcPts val="0"/>
+              </a:spcBef>
+              <a:spcAft>
+                <a:spcPts val="0"/>
+              </a:spcAft>
+              <a:buClrTx/>
+              <a:buSzTx/>
+              <a:buFontTx/>
+              <a:buNone/>
+              <a:tabLst/>
+              <a:defRPr/>
+            </a:pPr>
+            <a:endParaRPr lang="de-DE" dirty="0"/>
+          </a:p>
+          <a:p>
+            <a:pPr marL="0" marR="0" lvl="0" indent="0" algn="l" defTabSz="914400" rtl="0" eaLnBrk="1" fontAlgn="auto" latinLnBrk="0" hangingPunct="1">
+              <a:lnSpc>
+                <a:spcPct val="100000"/>
+              </a:lnSpc>
+              <a:spcBef>
+                <a:spcPts val="0"/>
+              </a:spcBef>
+              <a:spcAft>
+                <a:spcPts val="0"/>
+              </a:spcAft>
+              <a:buClrTx/>
+              <a:buSzTx/>
+              <a:buFontTx/>
+              <a:buNone/>
+              <a:tabLst/>
+              <a:defRPr/>
+            </a:pPr>
+            <a:r>
+              <a:rPr lang="de-DE" dirty="0" err="1"/>
+              <a:t>HyperTEXT</a:t>
+            </a:r>
+            <a:r>
+              <a:rPr lang="de-DE" dirty="0"/>
+              <a:t> Transfer Protocol (seit HTTP/2 auch </a:t>
+            </a:r>
+            <a:r>
+              <a:rPr lang="de-DE" dirty="0" err="1"/>
+              <a:t>binary</a:t>
+            </a:r>
+            <a:r>
+              <a:rPr lang="de-DE" dirty="0"/>
+              <a:t>)</a:t>
+            </a:r>
+          </a:p>
+          <a:p>
+            <a:pPr marL="171450" indent="-171450">
+              <a:buFont typeface="Wingdings" panose="05000000000000000000" pitchFamily="2" charset="2"/>
+              <a:buChar char="à"/>
+            </a:pPr>
+            <a:r>
+              <a:rPr lang="de-DE" dirty="0">
+                <a:sym typeface="Wingdings" panose="05000000000000000000" pitchFamily="2" charset="2"/>
+              </a:rPr>
+              <a:t>TCP Verbindung Aufbauen</a:t>
+            </a:r>
+          </a:p>
+          <a:p>
+            <a:pPr marL="171450" indent="-171450">
+              <a:buFont typeface="Wingdings" panose="05000000000000000000" pitchFamily="2" charset="2"/>
+              <a:buChar char="à"/>
+            </a:pPr>
+            <a:r>
+              <a:rPr lang="de-DE" dirty="0"/>
+              <a:t>Statusline</a:t>
+            </a:r>
+          </a:p>
+          <a:p>
+            <a:pPr marL="171450" indent="-171450">
+              <a:buFont typeface="Wingdings" panose="05000000000000000000" pitchFamily="2" charset="2"/>
+              <a:buChar char="à"/>
+            </a:pPr>
+            <a:r>
+              <a:rPr lang="de-DE" dirty="0"/>
+              <a:t>Header</a:t>
+            </a:r>
+          </a:p>
+          <a:p>
+            <a:pPr marL="171450" indent="-171450">
+              <a:buFont typeface="Wingdings" panose="05000000000000000000" pitchFamily="2" charset="2"/>
+              <a:buChar char="à"/>
+            </a:pPr>
+            <a:r>
+              <a:rPr lang="de-DE" dirty="0"/>
+              <a:t>Auf Antwort warten</a:t>
+            </a:r>
+          </a:p>
+          <a:p>
+            <a:endParaRPr lang="de-DE" dirty="0"/>
+          </a:p>
+          <a:p>
+            <a:endParaRPr lang="de-DE" dirty="0"/>
+          </a:p>
+          <a:p>
+            <a:r>
+              <a:rPr lang="de-DE" dirty="0"/>
+              <a:t>Grundlegende Aufgabe von </a:t>
+            </a:r>
+            <a:r>
+              <a:rPr lang="de-DE" dirty="0" err="1"/>
+              <a:t>Webframeworkcs</a:t>
+            </a:r>
+            <a:endParaRPr lang="de-DE" dirty="0"/>
+          </a:p>
+          <a:p>
+            <a:pPr marL="171450" indent="-171450">
+              <a:buFont typeface="Arial" panose="020B0604020202020204" pitchFamily="34" charset="0"/>
+              <a:buChar char="•"/>
+            </a:pPr>
+            <a:r>
+              <a:rPr lang="de-DE" dirty="0"/>
+              <a:t>Routing </a:t>
+            </a:r>
+            <a:r>
+              <a:rPr lang="de-DE" dirty="0">
+                <a:sym typeface="Wingdings" panose="05000000000000000000" pitchFamily="2" charset="2"/>
+              </a:rPr>
+              <a:t> Method + Path</a:t>
+            </a:r>
+            <a:endParaRPr lang="de-DE" dirty="0"/>
+          </a:p>
+          <a:p>
+            <a:pPr marL="171450" indent="-171450">
+              <a:buFont typeface="Arial" panose="020B0604020202020204" pitchFamily="34" charset="0"/>
+              <a:buChar char="•"/>
+            </a:pPr>
+            <a:r>
+              <a:rPr lang="de-DE" dirty="0"/>
+              <a:t>Auslesen der Route/Query/Headern</a:t>
+            </a:r>
+          </a:p>
+          <a:p>
+            <a:pPr marL="171450" indent="-171450">
+              <a:buFont typeface="Arial" panose="020B0604020202020204" pitchFamily="34" charset="0"/>
+              <a:buChar char="•"/>
+            </a:pPr>
+            <a:endParaRPr lang="de-DE" dirty="0"/>
+          </a:p>
+          <a:p>
             <a:endParaRPr lang="de-DE" dirty="0"/>
           </a:p>
         </p:txBody>
@@ -638,6 +812,212 @@
           <a:bodyPr/>
           <a:lstStyle/>
           <a:p>
+            <a:r>
+              <a:rPr lang="en-US" dirty="0" err="1"/>
+              <a:t>ModelBinder</a:t>
+            </a:r>
+            <a:r>
+              <a:rPr lang="en-US" dirty="0"/>
+              <a:t> in der </a:t>
+            </a:r>
+            <a:r>
+              <a:rPr lang="en-US" dirty="0" err="1"/>
+              <a:t>Methodensignatur</a:t>
+            </a:r>
+            <a:endParaRPr lang="en-US" dirty="0"/>
+          </a:p>
+          <a:p>
+            <a:r>
+              <a:rPr lang="en-US" dirty="0"/>
+              <a:t>Muss </a:t>
+            </a:r>
+            <a:r>
+              <a:rPr lang="en-US" dirty="0" err="1"/>
+              <a:t>IModelBinder</a:t>
+            </a:r>
+            <a:r>
+              <a:rPr lang="en-US" dirty="0"/>
+              <a:t> sein</a:t>
+            </a:r>
+          </a:p>
+          <a:p>
+            <a:endParaRPr lang="en-US" dirty="0"/>
+          </a:p>
+          <a:p>
+            <a:endParaRPr lang="en-US" dirty="0"/>
+          </a:p>
+          <a:p>
+            <a:r>
+              <a:rPr lang="en-US" dirty="0"/>
+              <a:t>Demo </a:t>
+            </a:r>
+            <a:r>
+              <a:rPr lang="en-US" dirty="0" err="1"/>
+              <a:t>mit</a:t>
+            </a:r>
+            <a:r>
+              <a:rPr lang="en-US" dirty="0"/>
+              <a:t> </a:t>
+            </a:r>
+            <a:r>
+              <a:rPr lang="en-US" dirty="0" err="1"/>
+              <a:t>ModelBinder</a:t>
+            </a:r>
+            <a:endParaRPr lang="en-US" dirty="0"/>
+          </a:p>
+          <a:p>
+            <a:pPr marL="171450" indent="-171450">
+              <a:buFont typeface="Arial" panose="020B0604020202020204" pitchFamily="34" charset="0"/>
+              <a:buChar char="•"/>
+            </a:pPr>
+            <a:r>
+              <a:rPr lang="en-US" dirty="0" err="1"/>
+              <a:t>BindModelAsync</a:t>
+            </a:r>
+            <a:r>
+              <a:rPr lang="en-US" dirty="0"/>
+              <a:t> </a:t>
+            </a:r>
+            <a:r>
+              <a:rPr lang="en-US" dirty="0" err="1"/>
+              <a:t>methode</a:t>
+            </a:r>
+            <a:r>
+              <a:rPr lang="en-US" dirty="0"/>
+              <a:t> </a:t>
+            </a:r>
+            <a:r>
+              <a:rPr lang="en-US" dirty="0" err="1"/>
+              <a:t>debuggen</a:t>
+            </a:r>
+            <a:endParaRPr lang="en-US" i="0" dirty="0"/>
+          </a:p>
+          <a:p>
+            <a:pPr marL="0" marR="0" lvl="0" indent="0" algn="l" defTabSz="914400" rtl="0" eaLnBrk="1" fontAlgn="auto" latinLnBrk="0" hangingPunct="1">
+              <a:lnSpc>
+                <a:spcPct val="100000"/>
+              </a:lnSpc>
+              <a:spcBef>
+                <a:spcPts val="0"/>
+              </a:spcBef>
+              <a:spcAft>
+                <a:spcPts val="0"/>
+              </a:spcAft>
+              <a:buClrTx/>
+              <a:buSzTx/>
+              <a:buFontTx/>
+              <a:buNone/>
+              <a:tabLst/>
+              <a:defRPr/>
+            </a:pPr>
+            <a:r>
+              <a:rPr lang="en-US" i="0" dirty="0">
+                <a:sym typeface="Wingdings" panose="05000000000000000000" pitchFamily="2" charset="2"/>
+              </a:rPr>
+              <a:t> </a:t>
+            </a:r>
+            <a:r>
+              <a:rPr lang="en-US" i="0" dirty="0" err="1">
+                <a:sym typeface="Wingdings" panose="05000000000000000000" pitchFamily="2" charset="2"/>
+              </a:rPr>
+              <a:t>StackTrace</a:t>
+            </a:r>
+            <a:r>
+              <a:rPr lang="en-US" i="0" dirty="0">
+                <a:sym typeface="Wingdings" panose="05000000000000000000" pitchFamily="2" charset="2"/>
+              </a:rPr>
+              <a:t> </a:t>
+            </a:r>
+            <a:r>
+              <a:rPr lang="en-US" i="0" dirty="0" err="1">
+                <a:sym typeface="Wingdings" panose="05000000000000000000" pitchFamily="2" charset="2"/>
+              </a:rPr>
+              <a:t>zeigen</a:t>
+            </a:r>
+            <a:endParaRPr lang="en-US" dirty="0"/>
+          </a:p>
+          <a:p>
+            <a:pPr marL="0" indent="0">
+              <a:buFont typeface="Arial" panose="020B0604020202020204" pitchFamily="34" charset="0"/>
+              <a:buNone/>
+            </a:pPr>
+            <a:endParaRPr lang="en-US" dirty="0"/>
+          </a:p>
+          <a:p>
+            <a:pPr marL="0" marR="0" lvl="0" indent="0" algn="l" defTabSz="914400" rtl="0" eaLnBrk="1" fontAlgn="auto" latinLnBrk="0" hangingPunct="1">
+              <a:lnSpc>
+                <a:spcPct val="100000"/>
+              </a:lnSpc>
+              <a:spcBef>
+                <a:spcPts val="0"/>
+              </a:spcBef>
+              <a:spcAft>
+                <a:spcPts val="0"/>
+              </a:spcAft>
+              <a:buClrTx/>
+              <a:buSzTx/>
+              <a:buFontTx/>
+              <a:buNone/>
+              <a:tabLst/>
+              <a:defRPr/>
+            </a:pPr>
+            <a:endParaRPr lang="en-US" dirty="0"/>
+          </a:p>
+          <a:p>
+            <a:pPr marL="0" marR="0" lvl="0" indent="0" algn="l" defTabSz="914400" rtl="0" eaLnBrk="1" fontAlgn="auto" latinLnBrk="0" hangingPunct="1">
+              <a:lnSpc>
+                <a:spcPct val="100000"/>
+              </a:lnSpc>
+              <a:spcBef>
+                <a:spcPts val="0"/>
+              </a:spcBef>
+              <a:spcAft>
+                <a:spcPts val="0"/>
+              </a:spcAft>
+              <a:buClrTx/>
+              <a:buSzTx/>
+              <a:buFontTx/>
+              <a:buNone/>
+              <a:tabLst/>
+              <a:defRPr/>
+            </a:pPr>
+            <a:r>
+              <a:rPr lang="en-US" dirty="0" err="1"/>
+              <a:t>ArticleNumber</a:t>
+            </a:r>
+            <a:r>
+              <a:rPr lang="en-US" dirty="0"/>
+              <a:t> binding:</a:t>
+            </a:r>
+          </a:p>
+          <a:p>
+            <a:pPr marL="0" marR="0" lvl="0" indent="0" algn="l" defTabSz="914400" rtl="0" eaLnBrk="1" fontAlgn="auto" latinLnBrk="0" hangingPunct="1">
+              <a:lnSpc>
+                <a:spcPct val="100000"/>
+              </a:lnSpc>
+              <a:spcBef>
+                <a:spcPts val="0"/>
+              </a:spcBef>
+              <a:spcAft>
+                <a:spcPts val="0"/>
+              </a:spcAft>
+              <a:buClrTx/>
+              <a:buSzTx/>
+              <a:buFontTx/>
+              <a:buNone/>
+              <a:tabLst/>
+              <a:defRPr/>
+            </a:pPr>
+            <a:r>
+              <a:rPr lang="en-US" i="0" dirty="0"/>
+              <a:t>https://localhost:7248/binding/articleNumber/modelBinder/123456789</a:t>
+            </a:r>
+          </a:p>
+          <a:p>
+            <a:pPr marL="0" indent="0">
+              <a:buFont typeface="Arial" panose="020B0604020202020204" pitchFamily="34" charset="0"/>
+              <a:buNone/>
+            </a:pPr>
             <a:endParaRPr lang="en-AT" dirty="0"/>
           </a:p>
         </p:txBody>
@@ -659,7 +1039,7 @@
           <a:p>
             <a:fld id="{4D6B7403-AAEE-4E5A-8745-677A04A5E937}" type="slidenum">
               <a:rPr lang="de-DE" smtClean="0"/>
-              <a:t>11</a:t>
+              <a:t>10</a:t>
             </a:fld>
             <a:endParaRPr lang="de-DE"/>
           </a:p>
@@ -668,7 +1048,7 @@
     </p:spTree>
     <p:extLst>
       <p:ext uri="{BB962C8B-B14F-4D97-AF65-F5344CB8AC3E}">
-        <p14:creationId xmlns:p14="http://schemas.microsoft.com/office/powerpoint/2010/main" val="307799952"/>
+        <p14:creationId xmlns:p14="http://schemas.microsoft.com/office/powerpoint/2010/main" val="3126172129"/>
       </p:ext>
     </p:extLst>
   </p:cSld>
@@ -722,178 +1102,6 @@
           <a:bodyPr/>
           <a:lstStyle/>
           <a:p>
-            <a:endParaRPr lang="en-US" dirty="0"/>
-          </a:p>
-          <a:p>
-            <a:r>
-              <a:rPr lang="en-US" dirty="0"/>
-              <a:t>Demo </a:t>
-            </a:r>
-            <a:r>
-              <a:rPr lang="en-US" dirty="0" err="1"/>
-              <a:t>mit</a:t>
-            </a:r>
-            <a:r>
-              <a:rPr lang="en-US" dirty="0"/>
-              <a:t> </a:t>
-            </a:r>
-            <a:r>
-              <a:rPr lang="en-US" dirty="0" err="1"/>
-              <a:t>ModelBinderProvider</a:t>
-            </a:r>
-            <a:endParaRPr lang="en-US" dirty="0"/>
-          </a:p>
-          <a:p>
-            <a:pPr marL="171450" indent="-171450">
-              <a:buFont typeface="Arial" panose="020B0604020202020204" pitchFamily="34" charset="0"/>
-              <a:buChar char="•"/>
-            </a:pPr>
-            <a:r>
-              <a:rPr lang="en-US" dirty="0"/>
-              <a:t>die </a:t>
-            </a:r>
-            <a:r>
-              <a:rPr lang="en-US" dirty="0" err="1"/>
-              <a:t>standardmäßigen</a:t>
-            </a:r>
-            <a:r>
-              <a:rPr lang="en-US" dirty="0"/>
-              <a:t> </a:t>
-            </a:r>
-            <a:r>
-              <a:rPr lang="en-US" dirty="0" err="1"/>
-              <a:t>ModelBinder</a:t>
-            </a:r>
-            <a:r>
-              <a:rPr lang="en-US" dirty="0"/>
-              <a:t> in </a:t>
-            </a:r>
-            <a:r>
-              <a:rPr lang="en-US" dirty="0" err="1"/>
-              <a:t>Program.cs</a:t>
-            </a:r>
-            <a:r>
-              <a:rPr lang="en-US" dirty="0"/>
-              <a:t> </a:t>
-            </a:r>
-            <a:r>
-              <a:rPr lang="en-US" dirty="0" err="1"/>
-              <a:t>zeigen</a:t>
-            </a:r>
-            <a:endParaRPr lang="en-US" dirty="0"/>
-          </a:p>
-          <a:p>
-            <a:pPr marL="628650" lvl="1" indent="-171450">
-              <a:buFont typeface="Arial" panose="020B0604020202020204" pitchFamily="34" charset="0"/>
-              <a:buChar char="•"/>
-            </a:pPr>
-            <a:r>
-              <a:rPr lang="en-US" dirty="0" err="1"/>
-              <a:t>Reihenfolge</a:t>
-            </a:r>
-            <a:r>
-              <a:rPr lang="en-US" dirty="0"/>
-              <a:t> muss </a:t>
-            </a:r>
-            <a:r>
-              <a:rPr lang="en-US" dirty="0" err="1"/>
-              <a:t>beachtet</a:t>
-            </a:r>
-            <a:r>
-              <a:rPr lang="en-US" dirty="0"/>
-              <a:t> </a:t>
-            </a:r>
-            <a:r>
-              <a:rPr lang="en-US" dirty="0" err="1"/>
-              <a:t>werden</a:t>
-            </a:r>
-            <a:endParaRPr lang="en-US" dirty="0"/>
-          </a:p>
-          <a:p>
-            <a:pPr marL="171450" indent="-171450">
-              <a:buFont typeface="Arial" panose="020B0604020202020204" pitchFamily="34" charset="0"/>
-              <a:buChar char="•"/>
-            </a:pPr>
-            <a:r>
-              <a:rPr lang="en-US" dirty="0" err="1"/>
-              <a:t>SingleValueModelBinderProvider</a:t>
-            </a:r>
-            <a:endParaRPr lang="en-US" dirty="0"/>
-          </a:p>
-          <a:p>
-            <a:endParaRPr lang="en-US" dirty="0"/>
-          </a:p>
-          <a:p>
-            <a:endParaRPr lang="en-US" dirty="0"/>
-          </a:p>
-          <a:p>
-            <a:pPr marL="0" marR="0" lvl="0" indent="0" algn="l" defTabSz="914400" rtl="0" eaLnBrk="1" fontAlgn="auto" latinLnBrk="0" hangingPunct="1">
-              <a:lnSpc>
-                <a:spcPct val="100000"/>
-              </a:lnSpc>
-              <a:spcBef>
-                <a:spcPts val="0"/>
-              </a:spcBef>
-              <a:spcAft>
-                <a:spcPts val="0"/>
-              </a:spcAft>
-              <a:buClrTx/>
-              <a:buSzTx/>
-              <a:buFontTx/>
-              <a:buNone/>
-              <a:tabLst/>
-              <a:defRPr/>
-            </a:pPr>
-            <a:r>
-              <a:rPr lang="en-US" dirty="0" err="1"/>
-              <a:t>ArticleNumber</a:t>
-            </a:r>
-            <a:r>
-              <a:rPr lang="en-US" dirty="0"/>
-              <a:t> binding:</a:t>
-            </a:r>
-          </a:p>
-          <a:p>
-            <a:pPr marL="0" marR="0" lvl="0" indent="0" algn="l" defTabSz="914400" rtl="0" eaLnBrk="1" fontAlgn="auto" latinLnBrk="0" hangingPunct="1">
-              <a:lnSpc>
-                <a:spcPct val="100000"/>
-              </a:lnSpc>
-              <a:spcBef>
-                <a:spcPts val="0"/>
-              </a:spcBef>
-              <a:spcAft>
-                <a:spcPts val="0"/>
-              </a:spcAft>
-              <a:buClrTx/>
-              <a:buSzTx/>
-              <a:buFontTx/>
-              <a:buNone/>
-              <a:tabLst/>
-              <a:defRPr/>
-            </a:pPr>
-            <a:r>
-              <a:rPr lang="en-US" i="0" dirty="0"/>
-              <a:t>https://localhost:7248/binding/articleNumber/modelBindingProvider/123456789</a:t>
-            </a:r>
-          </a:p>
-          <a:p>
-            <a:pPr marL="0" marR="0" lvl="0" indent="0" algn="l" defTabSz="914400" rtl="0" eaLnBrk="1" fontAlgn="auto" latinLnBrk="0" hangingPunct="1">
-              <a:lnSpc>
-                <a:spcPct val="100000"/>
-              </a:lnSpc>
-              <a:spcBef>
-                <a:spcPts val="0"/>
-              </a:spcBef>
-              <a:spcAft>
-                <a:spcPts val="0"/>
-              </a:spcAft>
-              <a:buClrTx/>
-              <a:buSzTx/>
-              <a:buFontTx/>
-              <a:buNone/>
-              <a:tabLst/>
-              <a:defRPr/>
-            </a:pPr>
             <a:endParaRPr lang="en-AT" dirty="0"/>
           </a:p>
         </p:txBody>
@@ -915,7 +1123,7 @@
           <a:p>
             <a:fld id="{4D6B7403-AAEE-4E5A-8745-677A04A5E937}" type="slidenum">
               <a:rPr lang="de-DE" smtClean="0"/>
-              <a:t>12</a:t>
+              <a:t>11</a:t>
             </a:fld>
             <a:endParaRPr lang="de-DE"/>
           </a:p>
@@ -924,7 +1132,7 @@
     </p:spTree>
     <p:extLst>
       <p:ext uri="{BB962C8B-B14F-4D97-AF65-F5344CB8AC3E}">
-        <p14:creationId xmlns:p14="http://schemas.microsoft.com/office/powerpoint/2010/main" val="2197483244"/>
+        <p14:creationId xmlns:p14="http://schemas.microsoft.com/office/powerpoint/2010/main" val="307799952"/>
       </p:ext>
     </p:extLst>
   </p:cSld>
@@ -981,6 +1189,105 @@
             <a:endParaRPr lang="en-US" dirty="0"/>
           </a:p>
           <a:p>
+            <a:r>
+              <a:rPr lang="en-US" dirty="0"/>
+              <a:t>Demo </a:t>
+            </a:r>
+            <a:r>
+              <a:rPr lang="en-US" dirty="0" err="1"/>
+              <a:t>mit</a:t>
+            </a:r>
+            <a:r>
+              <a:rPr lang="en-US" dirty="0"/>
+              <a:t> </a:t>
+            </a:r>
+            <a:r>
+              <a:rPr lang="en-US" dirty="0" err="1"/>
+              <a:t>ModelBinderProvider</a:t>
+            </a:r>
+            <a:endParaRPr lang="en-US" dirty="0"/>
+          </a:p>
+          <a:p>
+            <a:pPr marL="171450" indent="-171450">
+              <a:buFont typeface="Arial" panose="020B0604020202020204" pitchFamily="34" charset="0"/>
+              <a:buChar char="•"/>
+            </a:pPr>
+            <a:r>
+              <a:rPr lang="en-US" dirty="0"/>
+              <a:t>die </a:t>
+            </a:r>
+            <a:r>
+              <a:rPr lang="en-US" dirty="0" err="1"/>
+              <a:t>standardmäßigen</a:t>
+            </a:r>
+            <a:r>
+              <a:rPr lang="en-US" dirty="0"/>
+              <a:t> </a:t>
+            </a:r>
+            <a:r>
+              <a:rPr lang="en-US" dirty="0" err="1"/>
+              <a:t>ModelBinder</a:t>
+            </a:r>
+            <a:r>
+              <a:rPr lang="en-US" dirty="0"/>
+              <a:t> in </a:t>
+            </a:r>
+            <a:r>
+              <a:rPr lang="en-US" dirty="0" err="1"/>
+              <a:t>Program.cs</a:t>
+            </a:r>
+            <a:r>
+              <a:rPr lang="en-US" dirty="0"/>
+              <a:t> </a:t>
+            </a:r>
+            <a:r>
+              <a:rPr lang="en-US" dirty="0" err="1"/>
+              <a:t>zeigen</a:t>
+            </a:r>
+            <a:endParaRPr lang="en-US" dirty="0"/>
+          </a:p>
+          <a:p>
+            <a:pPr marL="628650" lvl="1" indent="-171450">
+              <a:buFont typeface="Arial" panose="020B0604020202020204" pitchFamily="34" charset="0"/>
+              <a:buChar char="•"/>
+            </a:pPr>
+            <a:r>
+              <a:rPr lang="en-US" dirty="0" err="1"/>
+              <a:t>Reihenfolge</a:t>
+            </a:r>
+            <a:r>
+              <a:rPr lang="en-US" dirty="0"/>
+              <a:t> muss </a:t>
+            </a:r>
+            <a:r>
+              <a:rPr lang="en-US" dirty="0" err="1"/>
+              <a:t>beachtet</a:t>
+            </a:r>
+            <a:r>
+              <a:rPr lang="en-US" dirty="0"/>
+              <a:t> </a:t>
+            </a:r>
+            <a:r>
+              <a:rPr lang="en-US" dirty="0" err="1"/>
+              <a:t>werden</a:t>
+            </a:r>
+            <a:endParaRPr lang="en-US" dirty="0"/>
+          </a:p>
+          <a:p>
+            <a:pPr marL="171450" indent="-171450">
+              <a:buFont typeface="Arial" panose="020B0604020202020204" pitchFamily="34" charset="0"/>
+              <a:buChar char="•"/>
+            </a:pPr>
+            <a:r>
+              <a:rPr lang="en-US" dirty="0" err="1"/>
+              <a:t>SingleValueModelBinderProvider</a:t>
+            </a:r>
+            <a:endParaRPr lang="en-US" dirty="0"/>
+          </a:p>
+          <a:p>
+            <a:endParaRPr lang="en-US" dirty="0"/>
+          </a:p>
+          <a:p>
             <a:endParaRPr lang="en-US" dirty="0"/>
           </a:p>
           <a:p>
@@ -1002,35 +1309,55 @@
               <a:defRPr/>
             </a:pPr>
             <a:r>
-              <a:rPr lang="en-US" dirty="0"/>
-              <a:t>Demo </a:t>
-            </a:r>
-            <a:r>
               <a:rPr lang="en-US" dirty="0" err="1"/>
-              <a:t>mit</a:t>
-            </a:r>
-            <a:r>
-              <a:rPr lang="en-US" dirty="0"/>
-              <a:t> </a:t>
-            </a:r>
-            <a:r>
-              <a:rPr lang="en-US" dirty="0" err="1"/>
-              <a:t>ModelBinderProvider</a:t>
-            </a:r>
-            <a:endParaRPr lang="en-US" dirty="0"/>
-          </a:p>
-          <a:p>
-            <a:pPr marL="171450" indent="-171450">
-              <a:buFont typeface="Arial" panose="020B0604020202020204" pitchFamily="34" charset="0"/>
-              <a:buChar char="•"/>
+              <a:t>ArticleNumber</a:t>
+            </a:r>
+            <a:r>
+              <a:rPr lang="en-US" dirty="0"/>
+              <a:t> binding:</a:t>
+            </a:r>
+          </a:p>
+          <a:p>
+            <a:pPr marL="0" marR="0" lvl="0" indent="0" algn="l" defTabSz="914400" rtl="0" eaLnBrk="1" fontAlgn="auto" latinLnBrk="0" hangingPunct="1">
+              <a:lnSpc>
+                <a:spcPct val="100000"/>
+              </a:lnSpc>
+              <a:spcBef>
+                <a:spcPts val="0"/>
+              </a:spcBef>
+              <a:spcAft>
+                <a:spcPts val="0"/>
+              </a:spcAft>
+              <a:buClrTx/>
+              <a:buSzTx/>
+              <a:buFontTx/>
+              <a:buNone/>
+              <a:tabLst/>
+              <a:defRPr/>
             </a:pPr>
             <a:r>
-              <a:rPr lang="en-US" dirty="0" err="1"/>
-              <a:t>ReflectionModelBinderProvider</a:t>
-            </a:r>
-            <a:endParaRPr lang="en-US" dirty="0"/>
-          </a:p>
-          <a:p>
+              <a:rPr lang="en-US" i="0" dirty="0"/>
+              <a:t>https://localhost:7248/binding/articleNumber/modelBindingProvider/123456789</a:t>
+            </a:r>
+          </a:p>
+          <a:p>
+            <a:pPr marL="0" marR="0" lvl="0" indent="0" algn="l" defTabSz="914400" rtl="0" eaLnBrk="1" fontAlgn="auto" latinLnBrk="0" hangingPunct="1">
+              <a:lnSpc>
+                <a:spcPct val="100000"/>
+              </a:lnSpc>
+              <a:spcBef>
+                <a:spcPts val="0"/>
+              </a:spcBef>
+              <a:spcAft>
+                <a:spcPts val="0"/>
+              </a:spcAft>
+              <a:buClrTx/>
+              <a:buSzTx/>
+              <a:buFontTx/>
+              <a:buNone/>
+              <a:tabLst/>
+              <a:defRPr/>
+            </a:pPr>
             <a:endParaRPr lang="en-AT" dirty="0"/>
           </a:p>
         </p:txBody>
@@ -1052,7 +1379,7 @@
           <a:p>
             <a:fld id="{4D6B7403-AAEE-4E5A-8745-677A04A5E937}" type="slidenum">
               <a:rPr lang="de-DE" smtClean="0"/>
-              <a:t>13</a:t>
+              <a:t>12</a:t>
             </a:fld>
             <a:endParaRPr lang="de-DE"/>
           </a:p>
@@ -1061,7 +1388,7 @@
     </p:spTree>
     <p:extLst>
       <p:ext uri="{BB962C8B-B14F-4D97-AF65-F5344CB8AC3E}">
-        <p14:creationId xmlns:p14="http://schemas.microsoft.com/office/powerpoint/2010/main" val="1725691949"/>
+        <p14:creationId xmlns:p14="http://schemas.microsoft.com/office/powerpoint/2010/main" val="2197483244"/>
       </p:ext>
     </p:extLst>
   </p:cSld>
@@ -1115,10 +1442,7 @@
           <a:bodyPr/>
           <a:lstStyle/>
           <a:p>
-            <a:r>
-              <a:rPr lang="en-US" dirty="0"/>
-              <a:t>Software-architecture</a:t>
-            </a:r>
+            <a:endParaRPr lang="en-US" dirty="0"/>
           </a:p>
           <a:p>
             <a:endParaRPr lang="en-US" dirty="0"/>
@@ -1142,8 +1466,12 @@
               <a:defRPr/>
             </a:pPr>
             <a:r>
+              <a:rPr lang="en-US" dirty="0"/>
+              <a:t>Demo </a:t>
+            </a:r>
+            <a:r>
               <a:rPr lang="en-US" dirty="0" err="1"/>
-              <a:t>ArticleNumber</a:t>
+              <a:t>mit</a:t>
             </a:r>
             <a:r>
               <a:rPr lang="en-US" dirty="0"/>
@@ -1151,97 +1479,20 @@
             </a:r>
             <a:r>
               <a:rPr lang="en-US" dirty="0" err="1"/>
-              <a:t>zentrales</a:t>
-            </a:r>
-            <a:r>
-              <a:rPr lang="en-US" dirty="0"/>
-              <a:t> </a:t>
-            </a:r>
+              <a:t>ModelBinderProvider</a:t>
+            </a:r>
+            <a:endParaRPr lang="en-US" dirty="0"/>
+          </a:p>
+          <a:p>
+            <a:pPr marL="171450" indent="-171450">
+              <a:buFont typeface="Arial" panose="020B0604020202020204" pitchFamily="34" charset="0"/>
+              <a:buChar char="•"/>
+            </a:pPr>
             <a:r>
               <a:rPr lang="en-US" dirty="0" err="1"/>
-              <a:t>objekt</a:t>
+              <a:t>ReflectionModelBinderProvider</a:t>
             </a:r>
             <a:endParaRPr lang="en-US" dirty="0"/>
-          </a:p>
-          <a:p>
-            <a:endParaRPr lang="en-US" dirty="0"/>
-          </a:p>
-          <a:p>
-            <a:r>
-              <a:rPr lang="en-US" dirty="0"/>
-              <a:t>HTTP Requests </a:t>
-            </a:r>
-            <a:r>
-              <a:rPr lang="en-US" dirty="0" err="1"/>
-              <a:t>bleiben</a:t>
-            </a:r>
-            <a:r>
-              <a:rPr lang="en-US" dirty="0"/>
-              <a:t> </a:t>
-            </a:r>
-            <a:r>
-              <a:rPr lang="en-US" dirty="0" err="1"/>
-              <a:t>gleich</a:t>
-            </a:r>
-            <a:r>
-              <a:rPr lang="en-US" dirty="0"/>
-              <a:t> -&gt; </a:t>
-            </a:r>
-            <a:r>
-              <a:rPr lang="en-US" dirty="0" err="1"/>
-              <a:t>ein</a:t>
-            </a:r>
-            <a:r>
-              <a:rPr lang="en-US" dirty="0"/>
-              <a:t> client kann das nicht </a:t>
-            </a:r>
-            <a:r>
-              <a:rPr lang="en-US" dirty="0" err="1"/>
-              <a:t>unterscheiden</a:t>
-            </a:r>
-            <a:endParaRPr lang="en-US" dirty="0"/>
-          </a:p>
-          <a:p>
-            <a:endParaRPr lang="en-US" dirty="0"/>
-          </a:p>
-          <a:p>
-            <a:r>
-              <a:rPr lang="en-US" dirty="0" err="1"/>
-              <a:t>ModelBindingProvider</a:t>
-            </a:r>
-            <a:r>
-              <a:rPr lang="en-US" dirty="0"/>
-              <a:t> </a:t>
-            </a:r>
-            <a:r>
-              <a:rPr lang="en-US" dirty="0">
-                <a:sym typeface="Wingdings" panose="05000000000000000000" pitchFamily="2" charset="2"/>
-              </a:rPr>
-              <a:t> </a:t>
-            </a:r>
-            <a:r>
-              <a:rPr lang="en-US" dirty="0" err="1"/>
-              <a:t>ModelBinder</a:t>
-            </a:r>
-            <a:r>
-              <a:rPr lang="en-US" dirty="0"/>
-              <a:t> </a:t>
-            </a:r>
-            <a:r>
-              <a:rPr lang="en-US" dirty="0">
-                <a:sym typeface="Wingdings" panose="05000000000000000000" pitchFamily="2" charset="2"/>
-              </a:rPr>
-              <a:t> </a:t>
-            </a:r>
-            <a:r>
-              <a:rPr lang="en-US" dirty="0" err="1">
-                <a:sym typeface="Wingdings" panose="05000000000000000000" pitchFamily="2" charset="2"/>
-              </a:rPr>
-              <a:t>ArticleNumber</a:t>
-            </a:r>
-            <a:endParaRPr lang="en-US" dirty="0">
-              <a:sym typeface="Wingdings" panose="05000000000000000000" pitchFamily="2" charset="2"/>
-            </a:endParaRPr>
           </a:p>
           <a:p>
             <a:endParaRPr lang="en-AT" dirty="0"/>
@@ -1265,7 +1516,7 @@
           <a:p>
             <a:fld id="{4D6B7403-AAEE-4E5A-8745-677A04A5E937}" type="slidenum">
               <a:rPr lang="de-DE" smtClean="0"/>
-              <a:t>14</a:t>
+              <a:t>13</a:t>
             </a:fld>
             <a:endParaRPr lang="de-DE"/>
           </a:p>
@@ -1274,7 +1525,7 @@
     </p:spTree>
     <p:extLst>
       <p:ext uri="{BB962C8B-B14F-4D97-AF65-F5344CB8AC3E}">
-        <p14:creationId xmlns:p14="http://schemas.microsoft.com/office/powerpoint/2010/main" val="3597527934"/>
+        <p14:creationId xmlns:p14="http://schemas.microsoft.com/office/powerpoint/2010/main" val="1725691949"/>
       </p:ext>
     </p:extLst>
   </p:cSld>
@@ -1328,6 +1579,219 @@
           <a:bodyPr/>
           <a:lstStyle/>
           <a:p>
+            <a:r>
+              <a:rPr lang="en-US" dirty="0"/>
+              <a:t>Software-architecture</a:t>
+            </a:r>
+          </a:p>
+          <a:p>
+            <a:endParaRPr lang="en-US" dirty="0"/>
+          </a:p>
+          <a:p>
+            <a:pPr marL="0" marR="0" lvl="0" indent="0" algn="l" defTabSz="914400" rtl="0" eaLnBrk="1" fontAlgn="auto" latinLnBrk="0" hangingPunct="1">
+              <a:lnSpc>
+                <a:spcPct val="100000"/>
+              </a:lnSpc>
+              <a:spcBef>
+                <a:spcPts val="0"/>
+              </a:spcBef>
+              <a:spcAft>
+                <a:spcPts val="0"/>
+              </a:spcAft>
+              <a:buClrTx/>
+              <a:buSzTx/>
+              <a:buFontTx/>
+              <a:buNone/>
+              <a:tabLst/>
+              <a:defRPr/>
+            </a:pPr>
+            <a:r>
+              <a:rPr lang="en-US" dirty="0" err="1"/>
+              <a:t>ArticleNumber</a:t>
+            </a:r>
+            <a:r>
+              <a:rPr lang="en-US" dirty="0"/>
+              <a:t> </a:t>
+            </a:r>
+            <a:r>
+              <a:rPr lang="en-US" dirty="0" err="1"/>
+              <a:t>zentrales</a:t>
+            </a:r>
+            <a:r>
+              <a:rPr lang="en-US" dirty="0"/>
+              <a:t> </a:t>
+            </a:r>
+            <a:r>
+              <a:rPr lang="en-US" dirty="0" err="1"/>
+              <a:t>objekt</a:t>
+            </a:r>
+            <a:endParaRPr lang="en-US" dirty="0"/>
+          </a:p>
+          <a:p>
+            <a:endParaRPr lang="en-US" dirty="0"/>
+          </a:p>
+          <a:p>
+            <a:r>
+              <a:rPr lang="en-US" dirty="0"/>
+              <a:t>HTTP Requests </a:t>
+            </a:r>
+            <a:r>
+              <a:rPr lang="en-US" dirty="0" err="1"/>
+              <a:t>bleiben</a:t>
+            </a:r>
+            <a:r>
+              <a:rPr lang="en-US" dirty="0"/>
+              <a:t> </a:t>
+            </a:r>
+            <a:r>
+              <a:rPr lang="en-US" dirty="0" err="1"/>
+              <a:t>gleich</a:t>
+            </a:r>
+            <a:r>
+              <a:rPr lang="en-US" dirty="0"/>
+              <a:t> -&gt; </a:t>
+            </a:r>
+            <a:r>
+              <a:rPr lang="en-US" dirty="0" err="1"/>
+              <a:t>ein</a:t>
+            </a:r>
+            <a:r>
+              <a:rPr lang="en-US" dirty="0"/>
+              <a:t> client kann das nicht </a:t>
+            </a:r>
+            <a:r>
+              <a:rPr lang="en-US" dirty="0" err="1"/>
+              <a:t>unterscheiden</a:t>
+            </a:r>
+            <a:endParaRPr lang="en-US" dirty="0"/>
+          </a:p>
+          <a:p>
+            <a:endParaRPr lang="en-US" dirty="0"/>
+          </a:p>
+          <a:p>
+            <a:r>
+              <a:rPr lang="en-US" dirty="0" err="1"/>
+              <a:t>ModelBindingProvider</a:t>
+            </a:r>
+            <a:r>
+              <a:rPr lang="en-US" dirty="0"/>
+              <a:t> </a:t>
+            </a:r>
+            <a:r>
+              <a:rPr lang="en-US" dirty="0">
+                <a:sym typeface="Wingdings" panose="05000000000000000000" pitchFamily="2" charset="2"/>
+              </a:rPr>
+              <a:t> </a:t>
+            </a:r>
+            <a:r>
+              <a:rPr lang="en-US" dirty="0" err="1"/>
+              <a:t>ModelBinder</a:t>
+            </a:r>
+            <a:r>
+              <a:rPr lang="en-US" dirty="0"/>
+              <a:t> </a:t>
+            </a:r>
+            <a:r>
+              <a:rPr lang="en-US" dirty="0">
+                <a:sym typeface="Wingdings" panose="05000000000000000000" pitchFamily="2" charset="2"/>
+              </a:rPr>
+              <a:t> </a:t>
+            </a:r>
+            <a:r>
+              <a:rPr lang="en-US" dirty="0" err="1">
+                <a:sym typeface="Wingdings" panose="05000000000000000000" pitchFamily="2" charset="2"/>
+              </a:rPr>
+              <a:t>ArticleNumber</a:t>
+            </a:r>
+            <a:endParaRPr lang="en-US" dirty="0">
+              <a:sym typeface="Wingdings" panose="05000000000000000000" pitchFamily="2" charset="2"/>
+            </a:endParaRPr>
+          </a:p>
+          <a:p>
+            <a:endParaRPr lang="en-AT" dirty="0"/>
+          </a:p>
+        </p:txBody>
+      </p:sp>
+      <p:sp>
+        <p:nvSpPr>
+          <p:cNvPr id="4" name="Foliennummernplatzhalter 3"/>
+          <p:cNvSpPr>
+            <a:spLocks noGrp="1"/>
+          </p:cNvSpPr>
+          <p:nvPr>
+            <p:ph type="sldNum" sz="quarter" idx="5"/>
+          </p:nvPr>
+        </p:nvSpPr>
+        <p:spPr/>
+        <p:txBody>
+          <a:bodyPr/>
+          <a:lstStyle/>
+          <a:p>
+            <a:fld id="{4D6B7403-AAEE-4E5A-8745-677A04A5E937}" type="slidenum">
+              <a:rPr lang="de-DE" smtClean="0"/>
+              <a:t>14</a:t>
+            </a:fld>
+            <a:endParaRPr lang="de-DE"/>
+          </a:p>
+        </p:txBody>
+      </p:sp>
+    </p:spTree>
+    <p:extLst>
+      <p:ext uri="{BB962C8B-B14F-4D97-AF65-F5344CB8AC3E}">
+        <p14:creationId xmlns:p14="http://schemas.microsoft.com/office/powerpoint/2010/main" val="3597527934"/>
+      </p:ext>
+    </p:extLst>
+  </p:cSld>
+  <p:clrMapOvr>
+    <a:masterClrMapping/>
+  </p:clrMapOvr>
+</p:notes>
+</file>
+
+<file path=ppt/notesSlides/notesSlide15.xml><?xml version="1.0" encoding="utf-8"?>
+<p:notes xmlns:a="http://schemas.openxmlformats.org/drawingml/2006/main" xmlns:r="http://schemas.openxmlformats.org/officeDocument/2006/relationships" xmlns:p="http://schemas.openxmlformats.org/presentationml/2006/main">
+  <p:cSld>
+    <p:spTree>
+      <p:nvGrpSpPr>
+        <p:cNvPr id="1" name=""/>
+        <p:cNvGrpSpPr/>
+        <p:nvPr/>
+      </p:nvGrpSpPr>
+      <p:grpSpPr>
+        <a:xfrm>
+          <a:off x="0" y="0"/>
+          <a:ext cx="0" cy="0"/>
+          <a:chOff x="0" y="0"/>
+          <a:chExt cx="0" cy="0"/>
+        </a:xfrm>
+      </p:grpSpPr>
+      <p:sp>
+        <p:nvSpPr>
+          <p:cNvPr id="2" name="Folienbildplatzhalter 1"/>
+          <p:cNvSpPr>
+            <a:spLocks noGrp="1" noRot="1" noChangeAspect="1"/>
+          </p:cNvSpPr>
+          <p:nvPr>
+            <p:ph type="sldImg"/>
+          </p:nvPr>
+        </p:nvSpPr>
+        <p:spPr/>
+      </p:sp>
+      <p:sp>
+        <p:nvSpPr>
+          <p:cNvPr id="3" name="Notizenplatzhalter 2"/>
+          <p:cNvSpPr>
+            <a:spLocks noGrp="1"/>
+          </p:cNvSpPr>
+          <p:nvPr>
+            <p:ph type="body" idx="1"/>
+          </p:nvPr>
+        </p:nvSpPr>
+        <p:spPr/>
+        <p:txBody>
+          <a:bodyPr/>
+          <a:lstStyle/>
+          <a:p>
             <a:endParaRPr lang="en-AT" dirty="0"/>
           </a:p>
         </p:txBody>
@@ -1368,7 +1832,7 @@
 </p:notes>
 </file>
 
-<file path=ppt/notesSlides/notesSlide15.xml><?xml version="1.0" encoding="utf-8"?>
+<file path=ppt/notesSlides/notesSlide16.xml><?xml version="1.0" encoding="utf-8"?>
 <p:notes xmlns:a="http://schemas.openxmlformats.org/drawingml/2006/main" xmlns:r="http://schemas.openxmlformats.org/officeDocument/2006/relationships" xmlns:p="http://schemas.openxmlformats.org/presentationml/2006/main">
   <p:cSld>
     <p:spTree>
@@ -1497,39 +1961,38 @@
           <a:lstStyle/>
           <a:p>
             <a:r>
-              <a:rPr lang="en-US" dirty="0"/>
-              <a:t>Slides und code </a:t>
-            </a:r>
-            <a:r>
               <a:rPr lang="en-US" dirty="0" err="1"/>
-              <a:t>ist</a:t>
-            </a:r>
-            <a:r>
-              <a:rPr lang="en-US" dirty="0"/>
-              <a:t> auf GitHub</a:t>
+              <a:t>Vorhin</a:t>
+            </a:r>
+            <a:r>
+              <a:rPr lang="en-US" dirty="0"/>
+              <a:t>: primitive </a:t>
+            </a:r>
+            <a:r>
+              <a:rPr lang="en-US" dirty="0" err="1"/>
+              <a:t>Datentypen</a:t>
+            </a:r>
+            <a:r>
+              <a:rPr lang="en-US" dirty="0"/>
+              <a:t>,</a:t>
+            </a:r>
+          </a:p>
+          <a:p>
+            <a:r>
+              <a:rPr lang="en-US" dirty="0"/>
+              <a:t>Jetzt: Domain Specific Value Types (</a:t>
+            </a:r>
+            <a:r>
+              <a:rPr lang="en-US" dirty="0" err="1"/>
+              <a:t>ValueObjects</a:t>
+            </a:r>
+            <a:r>
+              <a:rPr lang="en-US" dirty="0"/>
+              <a:t>)</a:t>
             </a:r>
           </a:p>
           <a:p>
             <a:endParaRPr lang="en-US" dirty="0"/>
-          </a:p>
-          <a:p>
-            <a:r>
-              <a:rPr lang="en-US" dirty="0"/>
-              <a:t>Bei Fragen </a:t>
-            </a:r>
-            <a:r>
-              <a:rPr lang="en-US" dirty="0" err="1"/>
-              <a:t>einfach</a:t>
-            </a:r>
-            <a:r>
-              <a:rPr lang="en-US" dirty="0"/>
-              <a:t> </a:t>
-            </a:r>
-            <a:r>
-              <a:rPr lang="en-US" dirty="0" err="1"/>
-              <a:t>unterbrechen</a:t>
-            </a:r>
-            <a:endParaRPr lang="en-AT" dirty="0"/>
           </a:p>
         </p:txBody>
       </p:sp>
@@ -1550,7 +2013,7 @@
           <a:p>
             <a:fld id="{4D6B7403-AAEE-4E5A-8745-677A04A5E937}" type="slidenum">
               <a:rPr lang="de-DE" smtClean="0"/>
-              <a:t>3</a:t>
+              <a:t>2</a:t>
             </a:fld>
             <a:endParaRPr lang="de-DE"/>
           </a:p>
@@ -1559,7 +2022,7 @@
     </p:spTree>
     <p:extLst>
       <p:ext uri="{BB962C8B-B14F-4D97-AF65-F5344CB8AC3E}">
-        <p14:creationId xmlns:p14="http://schemas.microsoft.com/office/powerpoint/2010/main" val="1485019383"/>
+        <p14:creationId xmlns:p14="http://schemas.microsoft.com/office/powerpoint/2010/main" val="3069154904"/>
       </p:ext>
     </p:extLst>
   </p:cSld>
@@ -1615,7 +2078,7 @@
           <a:p>
             <a:r>
               <a:rPr lang="en-US" dirty="0"/>
-              <a:t>Was </a:t>
+              <a:t>Slides und code </a:t>
             </a:r>
             <a:r>
               <a:rPr lang="en-US" dirty="0" err="1"/>
@@ -1623,107 +2086,28 @@
             </a:r>
             <a:r>
               <a:rPr lang="en-US" dirty="0"/>
+              <a:t> auf GitHub</a:t>
+            </a:r>
+          </a:p>
+          <a:p>
+            <a:endParaRPr lang="en-US" dirty="0"/>
+          </a:p>
+          <a:p>
+            <a:r>
+              <a:rPr lang="en-US" dirty="0"/>
+              <a:t>Bei Fragen </a:t>
+            </a:r>
+            <a:r>
+              <a:rPr lang="en-US" dirty="0" err="1"/>
+              <a:t>einfach</a:t>
+            </a:r>
+            <a:r>
+              <a:rPr lang="en-US" dirty="0"/>
               <a:t> </a:t>
             </a:r>
             <a:r>
               <a:rPr lang="en-US" dirty="0" err="1"/>
-              <a:t>mit</a:t>
-            </a:r>
-            <a:r>
-              <a:rPr lang="en-US" dirty="0"/>
-              <a:t> Domain Specific Value Types </a:t>
-            </a:r>
-            <a:r>
-              <a:rPr lang="en-US" dirty="0" err="1"/>
-              <a:t>gemeint</a:t>
-            </a:r>
-            <a:endParaRPr lang="en-US" dirty="0"/>
-          </a:p>
-          <a:p>
-            <a:r>
-              <a:rPr lang="en-US" dirty="0" err="1"/>
-              <a:t>Kurze</a:t>
-            </a:r>
-            <a:r>
-              <a:rPr lang="en-US" dirty="0"/>
-              <a:t> </a:t>
-            </a:r>
-            <a:r>
-              <a:rPr lang="en-US" dirty="0" err="1"/>
-              <a:t>einführung</a:t>
-            </a:r>
-            <a:r>
-              <a:rPr lang="en-US" dirty="0"/>
-              <a:t> in ASP.NET</a:t>
-            </a:r>
-          </a:p>
-          <a:p>
-            <a:r>
-              <a:rPr lang="en-US" dirty="0" err="1"/>
-              <a:t>Drei</a:t>
-            </a:r>
-            <a:r>
-              <a:rPr lang="en-US" dirty="0"/>
-              <a:t> </a:t>
-            </a:r>
-            <a:r>
-              <a:rPr lang="en-US" dirty="0" err="1"/>
-              <a:t>verschiedene</a:t>
-            </a:r>
-            <a:r>
-              <a:rPr lang="en-US" dirty="0"/>
-              <a:t> </a:t>
-            </a:r>
-            <a:r>
-              <a:rPr lang="en-US" dirty="0" err="1"/>
-              <a:t>Ansätze</a:t>
-            </a:r>
-            <a:endParaRPr lang="en-US" dirty="0"/>
-          </a:p>
-          <a:p>
-            <a:r>
-              <a:rPr lang="en-US" dirty="0" err="1"/>
-              <a:t>Vergleich</a:t>
-            </a:r>
-            <a:r>
-              <a:rPr lang="en-US" dirty="0"/>
-              <a:t> </a:t>
-            </a:r>
-            <a:r>
-              <a:rPr lang="en-US" dirty="0" err="1"/>
-              <a:t>im</a:t>
-            </a:r>
-            <a:r>
-              <a:rPr lang="en-US" dirty="0"/>
-              <a:t> </a:t>
-            </a:r>
-            <a:r>
-              <a:rPr lang="en-US" dirty="0" err="1"/>
-              <a:t>Hinblick</a:t>
-            </a:r>
-            <a:r>
-              <a:rPr lang="en-US" dirty="0"/>
-              <a:t> auf </a:t>
-            </a:r>
-            <a:r>
-              <a:rPr lang="en-US" dirty="0" err="1"/>
-              <a:t>Architektur</a:t>
-            </a:r>
-            <a:r>
-              <a:rPr lang="en-US" dirty="0"/>
-              <a:t> und </a:t>
-            </a:r>
-            <a:r>
-              <a:rPr lang="en-US" dirty="0" err="1"/>
-              <a:t>eine</a:t>
-            </a:r>
-            <a:r>
-              <a:rPr lang="en-US" dirty="0"/>
-              <a:t> </a:t>
-            </a:r>
-            <a:r>
-              <a:rPr lang="en-US" dirty="0" err="1"/>
-              <a:t>Zusammenfassung</a:t>
+              <a:t>unterbrechen</a:t>
             </a:r>
             <a:endParaRPr lang="en-AT" dirty="0"/>
           </a:p>
@@ -1746,7 +2130,7 @@
           <a:p>
             <a:fld id="{4D6B7403-AAEE-4E5A-8745-677A04A5E937}" type="slidenum">
               <a:rPr lang="de-DE" smtClean="0"/>
-              <a:t>4</a:t>
+              <a:t>3</a:t>
             </a:fld>
             <a:endParaRPr lang="de-DE"/>
           </a:p>
@@ -1755,7 +2139,7 @@
     </p:spTree>
     <p:extLst>
       <p:ext uri="{BB962C8B-B14F-4D97-AF65-F5344CB8AC3E}">
-        <p14:creationId xmlns:p14="http://schemas.microsoft.com/office/powerpoint/2010/main" val="2931113062"/>
+        <p14:creationId xmlns:p14="http://schemas.microsoft.com/office/powerpoint/2010/main" val="1485019383"/>
       </p:ext>
     </p:extLst>
   </p:cSld>
@@ -1810,38 +2194,8 @@
           <a:lstStyle/>
           <a:p>
             <a:r>
-              <a:rPr lang="en-US" dirty="0" err="1"/>
-              <a:t>Kommt</a:t>
-            </a:r>
-            <a:r>
-              <a:rPr lang="en-US" dirty="0"/>
-              <a:t> </a:t>
-            </a:r>
-            <a:r>
-              <a:rPr lang="en-US" dirty="0" err="1"/>
-              <a:t>aus</a:t>
-            </a:r>
-            <a:r>
-              <a:rPr lang="en-US" dirty="0"/>
-              <a:t> dem DDD-</a:t>
-            </a:r>
-            <a:r>
-              <a:rPr lang="en-US" dirty="0" err="1"/>
-              <a:t>Umfeld</a:t>
-            </a:r>
-            <a:endParaRPr lang="en-US" dirty="0"/>
-          </a:p>
-          <a:p>
-            <a:endParaRPr lang="en-US" dirty="0"/>
-          </a:p>
-          <a:p>
-            <a:r>
-              <a:rPr lang="en-US" dirty="0" err="1"/>
-              <a:t>Netto</a:t>
-            </a:r>
-            <a:r>
-              <a:rPr lang="en-US" dirty="0"/>
-              <a:t> </a:t>
+              <a:rPr lang="en-US" dirty="0"/>
+              <a:t>Was </a:t>
             </a:r>
             <a:r>
               <a:rPr lang="en-US" dirty="0" err="1"/>
@@ -1849,15 +2203,39 @@
             </a:r>
             <a:r>
               <a:rPr lang="en-US" dirty="0"/>
-              <a:t> nicht </a:t>
+              <a:t> </a:t>
             </a:r>
             <a:r>
               <a:rPr lang="en-US" dirty="0" err="1"/>
-              <a:t>Brutto</a:t>
-            </a:r>
-            <a:endParaRPr lang="en-US" dirty="0">
-              <a:sym typeface="Wingdings" panose="05000000000000000000" pitchFamily="2" charset="2"/>
-            </a:endParaRPr>
+              <a:t>mit</a:t>
+            </a:r>
+            <a:r>
+              <a:rPr lang="en-US" dirty="0"/>
+              <a:t> Domain Specific Value Types </a:t>
+            </a:r>
+            <a:r>
+              <a:rPr lang="en-US" dirty="0" err="1"/>
+              <a:t>gemeint</a:t>
+            </a:r>
+            <a:endParaRPr lang="en-US" dirty="0"/>
+          </a:p>
+          <a:p>
+            <a:r>
+              <a:rPr lang="en-US" dirty="0" err="1"/>
+              <a:t>Kurze</a:t>
+            </a:r>
+            <a:r>
+              <a:rPr lang="en-US" dirty="0"/>
+              <a:t> </a:t>
+            </a:r>
+            <a:r>
+              <a:rPr lang="en-US" dirty="0" err="1"/>
+              <a:t>einführung</a:t>
+            </a:r>
+            <a:r>
+              <a:rPr lang="en-US" dirty="0"/>
+              <a:t> in ASP.NET</a:t>
+            </a:r>
           </a:p>
           <a:p>
             <a:pPr marL="171450" indent="-171450">
@@ -1865,38 +2243,22 @@
               <a:buChar char="•"/>
             </a:pPr>
             <a:r>
-              <a:rPr lang="en-US" dirty="0" err="1">
-                <a:sym typeface="Wingdings" panose="05000000000000000000" pitchFamily="2" charset="2"/>
-              </a:rPr>
-              <a:t>Darf</a:t>
-            </a:r>
-            <a:r>
-              <a:rPr lang="en-US" dirty="0">
-                <a:sym typeface="Wingdings" panose="05000000000000000000" pitchFamily="2" charset="2"/>
-              </a:rPr>
-              <a:t> nicht </a:t>
-            </a:r>
-            <a:r>
-              <a:rPr lang="en-US" dirty="0" err="1">
-                <a:sym typeface="Wingdings" panose="05000000000000000000" pitchFamily="2" charset="2"/>
-              </a:rPr>
-              <a:t>vertauscht</a:t>
-            </a:r>
-            <a:r>
-              <a:rPr lang="en-US" dirty="0">
-                <a:sym typeface="Wingdings" panose="05000000000000000000" pitchFamily="2" charset="2"/>
-              </a:rPr>
+              <a:rPr lang="en-US" dirty="0"/>
+              <a:t>ASP.NET-</a:t>
+            </a:r>
+            <a:r>
+              <a:rPr lang="en-US" dirty="0" err="1"/>
+              <a:t>Fremde</a:t>
+            </a:r>
+            <a:r>
+              <a:rPr lang="en-US" dirty="0"/>
               <a:t> </a:t>
             </a:r>
             <a:r>
-              <a:rPr lang="en-US" dirty="0" err="1">
-                <a:sym typeface="Wingdings" panose="05000000000000000000" pitchFamily="2" charset="2"/>
-              </a:rPr>
-              <a:t>werden</a:t>
-            </a:r>
-            <a:endParaRPr lang="en-US" dirty="0">
-              <a:sym typeface="Wingdings" panose="05000000000000000000" pitchFamily="2" charset="2"/>
-            </a:endParaRPr>
+              <a:rPr lang="en-US" dirty="0" err="1"/>
+              <a:t>abholen</a:t>
+            </a:r>
+            <a:endParaRPr lang="en-US" dirty="0"/>
           </a:p>
           <a:p>
             <a:pPr marL="171450" indent="-171450">
@@ -1904,254 +2266,137 @@
               <a:buChar char="•"/>
             </a:pPr>
             <a:r>
-              <a:rPr lang="en-US" dirty="0">
-                <a:sym typeface="Wingdings" panose="05000000000000000000" pitchFamily="2" charset="2"/>
-              </a:rPr>
-              <a:t>Nur decimal  </a:t>
-            </a:r>
-            <a:r>
-              <a:rPr lang="en-US" dirty="0" err="1">
-                <a:sym typeface="Wingdings" panose="05000000000000000000" pitchFamily="2" charset="2"/>
-              </a:rPr>
-              <a:t>fehleranfälliger</a:t>
-            </a:r>
-            <a:endParaRPr lang="en-US" dirty="0">
-              <a:sym typeface="Wingdings" panose="05000000000000000000" pitchFamily="2" charset="2"/>
-            </a:endParaRPr>
+              <a:rPr lang="en-US" dirty="0"/>
+              <a:t>Für ASP.NET-Kenner </a:t>
+            </a:r>
+            <a:r>
+              <a:rPr lang="en-US" dirty="0" err="1"/>
+              <a:t>interesssant</a:t>
+            </a:r>
+            <a:endParaRPr lang="en-US" dirty="0"/>
           </a:p>
           <a:p>
             <a:pPr marL="171450" indent="-171450">
               <a:buFont typeface="Arial" panose="020B0604020202020204" pitchFamily="34" charset="0"/>
               <a:buChar char="•"/>
             </a:pPr>
-            <a:endParaRPr lang="en-US" dirty="0">
-              <a:sym typeface="Wingdings" panose="05000000000000000000" pitchFamily="2" charset="2"/>
-            </a:endParaRPr>
-          </a:p>
-          <a:p>
-            <a:pPr marL="0" indent="0">
-              <a:buFont typeface="Arial" panose="020B0604020202020204" pitchFamily="34" charset="0"/>
-              <a:buNone/>
-            </a:pPr>
-            <a:r>
-              <a:rPr lang="en-US" dirty="0" err="1">
-                <a:sym typeface="Wingdings" panose="05000000000000000000" pitchFamily="2" charset="2"/>
-              </a:rPr>
-              <a:t>Weiter</a:t>
-            </a:r>
-            <a:r>
-              <a:rPr lang="en-US" dirty="0">
-                <a:sym typeface="Wingdings" panose="05000000000000000000" pitchFamily="2" charset="2"/>
-              </a:rPr>
+            <a:r>
+              <a:rPr lang="en-US" dirty="0"/>
+              <a:t>ASP.NET </a:t>
+            </a:r>
+            <a:r>
+              <a:rPr lang="en-US" dirty="0" err="1"/>
+              <a:t>Experten</a:t>
+            </a:r>
+            <a:r>
+              <a:rPr lang="en-US" dirty="0"/>
               <a:t> </a:t>
             </a:r>
             <a:r>
-              <a:rPr lang="en-US" dirty="0" err="1">
-                <a:sym typeface="Wingdings" panose="05000000000000000000" pitchFamily="2" charset="2"/>
-              </a:rPr>
-              <a:t>Beispiele</a:t>
-            </a:r>
-            <a:r>
-              <a:rPr lang="en-US" dirty="0">
-                <a:sym typeface="Wingdings" panose="05000000000000000000" pitchFamily="2" charset="2"/>
-              </a:rPr>
-              <a:t>: Email </a:t>
-            </a:r>
-            <a:r>
-              <a:rPr lang="en-US" dirty="0" err="1">
-                <a:sym typeface="Wingdings" panose="05000000000000000000" pitchFamily="2" charset="2"/>
-              </a:rPr>
-              <a:t>Adressen</a:t>
-            </a:r>
-            <a:r>
-              <a:rPr lang="en-US" dirty="0">
-                <a:sym typeface="Wingdings" panose="05000000000000000000" pitchFamily="2" charset="2"/>
-              </a:rPr>
-              <a:t>, ISBN Nummer, IBAN</a:t>
-            </a:r>
-          </a:p>
-          <a:p>
-            <a:pPr marL="0" indent="0">
-              <a:buFont typeface="Arial" panose="020B0604020202020204" pitchFamily="34" charset="0"/>
-              <a:buNone/>
-            </a:pPr>
-            <a:endParaRPr lang="en-US" dirty="0">
-              <a:sym typeface="Wingdings" panose="05000000000000000000" pitchFamily="2" charset="2"/>
-            </a:endParaRPr>
-          </a:p>
-          <a:p>
-            <a:pPr marL="0" indent="0">
-              <a:buFont typeface="Arial" panose="020B0604020202020204" pitchFamily="34" charset="0"/>
-              <a:buNone/>
-            </a:pPr>
-            <a:r>
-              <a:rPr lang="en-US" dirty="0">
-                <a:sym typeface="Wingdings" panose="05000000000000000000" pitchFamily="2" charset="2"/>
-              </a:rPr>
-              <a:t>Für dieses </a:t>
-            </a:r>
-            <a:r>
-              <a:rPr lang="en-US" dirty="0" err="1">
-                <a:sym typeface="Wingdings" panose="05000000000000000000" pitchFamily="2" charset="2"/>
-              </a:rPr>
-              <a:t>Beispiel</a:t>
-            </a:r>
-            <a:r>
-              <a:rPr lang="en-US" dirty="0">
-                <a:sym typeface="Wingdings" panose="05000000000000000000" pitchFamily="2" charset="2"/>
-              </a:rPr>
-              <a:t>: </a:t>
-            </a:r>
-            <a:r>
-              <a:rPr lang="en-US" dirty="0" err="1">
-                <a:sym typeface="Wingdings" panose="05000000000000000000" pitchFamily="2" charset="2"/>
-              </a:rPr>
-              <a:t>Artikelnummer</a:t>
-            </a:r>
-            <a:endParaRPr lang="en-US" dirty="0">
-              <a:sym typeface="Wingdings" panose="05000000000000000000" pitchFamily="2" charset="2"/>
-            </a:endParaRPr>
-          </a:p>
-          <a:p>
-            <a:pPr marL="0" indent="0">
-              <a:buFont typeface="Arial" panose="020B0604020202020204" pitchFamily="34" charset="0"/>
-              <a:buNone/>
-            </a:pPr>
-            <a:r>
-              <a:rPr lang="en-US" dirty="0" err="1">
-                <a:sym typeface="Wingdings" panose="05000000000000000000" pitchFamily="2" charset="2"/>
-              </a:rPr>
-              <a:t>Beim</a:t>
-            </a:r>
-            <a:r>
-              <a:rPr lang="en-US" dirty="0">
-                <a:sym typeface="Wingdings" panose="05000000000000000000" pitchFamily="2" charset="2"/>
-              </a:rPr>
-              <a:t> erstellen wird </a:t>
-            </a:r>
-            <a:r>
-              <a:rPr lang="en-US" dirty="0" err="1">
-                <a:sym typeface="Wingdings" panose="05000000000000000000" pitchFamily="2" charset="2"/>
-              </a:rPr>
-              <a:t>geprüft</a:t>
-            </a:r>
-            <a:r>
-              <a:rPr lang="en-US" dirty="0">
-                <a:sym typeface="Wingdings" panose="05000000000000000000" pitchFamily="2" charset="2"/>
-              </a:rPr>
+              <a:rPr lang="en-US" dirty="0" err="1"/>
+              <a:t>wissen</a:t>
+            </a:r>
+            <a:r>
+              <a:rPr lang="en-US" dirty="0"/>
               <a:t> </a:t>
             </a:r>
             <a:r>
-              <a:rPr lang="en-US" dirty="0" err="1">
-                <a:sym typeface="Wingdings" panose="05000000000000000000" pitchFamily="2" charset="2"/>
-              </a:rPr>
-              <a:t>ob</a:t>
-            </a:r>
-            <a:r>
-              <a:rPr lang="en-US" dirty="0">
-                <a:sym typeface="Wingdings" panose="05000000000000000000" pitchFamily="2" charset="2"/>
-              </a:rPr>
+              <a:rPr lang="en-US" dirty="0" err="1"/>
+              <a:t>schon</a:t>
+            </a:r>
+            <a:r>
+              <a:rPr lang="en-US" dirty="0"/>
               <a:t> </a:t>
             </a:r>
             <a:r>
-              <a:rPr lang="en-US" dirty="0" err="1">
-                <a:sym typeface="Wingdings" panose="05000000000000000000" pitchFamily="2" charset="2"/>
-              </a:rPr>
-              <a:t>valide</a:t>
-            </a:r>
-            <a:endParaRPr lang="en-US" dirty="0">
-              <a:sym typeface="Wingdings" panose="05000000000000000000" pitchFamily="2" charset="2"/>
-            </a:endParaRPr>
-          </a:p>
-          <a:p>
-            <a:pPr marL="171450" indent="-171450">
-              <a:buFont typeface="Arial" panose="020B0604020202020204" pitchFamily="34" charset="0"/>
-              <a:buChar char="•"/>
-            </a:pPr>
-            <a:r>
-              <a:rPr lang="en-US" dirty="0">
-                <a:sym typeface="Wingdings" panose="05000000000000000000" pitchFamily="2" charset="2"/>
-              </a:rPr>
-              <a:t>9 Characters</a:t>
-            </a:r>
-          </a:p>
-          <a:p>
-            <a:pPr marL="171450" indent="-171450">
-              <a:buFont typeface="Arial" panose="020B0604020202020204" pitchFamily="34" charset="0"/>
-              <a:buChar char="•"/>
-            </a:pPr>
-            <a:r>
-              <a:rPr lang="en-US" dirty="0" err="1">
-                <a:sym typeface="Wingdings" panose="05000000000000000000" pitchFamily="2" charset="2"/>
-              </a:rPr>
-              <a:t>Alles</a:t>
-            </a:r>
-            <a:r>
-              <a:rPr lang="en-US" dirty="0">
-                <a:sym typeface="Wingdings" panose="05000000000000000000" pitchFamily="2" charset="2"/>
-              </a:rPr>
+              <a:rPr lang="en-US" dirty="0" err="1"/>
+              <a:t>wie</a:t>
+            </a:r>
+            <a:r>
+              <a:rPr lang="en-US" dirty="0"/>
+              <a:t> das </a:t>
+            </a:r>
+            <a:r>
+              <a:rPr lang="en-US" dirty="0" err="1"/>
+              <a:t>funktioniert</a:t>
+            </a:r>
+            <a:endParaRPr lang="en-US" dirty="0"/>
+          </a:p>
+          <a:p>
+            <a:endParaRPr lang="en-US" dirty="0"/>
+          </a:p>
+          <a:p>
+            <a:r>
+              <a:rPr lang="en-US" dirty="0" err="1"/>
+              <a:t>Drei</a:t>
+            </a:r>
+            <a:r>
+              <a:rPr lang="en-US" dirty="0"/>
               <a:t> </a:t>
             </a:r>
             <a:r>
-              <a:rPr lang="en-US" dirty="0" err="1">
-                <a:sym typeface="Wingdings" panose="05000000000000000000" pitchFamily="2" charset="2"/>
-              </a:rPr>
-              <a:t>Ziffern</a:t>
-            </a:r>
-            <a:endParaRPr lang="en-US" dirty="0">
-              <a:sym typeface="Wingdings" panose="05000000000000000000" pitchFamily="2" charset="2"/>
-            </a:endParaRPr>
-          </a:p>
-          <a:p>
-            <a:pPr marL="171450" indent="-171450">
-              <a:buFont typeface="Arial" panose="020B0604020202020204" pitchFamily="34" charset="0"/>
-              <a:buChar char="•"/>
-            </a:pPr>
-            <a:endParaRPr lang="en-US" dirty="0">
-              <a:sym typeface="Wingdings" panose="05000000000000000000" pitchFamily="2" charset="2"/>
-            </a:endParaRPr>
-          </a:p>
-          <a:p>
-            <a:pPr marL="0" indent="0">
-              <a:buFont typeface="Arial" panose="020B0604020202020204" pitchFamily="34" charset="0"/>
-              <a:buNone/>
-            </a:pPr>
-            <a:r>
-              <a:rPr lang="en-US" dirty="0">
-                <a:sym typeface="Wingdings" panose="05000000000000000000" pitchFamily="2" charset="2"/>
-              </a:rPr>
-              <a:t>Record </a:t>
-            </a:r>
-            <a:r>
-              <a:rPr lang="en-US" dirty="0" err="1">
-                <a:sym typeface="Wingdings" panose="05000000000000000000" pitchFamily="2" charset="2"/>
-              </a:rPr>
-              <a:t>verwendet</a:t>
-            </a:r>
-            <a:r>
-              <a:rPr lang="en-US" dirty="0">
-                <a:sym typeface="Wingdings" panose="05000000000000000000" pitchFamily="2" charset="2"/>
-              </a:rPr>
-              <a:t>  generierte automatisch Equals-</a:t>
-            </a:r>
-            <a:r>
-              <a:rPr lang="en-US" dirty="0" err="1">
-                <a:sym typeface="Wingdings" panose="05000000000000000000" pitchFamily="2" charset="2"/>
-              </a:rPr>
-              <a:t>Methode</a:t>
-            </a:r>
-            <a:endParaRPr lang="en-US" dirty="0">
-              <a:sym typeface="Wingdings" panose="05000000000000000000" pitchFamily="2" charset="2"/>
-            </a:endParaRPr>
-          </a:p>
-          <a:p>
-            <a:pPr marL="171450" indent="-171450">
-              <a:buFont typeface="Arial" panose="020B0604020202020204" pitchFamily="34" charset="0"/>
-              <a:buChar char="•"/>
-            </a:pPr>
-            <a:endParaRPr lang="en-US" dirty="0">
-              <a:sym typeface="Wingdings" panose="05000000000000000000" pitchFamily="2" charset="2"/>
-            </a:endParaRPr>
+              <a:rPr lang="en-US" dirty="0" err="1"/>
+              <a:t>verschiedene</a:t>
+            </a:r>
+            <a:r>
+              <a:rPr lang="en-US" dirty="0"/>
+              <a:t> </a:t>
+            </a:r>
+            <a:r>
+              <a:rPr lang="en-US" dirty="0" err="1"/>
+              <a:t>Ansätze</a:t>
+            </a:r>
+            <a:endParaRPr lang="en-US" dirty="0"/>
+          </a:p>
+          <a:p>
+            <a:r>
+              <a:rPr lang="en-US" dirty="0" err="1"/>
+              <a:t>Vergleich</a:t>
+            </a:r>
+            <a:r>
+              <a:rPr lang="en-US" dirty="0"/>
+              <a:t> </a:t>
+            </a:r>
+            <a:r>
+              <a:rPr lang="en-US" dirty="0" err="1"/>
+              <a:t>im</a:t>
+            </a:r>
+            <a:r>
+              <a:rPr lang="en-US" dirty="0"/>
+              <a:t> </a:t>
+            </a:r>
+            <a:r>
+              <a:rPr lang="en-US" dirty="0" err="1"/>
+              <a:t>Hinblick</a:t>
+            </a:r>
+            <a:r>
+              <a:rPr lang="en-US" dirty="0"/>
+              <a:t> auf </a:t>
+            </a:r>
+            <a:r>
+              <a:rPr lang="en-US" dirty="0" err="1"/>
+              <a:t>Architektur</a:t>
+            </a:r>
+            <a:r>
+              <a:rPr lang="en-US" dirty="0"/>
+              <a:t> und </a:t>
+            </a:r>
+            <a:r>
+              <a:rPr lang="en-US" dirty="0" err="1"/>
+              <a:t>eine</a:t>
+            </a:r>
+            <a:r>
+              <a:rPr lang="en-US" dirty="0"/>
+              <a:t> </a:t>
+            </a:r>
+            <a:r>
+              <a:rPr lang="en-US" dirty="0" err="1"/>
+              <a:t>Zusammenfassung</a:t>
+            </a:r>
+            <a:endParaRPr lang="en-US" dirty="0"/>
+          </a:p>
+          <a:p>
+            <a:endParaRPr lang="en-AT" dirty="0"/>
           </a:p>
         </p:txBody>
       </p:sp>
@@ -2172,7 +2417,7 @@
           <a:p>
             <a:fld id="{4D6B7403-AAEE-4E5A-8745-677A04A5E937}" type="slidenum">
               <a:rPr lang="de-DE" smtClean="0"/>
-              <a:t>5</a:t>
+              <a:t>4</a:t>
             </a:fld>
             <a:endParaRPr lang="de-DE"/>
           </a:p>
@@ -2181,7 +2426,7 @@
     </p:spTree>
     <p:extLst>
       <p:ext uri="{BB962C8B-B14F-4D97-AF65-F5344CB8AC3E}">
-        <p14:creationId xmlns:p14="http://schemas.microsoft.com/office/powerpoint/2010/main" val="2230296211"/>
+        <p14:creationId xmlns:p14="http://schemas.microsoft.com/office/powerpoint/2010/main" val="2931113062"/>
       </p:ext>
     </p:extLst>
   </p:cSld>
@@ -2237,7 +2482,7 @@
           <a:p>
             <a:r>
               <a:rPr lang="en-US" dirty="0" err="1"/>
-              <a:t>Populärste</a:t>
+              <a:t>Konzept</a:t>
             </a:r>
             <a:r>
               <a:rPr lang="en-US" dirty="0"/>
@@ -2245,14 +2490,30 @@
             </a:r>
             <a:r>
               <a:rPr lang="en-US" dirty="0" err="1"/>
-              <a:t>Webframework</a:t>
+              <a:t>aus</a:t>
+            </a:r>
+            <a:r>
+              <a:rPr lang="en-US" dirty="0"/>
+              <a:t> dem DDD-</a:t>
+            </a:r>
+            <a:r>
+              <a:rPr lang="en-US" dirty="0" err="1"/>
+              <a:t>Umfeld</a:t>
             </a:r>
             <a:endParaRPr lang="en-US" dirty="0"/>
           </a:p>
           <a:p>
+            <a:pPr marL="171450" indent="-171450">
+              <a:buFont typeface="Arial" panose="020B0604020202020204" pitchFamily="34" charset="0"/>
+              <a:buChar char="•"/>
+            </a:pPr>
+            <a:r>
+              <a:rPr lang="en-US" dirty="0"/>
+              <a:t>Ein </a:t>
+            </a:r>
             <a:r>
               <a:rPr lang="en-US" dirty="0" err="1"/>
-              <a:t>Mittlerweile</a:t>
+              <a:t>expliziter</a:t>
             </a:r>
             <a:r>
               <a:rPr lang="en-US" dirty="0"/>
@@ -2260,7 +2521,53 @@
             </a:r>
             <a:r>
               <a:rPr lang="en-US" dirty="0" err="1"/>
-              <a:t>sehr</a:t>
+              <a:t>Typ</a:t>
+            </a:r>
+            <a:r>
+              <a:rPr lang="en-US" dirty="0"/>
+              <a:t>, </a:t>
+            </a:r>
+            <a:r>
+              <a:rPr lang="en-US" dirty="0" err="1"/>
+              <a:t>dadurch</a:t>
+            </a:r>
+            <a:r>
+              <a:rPr lang="en-US" dirty="0"/>
+              <a:t> type-check des compilers</a:t>
+            </a:r>
+          </a:p>
+          <a:p>
+            <a:pPr marL="171450" indent="-171450">
+              <a:buFont typeface="Arial" panose="020B0604020202020204" pitchFamily="34" charset="0"/>
+              <a:buChar char="•"/>
+            </a:pPr>
+            <a:r>
+              <a:rPr lang="en-US" dirty="0" err="1"/>
+              <a:t>Unveränderbarkeit</a:t>
+            </a:r>
+            <a:endParaRPr lang="en-US" dirty="0"/>
+          </a:p>
+          <a:p>
+            <a:pPr marL="171450" indent="-171450">
+              <a:buFont typeface="Arial" panose="020B0604020202020204" pitchFamily="34" charset="0"/>
+              <a:buChar char="•"/>
+            </a:pPr>
+            <a:r>
+              <a:rPr lang="en-US" dirty="0" err="1"/>
+              <a:t>Wertgleichheit</a:t>
+            </a:r>
+            <a:r>
+              <a:rPr lang="en-US" dirty="0"/>
+              <a:t> (Value-Equality)</a:t>
+            </a:r>
+          </a:p>
+          <a:p>
+            <a:endParaRPr lang="en-US" dirty="0"/>
+          </a:p>
+          <a:p>
+            <a:r>
+              <a:rPr lang="en-US" dirty="0" err="1"/>
+              <a:t>Netto</a:t>
             </a:r>
             <a:r>
               <a:rPr lang="en-US" dirty="0"/>
@@ -2268,47 +2575,313 @@
             </a:r>
             <a:r>
               <a:rPr lang="en-US" dirty="0" err="1"/>
-              <a:t>leichtgewichtig</a:t>
-            </a:r>
-            <a:r>
-              <a:rPr lang="en-US" dirty="0"/>
-              <a:t> (</a:t>
+              <a:t>ist</a:t>
+            </a:r>
+            <a:r>
+              <a:rPr lang="en-US" dirty="0"/>
+              <a:t> nicht </a:t>
             </a:r>
             <a:r>
               <a:rPr lang="en-US" dirty="0" err="1"/>
-              <a:t>im</a:t>
-            </a:r>
-            <a:r>
-              <a:rPr lang="en-US" dirty="0"/>
+              <a:t>Brutto</a:t>
+            </a:r>
+            <a:endParaRPr lang="en-US" dirty="0">
+              <a:sym typeface="Wingdings" panose="05000000000000000000" pitchFamily="2" charset="2"/>
+            </a:endParaRPr>
+          </a:p>
+          <a:p>
+            <a:pPr marL="171450" indent="-171450">
+              <a:buFont typeface="Arial" panose="020B0604020202020204" pitchFamily="34" charset="0"/>
+              <a:buChar char="•"/>
+            </a:pPr>
+            <a:r>
+              <a:rPr lang="en-US" dirty="0" err="1">
+                <a:sym typeface="Wingdings" panose="05000000000000000000" pitchFamily="2" charset="2"/>
+              </a:rPr>
+              <a:t>Darf</a:t>
+            </a:r>
+            <a:r>
+              <a:rPr lang="en-US" dirty="0">
+                <a:sym typeface="Wingdings" panose="05000000000000000000" pitchFamily="2" charset="2"/>
+              </a:rPr>
+              <a:t> nicht </a:t>
+            </a:r>
+            <a:r>
+              <a:rPr lang="en-US" dirty="0" err="1">
+                <a:sym typeface="Wingdings" panose="05000000000000000000" pitchFamily="2" charset="2"/>
+              </a:rPr>
+              <a:t>vertauscht</a:t>
+            </a:r>
+            <a:r>
+              <a:rPr lang="en-US" dirty="0">
+                <a:sym typeface="Wingdings" panose="05000000000000000000" pitchFamily="2" charset="2"/>
+              </a:rPr>
               <a:t> </a:t>
             </a:r>
             <a:r>
-              <a:rPr lang="en-US" dirty="0" err="1"/>
-              <a:t>Vergleich</a:t>
-            </a:r>
-            <a:r>
-              <a:rPr lang="en-US" dirty="0"/>
+              <a:rPr lang="en-US" dirty="0" err="1">
+                <a:sym typeface="Wingdings" panose="05000000000000000000" pitchFamily="2" charset="2"/>
+              </a:rPr>
+              <a:t>werden</a:t>
+            </a:r>
+            <a:endParaRPr lang="en-US" dirty="0">
+              <a:sym typeface="Wingdings" panose="05000000000000000000" pitchFamily="2" charset="2"/>
+            </a:endParaRPr>
+          </a:p>
+          <a:p>
+            <a:pPr marL="171450" indent="-171450">
+              <a:buFont typeface="Arial" panose="020B0604020202020204" pitchFamily="34" charset="0"/>
+              <a:buChar char="•"/>
+            </a:pPr>
+            <a:r>
+              <a:rPr lang="en-US" dirty="0">
+                <a:sym typeface="Wingdings" panose="05000000000000000000" pitchFamily="2" charset="2"/>
+              </a:rPr>
+              <a:t>Nur decimal  </a:t>
+            </a:r>
+            <a:r>
+              <a:rPr lang="en-US" dirty="0" err="1">
+                <a:sym typeface="Wingdings" panose="05000000000000000000" pitchFamily="2" charset="2"/>
+              </a:rPr>
+              <a:t>fehleranfälliger</a:t>
+            </a:r>
+            <a:endParaRPr lang="en-US" dirty="0">
+              <a:sym typeface="Wingdings" panose="05000000000000000000" pitchFamily="2" charset="2"/>
+            </a:endParaRPr>
+          </a:p>
+          <a:p>
+            <a:pPr marL="171450" indent="-171450">
+              <a:buFont typeface="Arial" panose="020B0604020202020204" pitchFamily="34" charset="0"/>
+              <a:buChar char="•"/>
+            </a:pPr>
+            <a:endParaRPr lang="en-US" dirty="0">
+              <a:sym typeface="Wingdings" panose="05000000000000000000" pitchFamily="2" charset="2"/>
+            </a:endParaRPr>
+          </a:p>
+          <a:p>
+            <a:pPr marL="0" indent="0">
+              <a:buFont typeface="Arial" panose="020B0604020202020204" pitchFamily="34" charset="0"/>
+              <a:buNone/>
+            </a:pPr>
+            <a:r>
+              <a:rPr lang="en-US" dirty="0" err="1">
+                <a:sym typeface="Wingdings" panose="05000000000000000000" pitchFamily="2" charset="2"/>
+              </a:rPr>
+              <a:t>Weiter</a:t>
+            </a:r>
+            <a:r>
+              <a:rPr lang="en-US" dirty="0">
+                <a:sym typeface="Wingdings" panose="05000000000000000000" pitchFamily="2" charset="2"/>
+              </a:rPr>
               <a:t> </a:t>
             </a:r>
             <a:r>
-              <a:rPr lang="en-US" dirty="0" err="1"/>
-              <a:t>zu</a:t>
-            </a:r>
-            <a:r>
-              <a:rPr lang="en-US" dirty="0"/>
-              <a:t> .NET Framework)</a:t>
-            </a:r>
-          </a:p>
-          <a:p>
-            <a:r>
-              <a:rPr lang="en-US" dirty="0" err="1"/>
-              <a:t>Gutes</a:t>
-            </a:r>
-            <a:r>
-              <a:rPr lang="en-US" dirty="0"/>
-              <a:t> Tooling</a:t>
-            </a:r>
-            <a:endParaRPr lang="en-AT" dirty="0"/>
+              <a:rPr lang="en-US" dirty="0" err="1">
+                <a:sym typeface="Wingdings" panose="05000000000000000000" pitchFamily="2" charset="2"/>
+              </a:rPr>
+              <a:t>Beispiele</a:t>
+            </a:r>
+            <a:r>
+              <a:rPr lang="en-US" dirty="0">
+                <a:sym typeface="Wingdings" panose="05000000000000000000" pitchFamily="2" charset="2"/>
+              </a:rPr>
+              <a:t>: Email </a:t>
+            </a:r>
+            <a:r>
+              <a:rPr lang="en-US" dirty="0" err="1">
+                <a:sym typeface="Wingdings" panose="05000000000000000000" pitchFamily="2" charset="2"/>
+              </a:rPr>
+              <a:t>Adressen</a:t>
+            </a:r>
+            <a:r>
+              <a:rPr lang="en-US" dirty="0">
+                <a:sym typeface="Wingdings" panose="05000000000000000000" pitchFamily="2" charset="2"/>
+              </a:rPr>
+              <a:t>, ISBN Nummer, IBAN</a:t>
+            </a:r>
+          </a:p>
+          <a:p>
+            <a:pPr marL="0" indent="0">
+              <a:buFont typeface="Arial" panose="020B0604020202020204" pitchFamily="34" charset="0"/>
+              <a:buNone/>
+            </a:pPr>
+            <a:endParaRPr lang="en-US" dirty="0">
+              <a:sym typeface="Wingdings" panose="05000000000000000000" pitchFamily="2" charset="2"/>
+            </a:endParaRPr>
+          </a:p>
+          <a:p>
+            <a:pPr marL="0" indent="0">
+              <a:buFont typeface="Arial" panose="020B0604020202020204" pitchFamily="34" charset="0"/>
+              <a:buNone/>
+            </a:pPr>
+            <a:r>
+              <a:rPr lang="en-US" dirty="0">
+                <a:sym typeface="Wingdings" panose="05000000000000000000" pitchFamily="2" charset="2"/>
+              </a:rPr>
+              <a:t>Für dieses </a:t>
+            </a:r>
+            <a:r>
+              <a:rPr lang="en-US" dirty="0" err="1">
+                <a:sym typeface="Wingdings" panose="05000000000000000000" pitchFamily="2" charset="2"/>
+              </a:rPr>
+              <a:t>Beispiel</a:t>
+            </a:r>
+            <a:r>
+              <a:rPr lang="en-US" dirty="0">
+                <a:sym typeface="Wingdings" panose="05000000000000000000" pitchFamily="2" charset="2"/>
+              </a:rPr>
+              <a:t>: </a:t>
+            </a:r>
+            <a:r>
+              <a:rPr lang="en-US" dirty="0" err="1">
+                <a:sym typeface="Wingdings" panose="05000000000000000000" pitchFamily="2" charset="2"/>
+              </a:rPr>
+              <a:t>Artikelnummer</a:t>
+            </a:r>
+            <a:endParaRPr lang="en-US" dirty="0">
+              <a:sym typeface="Wingdings" panose="05000000000000000000" pitchFamily="2" charset="2"/>
+            </a:endParaRPr>
+          </a:p>
+          <a:p>
+            <a:pPr marL="0" indent="0">
+              <a:buFont typeface="Arial" panose="020B0604020202020204" pitchFamily="34" charset="0"/>
+              <a:buNone/>
+            </a:pPr>
+            <a:r>
+              <a:rPr lang="en-US" dirty="0" err="1">
+                <a:sym typeface="Wingdings" panose="05000000000000000000" pitchFamily="2" charset="2"/>
+              </a:rPr>
+              <a:t>Beim</a:t>
+            </a:r>
+            <a:r>
+              <a:rPr lang="en-US" dirty="0">
+                <a:sym typeface="Wingdings" panose="05000000000000000000" pitchFamily="2" charset="2"/>
+              </a:rPr>
+              <a:t> erstellen wird </a:t>
+            </a:r>
+            <a:r>
+              <a:rPr lang="en-US" dirty="0" err="1">
+                <a:sym typeface="Wingdings" panose="05000000000000000000" pitchFamily="2" charset="2"/>
+              </a:rPr>
+              <a:t>geprüft</a:t>
+            </a:r>
+            <a:r>
+              <a:rPr lang="en-US" dirty="0">
+                <a:sym typeface="Wingdings" panose="05000000000000000000" pitchFamily="2" charset="2"/>
+              </a:rPr>
+              <a:t> </a:t>
+            </a:r>
+            <a:r>
+              <a:rPr lang="en-US" dirty="0" err="1">
+                <a:sym typeface="Wingdings" panose="05000000000000000000" pitchFamily="2" charset="2"/>
+              </a:rPr>
+              <a:t>ob</a:t>
+            </a:r>
+            <a:r>
+              <a:rPr lang="en-US" dirty="0">
+                <a:sym typeface="Wingdings" panose="05000000000000000000" pitchFamily="2" charset="2"/>
+              </a:rPr>
+              <a:t> </a:t>
+            </a:r>
+            <a:r>
+              <a:rPr lang="en-US" dirty="0" err="1">
+                <a:sym typeface="Wingdings" panose="05000000000000000000" pitchFamily="2" charset="2"/>
+              </a:rPr>
+              <a:t>valide</a:t>
+            </a:r>
+            <a:endParaRPr lang="en-US" dirty="0">
+              <a:sym typeface="Wingdings" panose="05000000000000000000" pitchFamily="2" charset="2"/>
+            </a:endParaRPr>
+          </a:p>
+          <a:p>
+            <a:pPr marL="171450" indent="-171450">
+              <a:buFont typeface="Arial" panose="020B0604020202020204" pitchFamily="34" charset="0"/>
+              <a:buChar char="•"/>
+            </a:pPr>
+            <a:r>
+              <a:rPr lang="en-US" dirty="0">
+                <a:sym typeface="Wingdings" panose="05000000000000000000" pitchFamily="2" charset="2"/>
+              </a:rPr>
+              <a:t>9 Characters</a:t>
+            </a:r>
+          </a:p>
+          <a:p>
+            <a:pPr marL="171450" indent="-171450">
+              <a:buFont typeface="Arial" panose="020B0604020202020204" pitchFamily="34" charset="0"/>
+              <a:buChar char="•"/>
+            </a:pPr>
+            <a:r>
+              <a:rPr lang="en-US" dirty="0" err="1">
+                <a:sym typeface="Wingdings" panose="05000000000000000000" pitchFamily="2" charset="2"/>
+              </a:rPr>
+              <a:t>Alles</a:t>
+            </a:r>
+            <a:r>
+              <a:rPr lang="en-US" dirty="0">
+                <a:sym typeface="Wingdings" panose="05000000000000000000" pitchFamily="2" charset="2"/>
+              </a:rPr>
+              <a:t> </a:t>
+            </a:r>
+            <a:r>
+              <a:rPr lang="en-US" dirty="0" err="1">
+                <a:sym typeface="Wingdings" panose="05000000000000000000" pitchFamily="2" charset="2"/>
+              </a:rPr>
+              <a:t>Ziffern</a:t>
+            </a:r>
+            <a:endParaRPr lang="en-US" dirty="0">
+              <a:sym typeface="Wingdings" panose="05000000000000000000" pitchFamily="2" charset="2"/>
+            </a:endParaRPr>
+          </a:p>
+          <a:p>
+            <a:pPr marL="171450" indent="-171450">
+              <a:buFont typeface="Arial" panose="020B0604020202020204" pitchFamily="34" charset="0"/>
+              <a:buChar char="•"/>
+            </a:pPr>
+            <a:endParaRPr lang="en-US" dirty="0">
+              <a:sym typeface="Wingdings" panose="05000000000000000000" pitchFamily="2" charset="2"/>
+            </a:endParaRPr>
+          </a:p>
+          <a:p>
+            <a:pPr marL="0" indent="0">
+              <a:buFont typeface="Arial" panose="020B0604020202020204" pitchFamily="34" charset="0"/>
+              <a:buNone/>
+            </a:pPr>
+            <a:r>
+              <a:rPr lang="en-US" dirty="0">
+                <a:sym typeface="Wingdings" panose="05000000000000000000" pitchFamily="2" charset="2"/>
+              </a:rPr>
+              <a:t>Record </a:t>
+            </a:r>
+            <a:r>
+              <a:rPr lang="en-US" dirty="0" err="1">
+                <a:sym typeface="Wingdings" panose="05000000000000000000" pitchFamily="2" charset="2"/>
+              </a:rPr>
+              <a:t>verwendet</a:t>
+            </a:r>
+            <a:r>
+              <a:rPr lang="en-US" dirty="0">
+                <a:sym typeface="Wingdings" panose="05000000000000000000" pitchFamily="2" charset="2"/>
+              </a:rPr>
+              <a:t>  generierte automatisch Equals-</a:t>
+            </a:r>
+            <a:r>
+              <a:rPr lang="en-US" dirty="0" err="1">
+                <a:sym typeface="Wingdings" panose="05000000000000000000" pitchFamily="2" charset="2"/>
+              </a:rPr>
+              <a:t>Methode</a:t>
+            </a:r>
+            <a:endParaRPr lang="en-US" dirty="0">
+              <a:sym typeface="Wingdings" panose="05000000000000000000" pitchFamily="2" charset="2"/>
+            </a:endParaRPr>
+          </a:p>
+          <a:p>
+            <a:pPr marL="171450" indent="-171450">
+              <a:buFont typeface="Arial" panose="020B0604020202020204" pitchFamily="34" charset="0"/>
+              <a:buChar char="•"/>
+            </a:pPr>
+            <a:endParaRPr lang="en-US" dirty="0">
+              <a:sym typeface="Wingdings" panose="05000000000000000000" pitchFamily="2" charset="2"/>
+            </a:endParaRPr>
           </a:p>
         </p:txBody>
       </p:sp>
@@ -2329,7 +2902,7 @@
           <a:p>
             <a:fld id="{4D6B7403-AAEE-4E5A-8745-677A04A5E937}" type="slidenum">
               <a:rPr lang="de-DE" smtClean="0"/>
-              <a:t>6</a:t>
+              <a:t>5</a:t>
             </a:fld>
             <a:endParaRPr lang="de-DE"/>
           </a:p>
@@ -2338,7 +2911,7 @@
     </p:spTree>
     <p:extLst>
       <p:ext uri="{BB962C8B-B14F-4D97-AF65-F5344CB8AC3E}">
-        <p14:creationId xmlns:p14="http://schemas.microsoft.com/office/powerpoint/2010/main" val="202921025"/>
+        <p14:creationId xmlns:p14="http://schemas.microsoft.com/office/powerpoint/2010/main" val="2230296211"/>
       </p:ext>
     </p:extLst>
   </p:cSld>
@@ -2393,12 +2966,8 @@
           <a:lstStyle/>
           <a:p>
             <a:r>
-              <a:rPr lang="en-US" dirty="0"/>
-              <a:t>Parameter </a:t>
-            </a:r>
-            <a:r>
               <a:rPr lang="en-US" dirty="0" err="1"/>
-              <a:t>binden</a:t>
+              <a:t>Populärste</a:t>
             </a:r>
             <a:r>
               <a:rPr lang="en-US" dirty="0"/>
@@ -2406,175 +2975,70 @@
             </a:r>
             <a:r>
               <a:rPr lang="en-US" dirty="0" err="1"/>
-              <a:t>über</a:t>
-            </a:r>
-            <a:r>
-              <a:rPr lang="en-US" dirty="0"/>
-              <a:t> Route und Query-String </a:t>
-            </a:r>
-            <a:r>
-              <a:rPr lang="en-US" dirty="0">
-                <a:sym typeface="Wingdings" panose="05000000000000000000" pitchFamily="2" charset="2"/>
-              </a:rPr>
-              <a:t> </a:t>
-            </a:r>
-            <a:r>
-              <a:rPr lang="en-US" dirty="0" err="1">
-                <a:sym typeface="Wingdings" panose="05000000000000000000" pitchFamily="2" charset="2"/>
-              </a:rPr>
-              <a:t>Validierung</a:t>
+              <a:t>Webframework</a:t>
             </a:r>
             <a:endParaRPr lang="en-US" dirty="0"/>
           </a:p>
           <a:p>
             <a:r>
-              <a:rPr lang="en-US" dirty="0"/>
-              <a:t>Bei GET-Requests</a:t>
-            </a:r>
-          </a:p>
-          <a:p>
-            <a:endParaRPr lang="en-US" dirty="0"/>
-          </a:p>
-          <a:p>
-            <a:r>
-              <a:rPr lang="en-US" dirty="0"/>
-              <a:t>Bei POST kein Problem </a:t>
-            </a:r>
-            <a:r>
-              <a:rPr lang="en-US" dirty="0">
-                <a:sym typeface="Wingdings" panose="05000000000000000000" pitchFamily="2" charset="2"/>
-              </a:rPr>
-              <a:t> Body </a:t>
-            </a:r>
-            <a:r>
-              <a:rPr lang="en-US" dirty="0" err="1">
-                <a:sym typeface="Wingdings" panose="05000000000000000000" pitchFamily="2" charset="2"/>
-              </a:rPr>
-              <a:t>serialisierung</a:t>
-            </a:r>
-            <a:endParaRPr lang="en-US" dirty="0">
-              <a:sym typeface="Wingdings" panose="05000000000000000000" pitchFamily="2" charset="2"/>
-            </a:endParaRPr>
-          </a:p>
-          <a:p>
-            <a:endParaRPr lang="en-US" dirty="0">
-              <a:sym typeface="Wingdings" panose="05000000000000000000" pitchFamily="2" charset="2"/>
-            </a:endParaRPr>
-          </a:p>
-          <a:p>
-            <a:r>
-              <a:rPr lang="en-US" dirty="0">
-                <a:sym typeface="Wingdings" panose="05000000000000000000" pitchFamily="2" charset="2"/>
-              </a:rPr>
-              <a:t>Wenn parameter in der </a:t>
-            </a:r>
-            <a:r>
-              <a:rPr lang="en-US" dirty="0" err="1">
-                <a:sym typeface="Wingdings" panose="05000000000000000000" pitchFamily="2" charset="2"/>
-              </a:rPr>
-              <a:t>Methodensignatur</a:t>
-            </a:r>
-            <a:r>
-              <a:rPr lang="en-US" dirty="0">
-                <a:sym typeface="Wingdings" panose="05000000000000000000" pitchFamily="2" charset="2"/>
-              </a:rPr>
-              <a:t> nicht gefunden </a:t>
-            </a:r>
-            <a:r>
-              <a:rPr lang="en-US" dirty="0" err="1">
-                <a:sym typeface="Wingdings" panose="05000000000000000000" pitchFamily="2" charset="2"/>
-              </a:rPr>
-              <a:t>werden</a:t>
-            </a:r>
-            <a:r>
-              <a:rPr lang="en-US" dirty="0">
-                <a:sym typeface="Wingdings" panose="05000000000000000000" pitchFamily="2" charset="2"/>
-              </a:rPr>
-              <a:t> kann, wird </a:t>
-            </a:r>
-            <a:r>
-              <a:rPr lang="en-US" dirty="0" err="1">
-                <a:sym typeface="Wingdings" panose="05000000000000000000" pitchFamily="2" charset="2"/>
-              </a:rPr>
-              <a:t>einfach</a:t>
-            </a:r>
-            <a:r>
-              <a:rPr lang="en-US" dirty="0">
-                <a:sym typeface="Wingdings" panose="05000000000000000000" pitchFamily="2" charset="2"/>
-              </a:rPr>
-              <a:t> der default-Wert </a:t>
-            </a:r>
-            <a:r>
-              <a:rPr lang="en-US" dirty="0" err="1">
-                <a:sym typeface="Wingdings" panose="05000000000000000000" pitchFamily="2" charset="2"/>
-              </a:rPr>
-              <a:t>mitgegeben</a:t>
-            </a:r>
-            <a:endParaRPr lang="en-US" dirty="0">
-              <a:sym typeface="Wingdings" panose="05000000000000000000" pitchFamily="2" charset="2"/>
-            </a:endParaRPr>
-          </a:p>
-          <a:p>
-            <a:endParaRPr lang="en-US" dirty="0">
-              <a:sym typeface="Wingdings" panose="05000000000000000000" pitchFamily="2" charset="2"/>
-            </a:endParaRPr>
-          </a:p>
-          <a:p>
-            <a:r>
-              <a:rPr lang="en-US" dirty="0">
-                <a:sym typeface="Wingdings" panose="05000000000000000000" pitchFamily="2" charset="2"/>
-              </a:rPr>
-              <a:t>Int binding:</a:t>
-            </a:r>
-          </a:p>
-          <a:p>
-            <a:r>
-              <a:rPr lang="en-US" dirty="0">
-                <a:sym typeface="Wingdings" panose="05000000000000000000" pitchFamily="2" charset="2"/>
-              </a:rPr>
-              <a:t>https://localhost:7248/binding/int/42</a:t>
-            </a:r>
-          </a:p>
-          <a:p>
-            <a:endParaRPr lang="en-US" dirty="0">
-              <a:sym typeface="Wingdings" panose="05000000000000000000" pitchFamily="2" charset="2"/>
-            </a:endParaRPr>
-          </a:p>
-          <a:p>
-            <a:r>
-              <a:rPr lang="en-US" dirty="0">
-                <a:sym typeface="Wingdings" panose="05000000000000000000" pitchFamily="2" charset="2"/>
-              </a:rPr>
-              <a:t>String binding:</a:t>
-            </a:r>
-          </a:p>
-          <a:p>
-            <a:pPr marL="0" marR="0" lvl="0" indent="0" algn="l" defTabSz="914400" rtl="0" eaLnBrk="1" fontAlgn="auto" latinLnBrk="0" hangingPunct="1">
-              <a:lnSpc>
-                <a:spcPct val="100000"/>
-              </a:lnSpc>
-              <a:spcBef>
-                <a:spcPts val="0"/>
-              </a:spcBef>
-              <a:spcAft>
-                <a:spcPts val="0"/>
-              </a:spcAft>
-              <a:buClrTx/>
-              <a:buSzTx/>
-              <a:buFontTx/>
-              <a:buNone/>
-              <a:tabLst/>
-              <a:defRPr/>
-            </a:pPr>
-            <a:r>
-              <a:rPr lang="en-US" i="0" dirty="0"/>
-              <a:t>https://localhost:7248/binding/articleNumber/string/123456789</a:t>
-            </a:r>
-          </a:p>
-          <a:p>
-            <a:endParaRPr lang="en-US" dirty="0">
-              <a:sym typeface="Wingdings" panose="05000000000000000000" pitchFamily="2" charset="2"/>
-            </a:endParaRPr>
+              <a:rPr lang="en-US" dirty="0" err="1"/>
+              <a:t>Mittlerweile</a:t>
+            </a:r>
+            <a:r>
+              <a:rPr lang="en-US" dirty="0"/>
+              <a:t> </a:t>
+            </a:r>
+            <a:r>
+              <a:rPr lang="en-US" dirty="0" err="1"/>
+              <a:t>sehr</a:t>
+            </a:r>
+            <a:r>
+              <a:rPr lang="en-US" dirty="0"/>
+              <a:t> </a:t>
+            </a:r>
+            <a:r>
+              <a:rPr lang="en-US" dirty="0" err="1"/>
+              <a:t>leichtgewichtig</a:t>
+            </a:r>
+            <a:r>
+              <a:rPr lang="en-US" dirty="0"/>
+              <a:t> (</a:t>
+            </a:r>
+            <a:r>
+              <a:rPr lang="en-US" dirty="0" err="1"/>
+              <a:t>im</a:t>
+            </a:r>
+            <a:r>
+              <a:rPr lang="en-US" dirty="0"/>
+              <a:t> </a:t>
+            </a:r>
+            <a:r>
+              <a:rPr lang="en-US" dirty="0" err="1"/>
+              <a:t>Vergleich</a:t>
+            </a:r>
+            <a:r>
+              <a:rPr lang="en-US" dirty="0"/>
+              <a:t> </a:t>
+            </a:r>
+            <a:r>
+              <a:rPr lang="en-US" dirty="0" err="1"/>
+              <a:t>zu</a:t>
+            </a:r>
+            <a:r>
+              <a:rPr lang="en-US" dirty="0"/>
+              <a:t> .NET Framework)</a:t>
+            </a:r>
+          </a:p>
+          <a:p>
+            <a:r>
+              <a:rPr lang="en-US" dirty="0" err="1"/>
+              <a:t>Gutes</a:t>
+            </a:r>
+            <a:r>
+              <a:rPr lang="en-US" dirty="0"/>
+              <a:t> Tooling und Packages</a:t>
+            </a:r>
+            <a:endParaRPr lang="en-AT" dirty="0"/>
           </a:p>
         </p:txBody>
       </p:sp>
@@ -2595,7 +3059,7 @@
           <a:p>
             <a:fld id="{4D6B7403-AAEE-4E5A-8745-677A04A5E937}" type="slidenum">
               <a:rPr lang="de-DE" smtClean="0"/>
-              <a:t>7</a:t>
+              <a:t>6</a:t>
             </a:fld>
             <a:endParaRPr lang="de-DE"/>
           </a:p>
@@ -2604,7 +3068,7 @@
     </p:spTree>
     <p:extLst>
       <p:ext uri="{BB962C8B-B14F-4D97-AF65-F5344CB8AC3E}">
-        <p14:creationId xmlns:p14="http://schemas.microsoft.com/office/powerpoint/2010/main" val="2727682379"/>
+        <p14:creationId xmlns:p14="http://schemas.microsoft.com/office/powerpoint/2010/main" val="202921025"/>
       </p:ext>
     </p:extLst>
   </p:cSld>
@@ -2658,7 +3122,189 @@
           <a:bodyPr/>
           <a:lstStyle/>
           <a:p>
-            <a:endParaRPr lang="en-AT" i="0" dirty="0"/>
+            <a:r>
+              <a:rPr lang="en-US" dirty="0"/>
+              <a:t>Parameter </a:t>
+            </a:r>
+            <a:r>
+              <a:rPr lang="en-US" dirty="0" err="1"/>
+              <a:t>binden</a:t>
+            </a:r>
+            <a:r>
+              <a:rPr lang="en-US" dirty="0"/>
+              <a:t> </a:t>
+            </a:r>
+            <a:r>
+              <a:rPr lang="en-US" dirty="0" err="1"/>
+              <a:t>über</a:t>
+            </a:r>
+            <a:r>
+              <a:rPr lang="en-US" dirty="0"/>
+              <a:t> Route und Query-String </a:t>
+            </a:r>
+            <a:r>
+              <a:rPr lang="en-US" dirty="0">
+                <a:sym typeface="Wingdings" panose="05000000000000000000" pitchFamily="2" charset="2"/>
+              </a:rPr>
+              <a:t> </a:t>
+            </a:r>
+            <a:r>
+              <a:rPr lang="en-US" dirty="0" err="1">
+                <a:sym typeface="Wingdings" panose="05000000000000000000" pitchFamily="2" charset="2"/>
+              </a:rPr>
+              <a:t>Validierung</a:t>
+            </a:r>
+            <a:endParaRPr lang="en-US" dirty="0"/>
+          </a:p>
+          <a:p>
+            <a:r>
+              <a:rPr lang="en-US" dirty="0"/>
+              <a:t>Bei GET-Requests</a:t>
+            </a:r>
+          </a:p>
+          <a:p>
+            <a:endParaRPr lang="en-US" dirty="0"/>
+          </a:p>
+          <a:p>
+            <a:r>
+              <a:rPr lang="en-US" dirty="0"/>
+              <a:t>Bei POST kein Problem </a:t>
+            </a:r>
+            <a:r>
+              <a:rPr lang="en-US" dirty="0">
+                <a:sym typeface="Wingdings" panose="05000000000000000000" pitchFamily="2" charset="2"/>
+              </a:rPr>
+              <a:t> Body </a:t>
+            </a:r>
+            <a:r>
+              <a:rPr lang="en-US" dirty="0" err="1">
+                <a:sym typeface="Wingdings" panose="05000000000000000000" pitchFamily="2" charset="2"/>
+              </a:rPr>
+              <a:t>serialisierung</a:t>
+            </a:r>
+            <a:endParaRPr lang="en-US" dirty="0">
+              <a:sym typeface="Wingdings" panose="05000000000000000000" pitchFamily="2" charset="2"/>
+            </a:endParaRPr>
+          </a:p>
+          <a:p>
+            <a:endParaRPr lang="en-US" dirty="0">
+              <a:sym typeface="Wingdings" panose="05000000000000000000" pitchFamily="2" charset="2"/>
+            </a:endParaRPr>
+          </a:p>
+          <a:p>
+            <a:r>
+              <a:rPr lang="en-US" dirty="0">
+                <a:sym typeface="Wingdings" panose="05000000000000000000" pitchFamily="2" charset="2"/>
+              </a:rPr>
+              <a:t>Wenn parameter in der </a:t>
+            </a:r>
+            <a:r>
+              <a:rPr lang="en-US" dirty="0" err="1">
+                <a:sym typeface="Wingdings" panose="05000000000000000000" pitchFamily="2" charset="2"/>
+              </a:rPr>
+              <a:t>Methodensignatur</a:t>
+            </a:r>
+            <a:r>
+              <a:rPr lang="en-US" dirty="0">
+                <a:sym typeface="Wingdings" panose="05000000000000000000" pitchFamily="2" charset="2"/>
+              </a:rPr>
+              <a:t> nicht gefunden </a:t>
+            </a:r>
+            <a:r>
+              <a:rPr lang="en-US" dirty="0" err="1">
+                <a:sym typeface="Wingdings" panose="05000000000000000000" pitchFamily="2" charset="2"/>
+              </a:rPr>
+              <a:t>werden</a:t>
+            </a:r>
+            <a:r>
+              <a:rPr lang="en-US" dirty="0">
+                <a:sym typeface="Wingdings" panose="05000000000000000000" pitchFamily="2" charset="2"/>
+              </a:rPr>
+              <a:t> kann, wird </a:t>
+            </a:r>
+            <a:r>
+              <a:rPr lang="en-US" dirty="0" err="1">
+                <a:sym typeface="Wingdings" panose="05000000000000000000" pitchFamily="2" charset="2"/>
+              </a:rPr>
+              <a:t>einfach</a:t>
+            </a:r>
+            <a:r>
+              <a:rPr lang="en-US" dirty="0">
+                <a:sym typeface="Wingdings" panose="05000000000000000000" pitchFamily="2" charset="2"/>
+              </a:rPr>
+              <a:t> der default-Wert </a:t>
+            </a:r>
+            <a:r>
+              <a:rPr lang="en-US" dirty="0" err="1">
+                <a:sym typeface="Wingdings" panose="05000000000000000000" pitchFamily="2" charset="2"/>
+              </a:rPr>
+              <a:t>mitgegeben</a:t>
+            </a:r>
+            <a:endParaRPr lang="en-US" dirty="0">
+              <a:sym typeface="Wingdings" panose="05000000000000000000" pitchFamily="2" charset="2"/>
+            </a:endParaRPr>
+          </a:p>
+          <a:p>
+            <a:endParaRPr lang="en-US" dirty="0">
+              <a:sym typeface="Wingdings" panose="05000000000000000000" pitchFamily="2" charset="2"/>
+            </a:endParaRPr>
+          </a:p>
+          <a:p>
+            <a:r>
+              <a:rPr lang="en-US" dirty="0">
+                <a:sym typeface="Wingdings" panose="05000000000000000000" pitchFamily="2" charset="2"/>
+              </a:rPr>
+              <a:t>Int binding:</a:t>
+            </a:r>
+          </a:p>
+          <a:p>
+            <a:r>
+              <a:rPr lang="en-US" dirty="0">
+                <a:sym typeface="Wingdings" panose="05000000000000000000" pitchFamily="2" charset="2"/>
+              </a:rPr>
+              <a:t>https://localhost:7248/binding/int/42</a:t>
+            </a:r>
+          </a:p>
+          <a:p>
+            <a:endParaRPr lang="en-US" dirty="0">
+              <a:sym typeface="Wingdings" panose="05000000000000000000" pitchFamily="2" charset="2"/>
+            </a:endParaRPr>
+          </a:p>
+          <a:p>
+            <a:r>
+              <a:rPr lang="en-US" dirty="0">
+                <a:sym typeface="Wingdings" panose="05000000000000000000" pitchFamily="2" charset="2"/>
+              </a:rPr>
+              <a:t>String binding:</a:t>
+            </a:r>
+          </a:p>
+          <a:p>
+            <a:pPr marL="0" marR="0" lvl="0" indent="0" algn="l" defTabSz="914400" rtl="0" eaLnBrk="1" fontAlgn="auto" latinLnBrk="0" hangingPunct="1">
+              <a:lnSpc>
+                <a:spcPct val="100000"/>
+              </a:lnSpc>
+              <a:spcBef>
+                <a:spcPts val="0"/>
+              </a:spcBef>
+              <a:spcAft>
+                <a:spcPts val="0"/>
+              </a:spcAft>
+              <a:buClrTx/>
+              <a:buSzTx/>
+              <a:buFontTx/>
+              <a:buNone/>
+              <a:tabLst/>
+              <a:defRPr/>
+            </a:pPr>
+            <a:r>
+              <a:rPr lang="en-US" i="0" dirty="0"/>
+              <a:t>https://localhost:7248/binding/articleNumber/string/123456789</a:t>
+            </a:r>
+          </a:p>
+          <a:p>
+            <a:endParaRPr lang="en-US" dirty="0">
+              <a:sym typeface="Wingdings" panose="05000000000000000000" pitchFamily="2" charset="2"/>
+            </a:endParaRPr>
           </a:p>
         </p:txBody>
       </p:sp>
@@ -2679,7 +3325,7 @@
           <a:p>
             <a:fld id="{4D6B7403-AAEE-4E5A-8745-677A04A5E937}" type="slidenum">
               <a:rPr lang="de-DE" smtClean="0"/>
-              <a:t>8</a:t>
+              <a:t>7</a:t>
             </a:fld>
             <a:endParaRPr lang="de-DE"/>
           </a:p>
@@ -2688,7 +3334,7 @@
     </p:spTree>
     <p:extLst>
       <p:ext uri="{BB962C8B-B14F-4D97-AF65-F5344CB8AC3E}">
-        <p14:creationId xmlns:p14="http://schemas.microsoft.com/office/powerpoint/2010/main" val="3820570346"/>
+        <p14:creationId xmlns:p14="http://schemas.microsoft.com/office/powerpoint/2010/main" val="2727682379"/>
       </p:ext>
     </p:extLst>
   </p:cSld>
@@ -2742,243 +3388,7 @@
           <a:bodyPr/>
           <a:lstStyle/>
           <a:p>
-            <a:r>
-              <a:rPr lang="en-US" dirty="0"/>
-              <a:t>Der </a:t>
-            </a:r>
-            <a:r>
-              <a:rPr lang="en-US" dirty="0" err="1"/>
-              <a:t>Typ</a:t>
-            </a:r>
-            <a:r>
-              <a:rPr lang="en-US" dirty="0"/>
-              <a:t> muss zur Compile-Time seinen Converter </a:t>
-            </a:r>
-            <a:r>
-              <a:rPr lang="en-US" dirty="0" err="1"/>
-              <a:t>kennen</a:t>
-            </a:r>
-            <a:r>
-              <a:rPr lang="en-US" dirty="0"/>
-              <a:t> (</a:t>
-            </a:r>
-            <a:r>
-              <a:rPr lang="en-US" dirty="0" err="1"/>
-              <a:t>Attribut</a:t>
-            </a:r>
-            <a:r>
-              <a:rPr lang="en-US" dirty="0"/>
-              <a:t>)</a:t>
-            </a:r>
-          </a:p>
-          <a:p>
-            <a:endParaRPr lang="en-US" dirty="0"/>
-          </a:p>
-          <a:p>
-            <a:r>
-              <a:rPr lang="en-US" dirty="0"/>
-              <a:t>Kann </a:t>
-            </a:r>
-            <a:r>
-              <a:rPr lang="en-US" dirty="0" err="1"/>
-              <a:t>erweitert</a:t>
-            </a:r>
-            <a:r>
-              <a:rPr lang="en-US" dirty="0"/>
-              <a:t> </a:t>
-            </a:r>
-            <a:r>
-              <a:rPr lang="en-US" dirty="0" err="1"/>
-              <a:t>werden</a:t>
-            </a:r>
-            <a:r>
-              <a:rPr lang="en-US" dirty="0"/>
-              <a:t> um andere </a:t>
-            </a:r>
-            <a:r>
-              <a:rPr lang="en-US" dirty="0" err="1"/>
-              <a:t>Typen</a:t>
-            </a:r>
-            <a:r>
-              <a:rPr lang="en-US" dirty="0"/>
-              <a:t> </a:t>
-            </a:r>
-            <a:r>
-              <a:rPr lang="en-US" dirty="0" err="1"/>
-              <a:t>zu</a:t>
-            </a:r>
-            <a:r>
-              <a:rPr lang="en-US" dirty="0"/>
-              <a:t> </a:t>
-            </a:r>
-            <a:r>
-              <a:rPr lang="en-US" dirty="0" err="1"/>
-              <a:t>binden</a:t>
-            </a:r>
-            <a:endParaRPr lang="en-US" dirty="0"/>
-          </a:p>
-          <a:p>
-            <a:endParaRPr lang="en-US" dirty="0"/>
-          </a:p>
-          <a:p>
-            <a:r>
-              <a:rPr lang="en-US" dirty="0"/>
-              <a:t>Demo </a:t>
-            </a:r>
-            <a:r>
-              <a:rPr lang="en-US" dirty="0" err="1"/>
-              <a:t>mit</a:t>
-            </a:r>
-            <a:r>
-              <a:rPr lang="en-US" dirty="0"/>
-              <a:t> </a:t>
-            </a:r>
-            <a:r>
-              <a:rPr lang="en-US" dirty="0" err="1"/>
-              <a:t>TypeConverter</a:t>
-            </a:r>
-            <a:endParaRPr lang="en-US" dirty="0"/>
-          </a:p>
-          <a:p>
-            <a:pPr marL="0" marR="0" lvl="0" indent="0" algn="l" defTabSz="914400" rtl="0" eaLnBrk="1" fontAlgn="auto" latinLnBrk="0" hangingPunct="1">
-              <a:lnSpc>
-                <a:spcPct val="100000"/>
-              </a:lnSpc>
-              <a:spcBef>
-                <a:spcPts val="0"/>
-              </a:spcBef>
-              <a:spcAft>
-                <a:spcPts val="0"/>
-              </a:spcAft>
-              <a:buClrTx/>
-              <a:buSzTx/>
-              <a:buFontTx/>
-              <a:buNone/>
-              <a:tabLst/>
-              <a:defRPr/>
-            </a:pPr>
-            <a:endParaRPr lang="en-US" i="0" dirty="0"/>
-          </a:p>
-          <a:p>
-            <a:pPr marL="0" marR="0" lvl="0" indent="0" algn="l" defTabSz="914400" rtl="0" eaLnBrk="1" fontAlgn="auto" latinLnBrk="0" hangingPunct="1">
-              <a:lnSpc>
-                <a:spcPct val="100000"/>
-              </a:lnSpc>
-              <a:spcBef>
-                <a:spcPts val="0"/>
-              </a:spcBef>
-              <a:spcAft>
-                <a:spcPts val="0"/>
-              </a:spcAft>
-              <a:buClrTx/>
-              <a:buSzTx/>
-              <a:buFontTx/>
-              <a:buNone/>
-              <a:tabLst/>
-              <a:defRPr/>
-            </a:pPr>
-            <a:r>
-              <a:rPr lang="en-US" i="0" dirty="0" err="1"/>
-              <a:t>Guid</a:t>
-            </a:r>
-            <a:r>
-              <a:rPr lang="en-US" i="0" dirty="0"/>
-              <a:t> binding:</a:t>
-            </a:r>
-          </a:p>
-          <a:p>
-            <a:pPr marL="0" marR="0" lvl="0" indent="0" algn="l" defTabSz="914400" rtl="0" eaLnBrk="1" fontAlgn="auto" latinLnBrk="0" hangingPunct="1">
-              <a:lnSpc>
-                <a:spcPct val="100000"/>
-              </a:lnSpc>
-              <a:spcBef>
-                <a:spcPts val="0"/>
-              </a:spcBef>
-              <a:spcAft>
-                <a:spcPts val="0"/>
-              </a:spcAft>
-              <a:buClrTx/>
-              <a:buSzTx/>
-              <a:buFontTx/>
-              <a:buNone/>
-              <a:tabLst/>
-              <a:defRPr/>
-            </a:pPr>
-            <a:r>
-              <a:rPr lang="en-US" i="0" dirty="0"/>
-              <a:t>https://localhost:7248/binding/guid/AAAAAAAA-D7B4-47ED-A9E7-AE18721D6F3D</a:t>
-            </a:r>
-          </a:p>
-          <a:p>
-            <a:pPr marL="0" marR="0" lvl="0" indent="0" algn="l" defTabSz="914400" rtl="0" eaLnBrk="1" fontAlgn="auto" latinLnBrk="0" hangingPunct="1">
-              <a:lnSpc>
-                <a:spcPct val="100000"/>
-              </a:lnSpc>
-              <a:spcBef>
-                <a:spcPts val="0"/>
-              </a:spcBef>
-              <a:spcAft>
-                <a:spcPts val="0"/>
-              </a:spcAft>
-              <a:buClrTx/>
-              <a:buSzTx/>
-              <a:buFontTx/>
-              <a:buNone/>
-              <a:tabLst/>
-              <a:defRPr/>
-            </a:pPr>
-            <a:endParaRPr lang="en-US" dirty="0"/>
-          </a:p>
-          <a:p>
-            <a:pPr marL="0" marR="0" lvl="0" indent="0" algn="l" defTabSz="914400" rtl="0" eaLnBrk="1" fontAlgn="auto" latinLnBrk="0" hangingPunct="1">
-              <a:lnSpc>
-                <a:spcPct val="100000"/>
-              </a:lnSpc>
-              <a:spcBef>
-                <a:spcPts val="0"/>
-              </a:spcBef>
-              <a:spcAft>
-                <a:spcPts val="0"/>
-              </a:spcAft>
-              <a:buClrTx/>
-              <a:buSzTx/>
-              <a:buFontTx/>
-              <a:buNone/>
-              <a:tabLst/>
-              <a:defRPr/>
-            </a:pPr>
-            <a:r>
-              <a:rPr lang="en-US" dirty="0" err="1"/>
-              <a:t>ArticleNumber</a:t>
-            </a:r>
-            <a:r>
-              <a:rPr lang="en-US" dirty="0"/>
-              <a:t> binding:</a:t>
-            </a:r>
-          </a:p>
-          <a:p>
-            <a:pPr marL="0" marR="0" lvl="0" indent="0" algn="l" defTabSz="914400" rtl="0" eaLnBrk="1" fontAlgn="auto" latinLnBrk="0" hangingPunct="1">
-              <a:lnSpc>
-                <a:spcPct val="100000"/>
-              </a:lnSpc>
-              <a:spcBef>
-                <a:spcPts val="0"/>
-              </a:spcBef>
-              <a:spcAft>
-                <a:spcPts val="0"/>
-              </a:spcAft>
-              <a:buClrTx/>
-              <a:buSzTx/>
-              <a:buFontTx/>
-              <a:buNone/>
-              <a:tabLst/>
-              <a:defRPr/>
-            </a:pPr>
-            <a:r>
-              <a:rPr lang="en-US" i="0" dirty="0"/>
-              <a:t>https://localhost:7248/binding/articleNumber/typeConverter/123456789</a:t>
-            </a:r>
-            <a:endParaRPr lang="en-US" dirty="0"/>
+            <a:endParaRPr lang="en-AT" i="0" dirty="0"/>
           </a:p>
         </p:txBody>
       </p:sp>
@@ -2999,7 +3409,7 @@
           <a:p>
             <a:fld id="{4D6B7403-AAEE-4E5A-8745-677A04A5E937}" type="slidenum">
               <a:rPr lang="de-DE" smtClean="0"/>
-              <a:t>9</a:t>
+              <a:t>8</a:t>
             </a:fld>
             <a:endParaRPr lang="de-DE"/>
           </a:p>
@@ -3008,7 +3418,7 @@
     </p:spTree>
     <p:extLst>
       <p:ext uri="{BB962C8B-B14F-4D97-AF65-F5344CB8AC3E}">
-        <p14:creationId xmlns:p14="http://schemas.microsoft.com/office/powerpoint/2010/main" val="153188455"/>
+        <p14:creationId xmlns:p14="http://schemas.microsoft.com/office/powerpoint/2010/main" val="3820570346"/>
       </p:ext>
     </p:extLst>
   </p:cSld>
@@ -3063,34 +3473,78 @@
           <a:lstStyle/>
           <a:p>
             <a:r>
+              <a:rPr lang="en-US" dirty="0"/>
+              <a:t>Der </a:t>
+            </a:r>
+            <a:r>
               <a:rPr lang="en-US" dirty="0" err="1"/>
-              <a:t>ModelBinder</a:t>
-            </a:r>
-            <a:r>
-              <a:rPr lang="en-US" dirty="0"/>
-              <a:t> in der </a:t>
+              <a:t>Typ</a:t>
+            </a:r>
+            <a:r>
+              <a:rPr lang="en-US" dirty="0"/>
+              <a:t> muss zur Compile-Time seinen Converter </a:t>
             </a:r>
             <a:r>
               <a:rPr lang="en-US" dirty="0" err="1"/>
-              <a:t>Methodensignatur</a:t>
-            </a:r>
+              <a:t>kennen</a:t>
+            </a:r>
+            <a:r>
+              <a:rPr lang="en-US" dirty="0"/>
+              <a:t> (</a:t>
+            </a:r>
+            <a:r>
+              <a:rPr lang="en-US" dirty="0" err="1"/>
+              <a:t>Attribut</a:t>
+            </a:r>
+            <a:r>
+              <a:rPr lang="en-US" dirty="0"/>
+              <a:t>)</a:t>
+            </a:r>
+          </a:p>
+          <a:p>
             <a:endParaRPr lang="en-US" dirty="0"/>
           </a:p>
           <a:p>
             <a:r>
               <a:rPr lang="en-US" dirty="0"/>
-              <a:t>Muss </a:t>
+              <a:t>Kann </a:t>
             </a:r>
             <a:r>
               <a:rPr lang="en-US" dirty="0" err="1"/>
-              <a:t>IModelBinder</a:t>
-            </a:r>
-            <a:r>
-              <a:rPr lang="en-US" dirty="0"/>
-              <a:t> sein</a:t>
-            </a:r>
-          </a:p>
-          <a:p>
+              <a:t>erweitert</a:t>
+            </a:r>
+            <a:r>
+              <a:rPr lang="en-US" dirty="0"/>
+              <a:t> </a:t>
+            </a:r>
+            <a:r>
+              <a:rPr lang="en-US" dirty="0" err="1"/>
+              <a:t>werden</a:t>
+            </a:r>
+            <a:r>
+              <a:rPr lang="en-US" dirty="0"/>
+              <a:t> um andere </a:t>
+            </a:r>
+            <a:r>
+              <a:rPr lang="en-US" dirty="0" err="1"/>
+              <a:t>Typen</a:t>
+            </a:r>
+            <a:r>
+              <a:rPr lang="en-US" dirty="0"/>
+              <a:t> </a:t>
+            </a:r>
+            <a:r>
+              <a:rPr lang="en-US" dirty="0" err="1"/>
+              <a:t>zu</a:t>
+            </a:r>
+            <a:r>
+              <a:rPr lang="en-US" dirty="0"/>
+              <a:t> </a:t>
+            </a:r>
+            <a:r>
+              <a:rPr lang="en-US" dirty="0" err="1"/>
+              <a:t>binden</a:t>
+            </a:r>
             <a:endParaRPr lang="en-US" dirty="0"/>
           </a:p>
           <a:p>
@@ -3111,36 +3565,9 @@
             </a:r>
             <a:r>
               <a:rPr lang="en-US" dirty="0" err="1"/>
-              <a:t>ModelBinder</a:t>
+              <a:t>TypeConverter</a:t>
             </a:r>
             <a:endParaRPr lang="en-US" dirty="0"/>
-          </a:p>
-          <a:p>
-            <a:pPr marL="171450" indent="-171450">
-              <a:buFont typeface="Arial" panose="020B0604020202020204" pitchFamily="34" charset="0"/>
-              <a:buChar char="•"/>
-            </a:pPr>
-            <a:r>
-              <a:rPr lang="en-US" dirty="0" err="1"/>
-              <a:t>BindModelAsync</a:t>
-            </a:r>
-            <a:r>
-              <a:rPr lang="en-US" dirty="0"/>
-              <a:t> </a:t>
-            </a:r>
-            <a:r>
-              <a:rPr lang="en-US" dirty="0" err="1"/>
-              <a:t>methode</a:t>
-            </a:r>
-            <a:r>
-              <a:rPr lang="en-US" dirty="0"/>
-              <a:t> </a:t>
-            </a:r>
-            <a:r>
-              <a:rPr lang="en-US" dirty="0" err="1"/>
-              <a:t>debuggen</a:t>
-            </a:r>
-            <a:endParaRPr lang="en-US" i="0" dirty="0"/>
           </a:p>
           <a:p>
             <a:pPr marL="0" marR="0" lvl="0" indent="0" algn="l" defTabSz="914400" rtl="0" eaLnBrk="1" fontAlgn="auto" latinLnBrk="0" hangingPunct="1">
@@ -3160,38 +3587,57 @@
               <a:tabLst/>
               <a:defRPr/>
             </a:pPr>
-            <a:r>
-              <a:rPr lang="en-US" i="0" dirty="0">
-                <a:sym typeface="Wingdings" panose="05000000000000000000" pitchFamily="2" charset="2"/>
-              </a:rPr>
-              <a:t> </a:t>
-            </a:r>
-            <a:r>
-              <a:rPr lang="en-US" i="0" dirty="0" err="1">
-                <a:sym typeface="Wingdings" panose="05000000000000000000" pitchFamily="2" charset="2"/>
-              </a:rPr>
-              <a:t>StackTrace</a:t>
-            </a:r>
-            <a:r>
-              <a:rPr lang="en-US" i="0" dirty="0">
-                <a:sym typeface="Wingdings" panose="05000000000000000000" pitchFamily="2" charset="2"/>
-              </a:rPr>
-              <a:t> </a:t>
-            </a:r>
-            <a:r>
-              <a:rPr lang="en-US" i="0" dirty="0" err="1">
-                <a:sym typeface="Wingdings" panose="05000000000000000000" pitchFamily="2" charset="2"/>
-              </a:rPr>
-              <a:t>zeigen</a:t>
-            </a:r>
-            <a:endParaRPr lang="en-US" dirty="0"/>
-          </a:p>
-          <a:p>
-            <a:pPr marL="0" indent="0">
-              <a:buFont typeface="Arial" panose="020B0604020202020204" pitchFamily="34" charset="0"/>
+            <a:endParaRPr lang="en-US" i="0" dirty="0"/>
+          </a:p>
+          <a:p>
+            <a:pPr marL="0" marR="0" lvl="0" indent="0" algn="l" defTabSz="914400" rtl="0" eaLnBrk="1" fontAlgn="auto" latinLnBrk="0" hangingPunct="1">
+              <a:lnSpc>
+                <a:spcPct val="100000"/>
+              </a:lnSpc>
+              <a:spcBef>
+                <a:spcPts val="0"/>
+              </a:spcBef>
+              <a:spcAft>
+                <a:spcPts val="0"/>
+              </a:spcAft>
+              <a:buClrTx/>
+              <a:buSzTx/>
+              <a:buFontTx/>
               <a:buNone/>
+              <a:tabLst/>
+              <a:defRPr/>
             </a:pPr>
-            <a:endParaRPr lang="en-US" dirty="0"/>
+            <a:r>
+              <a:rPr lang="en-US" i="0" dirty="0" err="1"/>
+              <a:t>Guid</a:t>
+            </a:r>
+            <a:r>
+              <a:rPr lang="en-US" i="0" dirty="0"/>
+              <a:t> binding:</a:t>
+            </a:r>
+          </a:p>
+          <a:p>
+            <a:pPr marL="0" marR="0" lvl="0" indent="0" algn="l" defTabSz="914400" rtl="0" eaLnBrk="1" fontAlgn="auto" latinLnBrk="0" hangingPunct="1">
+              <a:lnSpc>
+                <a:spcPct val="100000"/>
+              </a:lnSpc>
+              <a:spcBef>
+                <a:spcPts val="0"/>
+              </a:spcBef>
+              <a:spcAft>
+                <a:spcPts val="0"/>
+              </a:spcAft>
+              <a:buClrTx/>
+              <a:buSzTx/>
+              <a:buFontTx/>
+              <a:buNone/>
+              <a:tabLst/>
+              <a:defRPr/>
+            </a:pPr>
+            <a:r>
+              <a:rPr lang="en-US" i="0" dirty="0"/>
+              <a:t>https://localhost:7248/binding/guid/AAAAAAAA-D7B4-47ED-A9E7-AE18721D6F3D</a:t>
+            </a:r>
           </a:p>
           <a:p>
             <a:pPr marL="0" marR="0" lvl="0" indent="0" algn="l" defTabSz="914400" rtl="0" eaLnBrk="1" fontAlgn="auto" latinLnBrk="0" hangingPunct="1">
@@ -3260,15 +3706,9 @@
             </a:pPr>
             <a:r>
               <a:rPr lang="en-US" i="0" dirty="0"/>
-              <a:t>https://localhost:7248/binding/articleNumber/modelBinder/123456789</a:t>
-            </a:r>
-          </a:p>
-          <a:p>
-            <a:pPr marL="0" indent="0">
-              <a:buFont typeface="Arial" panose="020B0604020202020204" pitchFamily="34" charset="0"/>
-              <a:buNone/>
-            </a:pPr>
-            <a:endParaRPr lang="en-AT" dirty="0"/>
+              <a:t>https://localhost:7248/binding/articleNumber/typeConverter/123456789</a:t>
+            </a:r>
+            <a:endParaRPr lang="en-US" dirty="0"/>
           </a:p>
         </p:txBody>
       </p:sp>
@@ -3289,7 +3729,7 @@
           <a:p>
             <a:fld id="{4D6B7403-AAEE-4E5A-8745-677A04A5E937}" type="slidenum">
               <a:rPr lang="de-DE" smtClean="0"/>
-              <a:t>10</a:t>
+              <a:t>9</a:t>
             </a:fld>
             <a:endParaRPr lang="de-DE"/>
           </a:p>
@@ -3298,7 +3738,7 @@
     </p:spTree>
     <p:extLst>
       <p:ext uri="{BB962C8B-B14F-4D97-AF65-F5344CB8AC3E}">
-        <p14:creationId xmlns:p14="http://schemas.microsoft.com/office/powerpoint/2010/main" val="3126172129"/>
+        <p14:creationId xmlns:p14="http://schemas.microsoft.com/office/powerpoint/2010/main" val="153188455"/>
       </p:ext>
     </p:extLst>
   </p:cSld>
@@ -6530,6 +6970,35 @@
           <a:chExt cx="0" cy="0"/>
         </a:xfrm>
       </p:grpSpPr>
+      <p:pic>
+        <p:nvPicPr>
+          <p:cNvPr id="4" name="Grafik 3">
+            <a:extLst>
+              <a:ext uri="{FF2B5EF4-FFF2-40B4-BE49-F238E27FC236}">
+                <a16:creationId xmlns:a16="http://schemas.microsoft.com/office/drawing/2014/main" id="{DBDE62CB-9838-3843-8B42-1E0F238D807F}"/>
+              </a:ext>
+            </a:extLst>
+          </p:cNvPr>
+          <p:cNvPicPr>
+            <a:picLocks noChangeAspect="1"/>
+          </p:cNvPicPr>
+          <p:nvPr/>
+        </p:nvPicPr>
+        <p:blipFill rotWithShape="1">
+          <a:blip r:embed="rId3"/>
+          <a:srcRect l="323"/>
+          <a:stretch/>
+        </p:blipFill>
+        <p:spPr>
+          <a:xfrm>
+            <a:off x="979037" y="544365"/>
+            <a:ext cx="7684128" cy="1662745"/>
+          </a:xfrm>
+          <a:prstGeom prst="rect">
+            <a:avLst/>
+          </a:prstGeom>
+        </p:spPr>
+      </p:pic>
       <p:sp>
         <p:nvSpPr>
           <p:cNvPr id="3" name="Textfeld 2">
@@ -6564,93 +7033,6 @@
           </a:p>
         </p:txBody>
       </p:sp>
-      <p:grpSp>
-        <p:nvGrpSpPr>
-          <p:cNvPr id="8" name="Gruppieren 7">
-            <a:extLst>
-              <a:ext uri="{FF2B5EF4-FFF2-40B4-BE49-F238E27FC236}">
-                <a16:creationId xmlns:a16="http://schemas.microsoft.com/office/drawing/2014/main" id="{CC58C8EF-7A2D-4608-B3DE-71DD62730713}"/>
-              </a:ext>
-            </a:extLst>
-          </p:cNvPr>
-          <p:cNvGrpSpPr>
-            <a:grpSpLocks noChangeAspect="1"/>
-          </p:cNvGrpSpPr>
-          <p:nvPr/>
-        </p:nvGrpSpPr>
-        <p:grpSpPr>
-          <a:xfrm>
-            <a:off x="767715" y="334225"/>
-            <a:ext cx="7759065" cy="1862351"/>
-            <a:chOff x="600075" y="289775"/>
-            <a:chExt cx="9745435" cy="2339125"/>
-          </a:xfrm>
-        </p:grpSpPr>
-        <p:pic>
-          <p:nvPicPr>
-            <p:cNvPr id="6" name="Grafik 5">
-              <a:extLst>
-                <a:ext uri="{FF2B5EF4-FFF2-40B4-BE49-F238E27FC236}">
-                  <a16:creationId xmlns:a16="http://schemas.microsoft.com/office/drawing/2014/main" id="{E62F7495-CEDB-426E-90C3-71C249FFE6C3}"/>
-                </a:ext>
-              </a:extLst>
-            </p:cNvPr>
-            <p:cNvPicPr>
-              <a:picLocks noChangeAspect="1"/>
-            </p:cNvPicPr>
-            <p:nvPr/>
-          </p:nvPicPr>
-          <p:blipFill>
-            <a:blip r:embed="rId3"/>
-            <a:stretch>
-              <a:fillRect/>
-            </a:stretch>
-          </p:blipFill>
-          <p:spPr>
-            <a:xfrm>
-              <a:off x="600075" y="467194"/>
-              <a:ext cx="9745435" cy="1991003"/>
-            </a:xfrm>
-            <a:prstGeom prst="rect">
-              <a:avLst/>
-            </a:prstGeom>
-          </p:spPr>
-        </p:pic>
-        <p:sp>
-          <p:nvSpPr>
-            <p:cNvPr id="7" name="Textfeld 6">
-              <a:extLst>
-                <a:ext uri="{FF2B5EF4-FFF2-40B4-BE49-F238E27FC236}">
-                  <a16:creationId xmlns:a16="http://schemas.microsoft.com/office/drawing/2014/main" id="{A306118E-16BA-4412-B4B8-88E3FF6280D6}"/>
-                </a:ext>
-              </a:extLst>
-            </p:cNvPr>
-            <p:cNvSpPr txBox="1"/>
-            <p:nvPr/>
-          </p:nvSpPr>
-          <p:spPr>
-            <a:xfrm>
-              <a:off x="619125" y="289775"/>
-              <a:ext cx="226220" cy="2339125"/>
-            </a:xfrm>
-            <a:prstGeom prst="rect">
-              <a:avLst/>
-            </a:prstGeom>
-            <a:solidFill>
-              <a:schemeClr val="bg1"/>
-            </a:solidFill>
-          </p:spPr>
-          <p:txBody>
-            <a:bodyPr wrap="square" rtlCol="0">
-              <a:spAutoFit/>
-            </a:bodyPr>
-            <a:lstStyle/>
-            <a:p>
-              <a:endParaRPr lang="en-AT" dirty="0"/>
-            </a:p>
-          </p:txBody>
-        </p:sp>
-      </p:grpSp>
       <p:pic>
         <p:nvPicPr>
           <p:cNvPr id="12" name="Grafik 11">

--- a/slides.pptx
+++ b/slides.pptx
@@ -36,14 +36,14 @@
       <p:boldItalic r:id="rId22"/>
     </p:embeddedFont>
     <p:embeddedFont>
-      <p:font typeface="Montserrat" panose="00000500000000000000" pitchFamily="2" charset="0"/>
+      <p:font typeface="Montserrat" panose="020B0604020202020204" charset="0"/>
       <p:regular r:id="rId23"/>
       <p:bold r:id="rId24"/>
       <p:italic r:id="rId25"/>
       <p:boldItalic r:id="rId26"/>
     </p:embeddedFont>
     <p:embeddedFont>
-      <p:font typeface="Raleway" pitchFamily="2" charset="0"/>
+      <p:font typeface="Raleway" panose="020B0604020202020204" charset="0"/>
       <p:regular r:id="rId27"/>
       <p:bold r:id="rId28"/>
       <p:italic r:id="rId29"/>
@@ -243,7 +243,7 @@
           <a:p>
             <a:fld id="{8BDDE874-3A55-4A42-BDC0-7B03FB776E3F}" type="datetimeFigureOut">
               <a:rPr lang="de-DE" smtClean="0"/>
-              <a:t>09.05.2022</a:t>
+              <a:t>02.06.2022</a:t>
             </a:fld>
             <a:endParaRPr lang="de-DE"/>
           </a:p>
@@ -618,20 +618,75 @@
               <a:defRPr/>
             </a:pPr>
             <a:r>
+              <a:rPr lang="de-DE" dirty="0"/>
+              <a:t>Beispiel: alle Leute finden, die bei einem Unternehmen in einer gewissen Abteilung arbeiten</a:t>
+            </a:r>
+          </a:p>
+          <a:p>
+            <a:pPr marL="0" marR="0" lvl="0" indent="0" algn="l" defTabSz="914400" rtl="0" eaLnBrk="1" fontAlgn="auto" latinLnBrk="0" hangingPunct="1">
+              <a:lnSpc>
+                <a:spcPct val="100000"/>
+              </a:lnSpc>
+              <a:spcBef>
+                <a:spcPts val="0"/>
+              </a:spcBef>
+              <a:spcAft>
+                <a:spcPts val="0"/>
+              </a:spcAft>
+              <a:buClrTx/>
+              <a:buSzTx/>
+              <a:buFontTx/>
+              <a:buNone/>
+              <a:tabLst/>
+              <a:defRPr/>
+            </a:pPr>
+            <a:endParaRPr lang="de-DE" dirty="0"/>
+          </a:p>
+          <a:p>
+            <a:pPr marL="0" marR="0" lvl="0" indent="0" algn="l" defTabSz="914400" rtl="0" eaLnBrk="1" fontAlgn="auto" latinLnBrk="0" hangingPunct="1">
+              <a:lnSpc>
+                <a:spcPct val="100000"/>
+              </a:lnSpc>
+              <a:spcBef>
+                <a:spcPts val="0"/>
+              </a:spcBef>
+              <a:spcAft>
+                <a:spcPts val="0"/>
+              </a:spcAft>
+              <a:buClrTx/>
+              <a:buSzTx/>
+              <a:buFontTx/>
+              <a:buNone/>
+              <a:tabLst/>
+              <a:defRPr/>
+            </a:pPr>
+            <a:endParaRPr lang="de-DE" dirty="0"/>
+          </a:p>
+          <a:p>
+            <a:pPr marL="0" marR="0" lvl="0" indent="0" algn="l" defTabSz="914400" rtl="0" eaLnBrk="1" fontAlgn="auto" latinLnBrk="0" hangingPunct="1">
+              <a:lnSpc>
+                <a:spcPct val="100000"/>
+              </a:lnSpc>
+              <a:spcBef>
+                <a:spcPts val="0"/>
+              </a:spcBef>
+              <a:spcAft>
+                <a:spcPts val="0"/>
+              </a:spcAft>
+              <a:buClrTx/>
+              <a:buSzTx/>
+              <a:buFontTx/>
+              <a:buNone/>
+              <a:tabLst/>
+              <a:defRPr/>
+            </a:pPr>
+            <a:r>
               <a:rPr lang="de-DE" dirty="0" err="1"/>
               <a:t>HyperTEXT</a:t>
             </a:r>
             <a:r>
               <a:rPr lang="de-DE" dirty="0"/>
-              <a:t> Transfer Protocol (seit HTTP/2 auch </a:t>
-            </a:r>
-            <a:r>
-              <a:rPr lang="de-DE" dirty="0" err="1"/>
-              <a:t>binary</a:t>
-            </a:r>
-            <a:r>
-              <a:rPr lang="de-DE" dirty="0"/>
-              <a:t>)</a:t>
+              <a:t> Transfer Protocol</a:t>
             </a:r>
           </a:p>
           <a:p>
@@ -708,6 +763,18 @@
               </a:rPr>
               <a:t> Method + Path</a:t>
             </a:r>
+          </a:p>
+          <a:p>
+            <a:pPr marL="628650" lvl="1" indent="-171450">
+              <a:buFont typeface="Arial" panose="020B0604020202020204" pitchFamily="34" charset="0"/>
+              <a:buChar char="•"/>
+            </a:pPr>
+            <a:r>
+              <a:rPr lang="de-DE" dirty="0">
+                <a:sym typeface="Wingdings" panose="05000000000000000000" pitchFamily="2" charset="2"/>
+              </a:rPr>
+              <a:t>Es gibt typischerweise mehrere HTTP-Endpunkte</a:t>
+            </a:r>
             <a:endParaRPr lang="de-DE" dirty="0"/>
           </a:p>
           <a:p>
@@ -719,13 +786,6 @@
               <a:rPr lang="de-DE" dirty="0"/>
               <a:t>Auslesen der Route/Query/Headern</a:t>
             </a:r>
-          </a:p>
-          <a:p>
-            <a:pPr marL="171450" indent="-171450">
-              <a:buFont typeface="Arial" panose="020B0604020202020204" pitchFamily="34" charset="0"/>
-              <a:buChar char="•"/>
-            </a:pPr>
-            <a:endParaRPr lang="de-DE" dirty="0"/>
           </a:p>
           <a:p>
             <a:endParaRPr lang="de-DE" dirty="0"/>
@@ -944,6 +1004,36 @@
             <a:endParaRPr lang="en-US" dirty="0"/>
           </a:p>
           <a:p>
+            <a:pPr marL="0" indent="0">
+              <a:buFont typeface="Arial" panose="020B0604020202020204" pitchFamily="34" charset="0"/>
+              <a:buNone/>
+            </a:pPr>
+            <a:r>
+              <a:rPr lang="en-US" dirty="0" err="1"/>
+              <a:t>Mit</a:t>
+            </a:r>
+            <a:r>
+              <a:rPr lang="en-US" dirty="0"/>
+              <a:t> validation (</a:t>
+            </a:r>
+            <a:r>
+              <a:rPr lang="en-US" dirty="0" err="1"/>
+              <a:t>wenn</a:t>
+            </a:r>
+            <a:r>
+              <a:rPr lang="en-US" dirty="0"/>
+              <a:t> </a:t>
+            </a:r>
+            <a:r>
+              <a:rPr lang="en-US" dirty="0" err="1"/>
+              <a:t>gewünscht</a:t>
+            </a:r>
+            <a:r>
+              <a:rPr lang="en-US" dirty="0"/>
+              <a:t>)</a:t>
+            </a:r>
+          </a:p>
+          <a:p>
             <a:pPr marL="0" marR="0" lvl="0" indent="0" algn="l" defTabSz="914400" rtl="0" eaLnBrk="1" fontAlgn="auto" latinLnBrk="0" hangingPunct="1">
               <a:lnSpc>
                 <a:spcPct val="100000"/>
@@ -1102,6 +1192,62 @@
           <a:bodyPr/>
           <a:lstStyle/>
           <a:p>
+            <a:pPr marL="0" marR="0" lvl="0" indent="0" algn="l" defTabSz="914400" rtl="0" eaLnBrk="1" fontAlgn="auto" latinLnBrk="0" hangingPunct="1">
+              <a:lnSpc>
+                <a:spcPct val="100000"/>
+              </a:lnSpc>
+              <a:spcBef>
+                <a:spcPts val="0"/>
+              </a:spcBef>
+              <a:spcAft>
+                <a:spcPts val="0"/>
+              </a:spcAft>
+              <a:buClrTx/>
+              <a:buSzTx/>
+              <a:buFontTx/>
+              <a:buNone/>
+              <a:tabLst/>
+              <a:defRPr/>
+            </a:pPr>
+            <a:r>
+              <a:rPr lang="en-US" dirty="0" err="1"/>
+              <a:t>Zusätliches</a:t>
+            </a:r>
+            <a:r>
+              <a:rPr lang="en-US" dirty="0"/>
+              <a:t> </a:t>
+            </a:r>
+            <a:r>
+              <a:rPr lang="en-US" dirty="0" err="1"/>
+              <a:t>Konzept</a:t>
+            </a:r>
+            <a:r>
+              <a:rPr lang="en-US" dirty="0"/>
+              <a:t> </a:t>
+            </a:r>
+            <a:r>
+              <a:rPr lang="en-US" dirty="0" err="1"/>
+              <a:t>oben</a:t>
+            </a:r>
+            <a:r>
+              <a:rPr lang="en-US" dirty="0"/>
+              <a:t> </a:t>
+            </a:r>
+            <a:r>
+              <a:rPr lang="en-US" dirty="0" err="1"/>
+              <a:t>drauf</a:t>
+            </a:r>
+            <a:r>
+              <a:rPr lang="en-US" dirty="0"/>
+              <a:t> </a:t>
+            </a:r>
+            <a:r>
+              <a:rPr lang="en-US" dirty="0" err="1"/>
+              <a:t>ModelBinderProvider</a:t>
+            </a:r>
+            <a:endParaRPr lang="en-US" dirty="0"/>
+          </a:p>
+          <a:p>
             <a:endParaRPr lang="en-AT" dirty="0"/>
           </a:p>
         </p:txBody>
@@ -1442,6 +1588,77 @@
           <a:bodyPr/>
           <a:lstStyle/>
           <a:p>
+            <a:r>
+              <a:rPr lang="en-US" dirty="0" err="1"/>
+              <a:t>Durch</a:t>
+            </a:r>
+            <a:r>
+              <a:rPr lang="en-US" dirty="0"/>
+              <a:t> einen </a:t>
+            </a:r>
+            <a:r>
+              <a:rPr lang="en-US" dirty="0" err="1"/>
+              <a:t>eigenen</a:t>
+            </a:r>
+            <a:r>
+              <a:rPr lang="en-US" dirty="0"/>
+              <a:t> </a:t>
+            </a:r>
+            <a:r>
+              <a:rPr lang="en-US" dirty="0" err="1"/>
+              <a:t>IModelBinderProvider</a:t>
+            </a:r>
+            <a:r>
+              <a:rPr lang="en-US" dirty="0"/>
+              <a:t> </a:t>
+            </a:r>
+            <a:r>
+              <a:rPr lang="en-US" dirty="0" err="1"/>
+              <a:t>können</a:t>
+            </a:r>
+            <a:r>
+              <a:rPr lang="en-US" dirty="0"/>
+              <a:t> </a:t>
+            </a:r>
+            <a:r>
+              <a:rPr lang="en-US" dirty="0" err="1"/>
+              <a:t>sehr</a:t>
+            </a:r>
+            <a:r>
+              <a:rPr lang="en-US" dirty="0"/>
+              <a:t> </a:t>
+            </a:r>
+            <a:r>
+              <a:rPr lang="en-US" dirty="0" err="1"/>
+              <a:t>flexibel</a:t>
+            </a:r>
+            <a:r>
+              <a:rPr lang="en-US" dirty="0"/>
+              <a:t> </a:t>
+            </a:r>
+            <a:r>
+              <a:rPr lang="en-US" dirty="0" err="1"/>
+              <a:t>eigene</a:t>
+            </a:r>
+            <a:r>
+              <a:rPr lang="en-US" dirty="0"/>
+              <a:t> </a:t>
+            </a:r>
+            <a:r>
+              <a:rPr lang="en-US" dirty="0" err="1"/>
+              <a:t>Lösungen</a:t>
+            </a:r>
+            <a:r>
+              <a:rPr lang="en-US" dirty="0"/>
+              <a:t> entwickelt </a:t>
+            </a:r>
+            <a:r>
+              <a:rPr lang="en-US" dirty="0" err="1"/>
+              <a:t>werden</a:t>
+            </a:r>
+            <a:endParaRPr lang="en-US" dirty="0"/>
+          </a:p>
+          <a:p>
             <a:endParaRPr lang="en-US" dirty="0"/>
           </a:p>
           <a:p>
@@ -1792,6 +2009,22 @@
           <a:bodyPr/>
           <a:lstStyle/>
           <a:p>
+            <a:r>
+              <a:rPr lang="en-US" dirty="0"/>
+              <a:t>Die </a:t>
+            </a:r>
+            <a:r>
+              <a:rPr lang="en-US" dirty="0" err="1"/>
+              <a:t>unterschiedlichen</a:t>
+            </a:r>
+            <a:r>
+              <a:rPr lang="en-US" dirty="0"/>
+              <a:t> </a:t>
+            </a:r>
+            <a:r>
+              <a:rPr lang="en-US" dirty="0" err="1"/>
+              <a:t>Lösungen</a:t>
+            </a:r>
             <a:endParaRPr lang="en-AT" dirty="0"/>
           </a:p>
         </p:txBody>
@@ -1994,6 +2227,12 @@
           <a:p>
             <a:endParaRPr lang="en-US" dirty="0"/>
           </a:p>
+          <a:p>
+            <a:endParaRPr lang="en-US" dirty="0"/>
+          </a:p>
+          <a:p>
+            <a:endParaRPr lang="en-US" dirty="0"/>
+          </a:p>
         </p:txBody>
       </p:sp>
       <p:sp>
@@ -2094,6 +2333,35 @@
           </a:p>
           <a:p>
             <a:r>
+              <a:rPr lang="en-US" dirty="0" err="1"/>
+              <a:t>Wechsel</a:t>
+            </a:r>
+            <a:r>
+              <a:rPr lang="en-US" dirty="0"/>
+              <a:t> </a:t>
+            </a:r>
+            <a:r>
+              <a:rPr lang="en-US" dirty="0" err="1"/>
+              <a:t>zwischen</a:t>
+            </a:r>
+            <a:r>
+              <a:rPr lang="en-US" dirty="0"/>
+              <a:t> </a:t>
+            </a:r>
+            <a:r>
+              <a:rPr lang="en-US" dirty="0" err="1"/>
+              <a:t>Folien</a:t>
+            </a:r>
+            <a:r>
+              <a:rPr lang="en-US" dirty="0"/>
+              <a:t> und Demos</a:t>
+            </a:r>
+          </a:p>
+          <a:p>
+            <a:endParaRPr lang="en-US" dirty="0"/>
+          </a:p>
+          <a:p>
+            <a:r>
               <a:rPr lang="en-US" dirty="0"/>
               <a:t>Bei Fragen </a:t>
             </a:r>
@@ -2220,6 +2488,9 @@
             <a:endParaRPr lang="en-US" dirty="0"/>
           </a:p>
           <a:p>
+            <a:endParaRPr lang="en-US" dirty="0"/>
+          </a:p>
+          <a:p>
             <a:r>
               <a:rPr lang="en-US" dirty="0" err="1"/>
               <a:t>Kurze</a:t>
@@ -2346,6 +2617,9 @@
               <a:rPr lang="en-US" dirty="0" err="1"/>
               <a:t>Ansätze</a:t>
             </a:r>
+            <a:endParaRPr lang="en-US" dirty="0"/>
+          </a:p>
+          <a:p>
             <a:endParaRPr lang="en-US" dirty="0"/>
           </a:p>
           <a:p>
@@ -2567,6 +2841,14 @@
           <a:p>
             <a:r>
               <a:rPr lang="en-US" dirty="0" err="1"/>
+              <a:t>Beispiel</a:t>
+            </a:r>
+            <a:r>
+              <a:rPr lang="en-US" dirty="0"/>
+              <a:t>: </a:t>
+            </a:r>
+            <a:r>
+              <a:rPr lang="en-US" dirty="0" err="1"/>
               <a:t>Netto</a:t>
             </a:r>
             <a:r>
@@ -2789,9 +3071,84 @@
               </a:rPr>
               <a:t>valide</a:t>
             </a:r>
-            <a:endParaRPr lang="en-US" dirty="0">
-              <a:sym typeface="Wingdings" panose="05000000000000000000" pitchFamily="2" charset="2"/>
-            </a:endParaRPr>
+            <a:r>
+              <a:rPr lang="en-US" dirty="0">
+                <a:sym typeface="Wingdings" panose="05000000000000000000" pitchFamily="2" charset="2"/>
+              </a:rPr>
+              <a:t> -&gt; es kann </a:t>
+            </a:r>
+            <a:r>
+              <a:rPr lang="en-US" dirty="0" err="1">
+                <a:sym typeface="Wingdings" panose="05000000000000000000" pitchFamily="2" charset="2"/>
+              </a:rPr>
+              <a:t>daher</a:t>
+            </a:r>
+            <a:r>
+              <a:rPr lang="en-US" dirty="0">
+                <a:sym typeface="Wingdings" panose="05000000000000000000" pitchFamily="2" charset="2"/>
+              </a:rPr>
+              <a:t> </a:t>
+            </a:r>
+            <a:r>
+              <a:rPr lang="en-US" dirty="0" err="1">
+                <a:sym typeface="Wingdings" panose="05000000000000000000" pitchFamily="2" charset="2"/>
+              </a:rPr>
+              <a:t>keine</a:t>
+            </a:r>
+            <a:r>
+              <a:rPr lang="en-US" dirty="0">
+                <a:sym typeface="Wingdings" panose="05000000000000000000" pitchFamily="2" charset="2"/>
+              </a:rPr>
+              <a:t> </a:t>
+            </a:r>
+            <a:r>
+              <a:rPr lang="en-US" dirty="0" err="1">
+                <a:sym typeface="Wingdings" panose="05000000000000000000" pitchFamily="2" charset="2"/>
+              </a:rPr>
+              <a:t>ungültige</a:t>
+            </a:r>
+            <a:r>
+              <a:rPr lang="en-US" dirty="0">
+                <a:sym typeface="Wingdings" panose="05000000000000000000" pitchFamily="2" charset="2"/>
+              </a:rPr>
+              <a:t> </a:t>
+            </a:r>
+            <a:r>
+              <a:rPr lang="en-US" dirty="0" err="1">
+                <a:sym typeface="Wingdings" panose="05000000000000000000" pitchFamily="2" charset="2"/>
+              </a:rPr>
+              <a:t>oder</a:t>
+            </a:r>
+            <a:r>
+              <a:rPr lang="en-US" dirty="0">
+                <a:sym typeface="Wingdings" panose="05000000000000000000" pitchFamily="2" charset="2"/>
+              </a:rPr>
+              <a:t> </a:t>
+            </a:r>
+            <a:r>
+              <a:rPr lang="en-US" dirty="0" err="1">
+                <a:sym typeface="Wingdings" panose="05000000000000000000" pitchFamily="2" charset="2"/>
+              </a:rPr>
+              <a:t>falsche</a:t>
+            </a:r>
+            <a:r>
+              <a:rPr lang="en-US" dirty="0">
+                <a:sym typeface="Wingdings" panose="05000000000000000000" pitchFamily="2" charset="2"/>
+              </a:rPr>
+              <a:t> </a:t>
+            </a:r>
+            <a:r>
+              <a:rPr lang="en-US" dirty="0" err="1">
+                <a:sym typeface="Wingdings" panose="05000000000000000000" pitchFamily="2" charset="2"/>
+              </a:rPr>
+              <a:t>Artikelnummer</a:t>
+            </a:r>
+            <a:r>
+              <a:rPr lang="en-US" dirty="0">
+                <a:sym typeface="Wingdings" panose="05000000000000000000" pitchFamily="2" charset="2"/>
+              </a:rPr>
+              <a:t> geben</a:t>
+            </a:r>
           </a:p>
           <a:p>
             <a:pPr marL="171450" indent="-171450">
@@ -2842,6 +3199,15 @@
             </a:endParaRPr>
           </a:p>
           <a:p>
+            <a:pPr marL="171450" indent="-171450">
+              <a:buFont typeface="Arial" panose="020B0604020202020204" pitchFamily="34" charset="0"/>
+              <a:buChar char="•"/>
+            </a:pPr>
+            <a:endParaRPr lang="en-US" dirty="0">
+              <a:sym typeface="Wingdings" panose="05000000000000000000" pitchFamily="2" charset="2"/>
+            </a:endParaRPr>
+          </a:p>
+          <a:p>
             <a:pPr marL="0" indent="0">
               <a:buFont typeface="Arial" panose="020B0604020202020204" pitchFamily="34" charset="0"/>
               <a:buNone/>
@@ -2870,9 +3236,12 @@
               </a:rPr>
               <a:t>Methode</a:t>
             </a:r>
-            <a:endParaRPr lang="en-US" dirty="0">
-              <a:sym typeface="Wingdings" panose="05000000000000000000" pitchFamily="2" charset="2"/>
-            </a:endParaRPr>
+            <a:r>
+              <a:rPr lang="en-US" dirty="0">
+                <a:sym typeface="Wingdings" panose="05000000000000000000" pitchFamily="2" charset="2"/>
+              </a:rPr>
+              <a:t> (für Value-Equality)</a:t>
+            </a:r>
           </a:p>
           <a:p>
             <a:pPr marL="171450" indent="-171450">
@@ -3238,7 +3607,7 @@
               <a:rPr lang="en-US" dirty="0" err="1">
                 <a:sym typeface="Wingdings" panose="05000000000000000000" pitchFamily="2" charset="2"/>
               </a:rPr>
-              <a:t>mitgegeben</a:t>
+              <a:t>verwendet</a:t>
             </a:r>
             <a:endParaRPr lang="en-US" dirty="0">
               <a:sym typeface="Wingdings" panose="05000000000000000000" pitchFamily="2" charset="2"/>
@@ -3263,6 +3632,26 @@
                 <a:sym typeface="Wingdings" panose="05000000000000000000" pitchFamily="2" charset="2"/>
               </a:rPr>
               <a:t>https://localhost:7248/binding/int/42</a:t>
+            </a:r>
+          </a:p>
+          <a:p>
+            <a:r>
+              <a:rPr lang="en-US" dirty="0">
+                <a:sym typeface="Wingdings" panose="05000000000000000000" pitchFamily="2" charset="2"/>
+              </a:rPr>
+              <a:t>	Nicht-Int </a:t>
+            </a:r>
+            <a:r>
+              <a:rPr lang="en-US" dirty="0" err="1">
+                <a:sym typeface="Wingdings" panose="05000000000000000000" pitchFamily="2" charset="2"/>
+              </a:rPr>
+              <a:t>binden</a:t>
+            </a:r>
+            <a:r>
+              <a:rPr lang="en-US" dirty="0">
+                <a:sym typeface="Wingdings" panose="05000000000000000000" pitchFamily="2" charset="2"/>
+              </a:rPr>
+              <a:t> (string)</a:t>
             </a:r>
           </a:p>
           <a:p>
@@ -3302,6 +3691,53 @@
             </a:r>
           </a:p>
           <a:p>
+            <a:endParaRPr lang="en-US" dirty="0">
+              <a:sym typeface="Wingdings" panose="05000000000000000000" pitchFamily="2" charset="2"/>
+            </a:endParaRPr>
+          </a:p>
+          <a:p>
+            <a:r>
+              <a:rPr lang="en-US" dirty="0" err="1">
+                <a:sym typeface="Wingdings" panose="05000000000000000000" pitchFamily="2" charset="2"/>
+              </a:rPr>
+              <a:t>Standardmäßigen</a:t>
+            </a:r>
+            <a:r>
+              <a:rPr lang="en-US" dirty="0">
+                <a:sym typeface="Wingdings" panose="05000000000000000000" pitchFamily="2" charset="2"/>
+              </a:rPr>
+              <a:t> </a:t>
+            </a:r>
+            <a:r>
+              <a:rPr lang="en-US" dirty="0" err="1">
+                <a:sym typeface="Wingdings" panose="05000000000000000000" pitchFamily="2" charset="2"/>
+              </a:rPr>
+              <a:t>ModelBinderProvider</a:t>
+            </a:r>
+            <a:r>
+              <a:rPr lang="en-US" dirty="0">
+                <a:sym typeface="Wingdings" panose="05000000000000000000" pitchFamily="2" charset="2"/>
+              </a:rPr>
+              <a:t> </a:t>
+            </a:r>
+            <a:r>
+              <a:rPr lang="en-US" dirty="0" err="1">
+                <a:sym typeface="Wingdings" panose="05000000000000000000" pitchFamily="2" charset="2"/>
+              </a:rPr>
+              <a:t>sehen</a:t>
+            </a:r>
+            <a:r>
+              <a:rPr lang="en-US" dirty="0">
+                <a:sym typeface="Wingdings" panose="05000000000000000000" pitchFamily="2" charset="2"/>
+              </a:rPr>
+              <a:t> wir </a:t>
+            </a:r>
+            <a:r>
+              <a:rPr lang="en-US" dirty="0" err="1">
+                <a:sym typeface="Wingdings" panose="05000000000000000000" pitchFamily="2" charset="2"/>
+              </a:rPr>
+              <a:t>später</a:t>
+            </a:r>
             <a:endParaRPr lang="en-US" dirty="0">
               <a:sym typeface="Wingdings" panose="05000000000000000000" pitchFamily="2" charset="2"/>
             </a:endParaRPr>
@@ -3388,6 +3824,26 @@
           <a:bodyPr/>
           <a:lstStyle/>
           <a:p>
+            <a:r>
+              <a:rPr lang="en-US" i="0" dirty="0" err="1"/>
+              <a:t>Konzept</a:t>
+            </a:r>
+            <a:r>
+              <a:rPr lang="en-US" i="0" dirty="0"/>
+              <a:t> </a:t>
+            </a:r>
+            <a:r>
+              <a:rPr lang="en-US" i="0" dirty="0" err="1"/>
+              <a:t>aus</a:t>
+            </a:r>
+            <a:r>
+              <a:rPr lang="en-US" i="0" dirty="0"/>
+              <a:t> der </a:t>
+            </a:r>
+            <a:r>
+              <a:rPr lang="en-US" i="0" dirty="0" err="1"/>
+              <a:t>Standardbibliothek</a:t>
+            </a:r>
             <a:endParaRPr lang="en-AT" i="0" dirty="0"/>
           </a:p>
         </p:txBody>
@@ -3478,6 +3934,55 @@
             </a:r>
             <a:r>
               <a:rPr lang="en-US" dirty="0" err="1"/>
+              <a:t>gleiche</a:t>
+            </a:r>
+            <a:r>
+              <a:rPr lang="en-US" dirty="0"/>
+              <a:t> </a:t>
+            </a:r>
+            <a:r>
+              <a:rPr lang="en-US" dirty="0" err="1"/>
+              <a:t>ModelBinder</a:t>
+            </a:r>
+            <a:r>
+              <a:rPr lang="en-US" dirty="0"/>
+              <a:t> </a:t>
+            </a:r>
+            <a:r>
+              <a:rPr lang="en-US" dirty="0" err="1"/>
+              <a:t>welcher</a:t>
+            </a:r>
+            <a:r>
+              <a:rPr lang="en-US" dirty="0"/>
+              <a:t> für </a:t>
+            </a:r>
+            <a:r>
+              <a:rPr lang="en-US" dirty="0" err="1"/>
+              <a:t>Guid</a:t>
+            </a:r>
+            <a:r>
+              <a:rPr lang="en-US" dirty="0"/>
+              <a:t> </a:t>
+            </a:r>
+            <a:r>
+              <a:rPr lang="en-US" dirty="0" err="1"/>
+              <a:t>verwendet</a:t>
+            </a:r>
+            <a:r>
+              <a:rPr lang="en-US" dirty="0"/>
+              <a:t> wird</a:t>
+            </a:r>
+          </a:p>
+          <a:p>
+            <a:endParaRPr lang="en-US" dirty="0"/>
+          </a:p>
+          <a:p>
+            <a:r>
+              <a:rPr lang="en-US" dirty="0"/>
+              <a:t>Der </a:t>
+            </a:r>
+            <a:r>
+              <a:rPr lang="en-US" dirty="0" err="1"/>
               <a:t>Typ</a:t>
             </a:r>
             <a:r>
@@ -3609,11 +4114,11 @@
             </a:pPr>
             <a:r>
               <a:rPr lang="en-US" i="0" dirty="0" err="1"/>
-              <a:t>Guid</a:t>
+              <a:t>Keine</a:t>
             </a:r>
             <a:r>
               <a:rPr lang="en-US" i="0" dirty="0"/>
-              <a:t> binding:</a:t>
+              <a:t> Validation</a:t>
             </a:r>
           </a:p>
           <a:p>
@@ -3634,10 +4139,131 @@
               <a:tabLst/>
               <a:defRPr/>
             </a:pPr>
+            <a:endParaRPr lang="en-US" i="0" dirty="0"/>
+          </a:p>
+          <a:p>
+            <a:pPr marL="0" marR="0" lvl="0" indent="0" algn="l" defTabSz="914400" rtl="0" eaLnBrk="1" fontAlgn="auto" latinLnBrk="0" hangingPunct="1">
+              <a:lnSpc>
+                <a:spcPct val="100000"/>
+              </a:lnSpc>
+              <a:spcBef>
+                <a:spcPts val="0"/>
+              </a:spcBef>
+              <a:spcAft>
+                <a:spcPts val="0"/>
+              </a:spcAft>
+              <a:buClrTx/>
+              <a:buSzTx/>
+              <a:buFontTx/>
+              <a:buNone/>
+              <a:tabLst/>
+              <a:defRPr/>
+            </a:pPr>
+            <a:r>
+              <a:rPr lang="en-US" i="0" dirty="0" err="1"/>
+              <a:t>Guid</a:t>
+            </a:r>
+            <a:r>
+              <a:rPr lang="en-US" i="0" dirty="0"/>
+              <a:t> binding:</a:t>
+            </a:r>
+          </a:p>
+          <a:p>
+            <a:pPr marL="0" marR="0" lvl="0" indent="0" algn="l" defTabSz="914400" rtl="0" eaLnBrk="1" fontAlgn="auto" latinLnBrk="0" hangingPunct="1">
+              <a:lnSpc>
+                <a:spcPct val="100000"/>
+              </a:lnSpc>
+              <a:spcBef>
+                <a:spcPts val="0"/>
+              </a:spcBef>
+              <a:spcAft>
+                <a:spcPts val="0"/>
+              </a:spcAft>
+              <a:buClrTx/>
+              <a:buSzTx/>
+              <a:buFontTx/>
+              <a:buNone/>
+              <a:tabLst/>
+              <a:defRPr/>
+            </a:pPr>
             <a:r>
               <a:rPr lang="en-US" i="0" dirty="0"/>
               <a:t>https://localhost:7248/binding/guid/AAAAAAAA-D7B4-47ED-A9E7-AE18721D6F3D</a:t>
             </a:r>
+          </a:p>
+          <a:p>
+            <a:pPr marL="0" marR="0" lvl="0" indent="0" algn="l" defTabSz="914400" rtl="0" eaLnBrk="1" fontAlgn="auto" latinLnBrk="0" hangingPunct="1">
+              <a:lnSpc>
+                <a:spcPct val="100000"/>
+              </a:lnSpc>
+              <a:spcBef>
+                <a:spcPts val="0"/>
+              </a:spcBef>
+              <a:spcAft>
+                <a:spcPts val="0"/>
+              </a:spcAft>
+              <a:buClrTx/>
+              <a:buSzTx/>
+              <a:buFontTx/>
+              <a:buNone/>
+              <a:tabLst/>
+              <a:defRPr/>
+            </a:pPr>
+            <a:r>
+              <a:rPr lang="en-US" dirty="0">
+                <a:sym typeface="Wingdings" panose="05000000000000000000" pitchFamily="2" charset="2"/>
+              </a:rPr>
+              <a:t> </a:t>
+            </a:r>
+            <a:r>
+              <a:rPr lang="en-US" dirty="0" err="1">
+                <a:sym typeface="Wingdings" panose="05000000000000000000" pitchFamily="2" charset="2"/>
+              </a:rPr>
+              <a:t>Ungültige</a:t>
+            </a:r>
+            <a:r>
+              <a:rPr lang="en-US" dirty="0">
+                <a:sym typeface="Wingdings" panose="05000000000000000000" pitchFamily="2" charset="2"/>
+              </a:rPr>
+              <a:t> </a:t>
+            </a:r>
+            <a:r>
+              <a:rPr lang="en-US" dirty="0" err="1">
+                <a:sym typeface="Wingdings" panose="05000000000000000000" pitchFamily="2" charset="2"/>
+              </a:rPr>
+              <a:t>Guid</a:t>
+            </a:r>
+            <a:r>
+              <a:rPr lang="en-US" dirty="0">
+                <a:sym typeface="Wingdings" panose="05000000000000000000" pitchFamily="2" charset="2"/>
+              </a:rPr>
+              <a:t> </a:t>
+            </a:r>
+            <a:r>
+              <a:rPr lang="en-US" dirty="0" err="1">
+                <a:sym typeface="Wingdings" panose="05000000000000000000" pitchFamily="2" charset="2"/>
+              </a:rPr>
+              <a:t>binden</a:t>
+            </a:r>
+            <a:r>
+              <a:rPr lang="en-US" dirty="0">
+                <a:sym typeface="Wingdings" panose="05000000000000000000" pitchFamily="2" charset="2"/>
+              </a:rPr>
+              <a:t>  default(</a:t>
+            </a:r>
+            <a:r>
+              <a:rPr lang="en-US" dirty="0" err="1">
+                <a:sym typeface="Wingdings" panose="05000000000000000000" pitchFamily="2" charset="2"/>
+              </a:rPr>
+              <a:t>Guid</a:t>
+            </a:r>
+            <a:r>
+              <a:rPr lang="en-US" dirty="0">
+                <a:sym typeface="Wingdings" panose="05000000000000000000" pitchFamily="2" charset="2"/>
+              </a:rPr>
+              <a:t>)</a:t>
+            </a:r>
+            <a:endParaRPr lang="en-US" dirty="0"/>
           </a:p>
           <a:p>
             <a:pPr marL="0" marR="0" lvl="0" indent="0" algn="l" defTabSz="914400" rtl="0" eaLnBrk="1" fontAlgn="auto" latinLnBrk="0" hangingPunct="1">
@@ -3677,14 +4303,7 @@
               <a:tabLst/>
               <a:defRPr/>
             </a:pPr>
-            <a:r>
-              <a:rPr lang="en-US" dirty="0" err="1"/>
-              <a:t>ArticleNumber</a:t>
-            </a:r>
-            <a:r>
-              <a:rPr lang="en-US" dirty="0"/>
-              <a:t> binding:</a:t>
-            </a:r>
+            <a:endParaRPr lang="en-US" dirty="0"/>
           </a:p>
           <a:p>
             <a:pPr marL="0" marR="0" lvl="0" indent="0" algn="l" defTabSz="914400" rtl="0" eaLnBrk="1" fontAlgn="auto" latinLnBrk="0" hangingPunct="1">
@@ -3705,9 +4324,123 @@
               <a:defRPr/>
             </a:pPr>
             <a:r>
+              <a:rPr lang="en-US" dirty="0" err="1"/>
+              <a:t>ArticleNumber</a:t>
+            </a:r>
+            <a:r>
+              <a:rPr lang="en-US" dirty="0"/>
+              <a:t> binding:</a:t>
+            </a:r>
+          </a:p>
+          <a:p>
+            <a:pPr marL="0" marR="0" lvl="0" indent="0" algn="l" defTabSz="914400" rtl="0" eaLnBrk="1" fontAlgn="auto" latinLnBrk="0" hangingPunct="1">
+              <a:lnSpc>
+                <a:spcPct val="100000"/>
+              </a:lnSpc>
+              <a:spcBef>
+                <a:spcPts val="0"/>
+              </a:spcBef>
+              <a:spcAft>
+                <a:spcPts val="0"/>
+              </a:spcAft>
+              <a:buClrTx/>
+              <a:buSzTx/>
+              <a:buFontTx/>
+              <a:buNone/>
+              <a:tabLst/>
+              <a:defRPr/>
+            </a:pPr>
+            <a:r>
               <a:rPr lang="en-US" i="0" dirty="0"/>
               <a:t>https://localhost:7248/binding/articleNumber/typeConverter/123456789</a:t>
             </a:r>
+          </a:p>
+          <a:p>
+            <a:pPr marL="0" marR="0" lvl="0" indent="0" algn="l" defTabSz="914400" rtl="0" eaLnBrk="1" fontAlgn="auto" latinLnBrk="0" hangingPunct="1">
+              <a:lnSpc>
+                <a:spcPct val="100000"/>
+              </a:lnSpc>
+              <a:spcBef>
+                <a:spcPts val="0"/>
+              </a:spcBef>
+              <a:spcAft>
+                <a:spcPts val="0"/>
+              </a:spcAft>
+              <a:buClrTx/>
+              <a:buSzTx/>
+              <a:buFontTx/>
+              <a:buNone/>
+              <a:tabLst/>
+              <a:defRPr/>
+            </a:pPr>
+            <a:r>
+              <a:rPr lang="en-US" dirty="0">
+                <a:sym typeface="Wingdings" panose="05000000000000000000" pitchFamily="2" charset="2"/>
+              </a:rPr>
+              <a:t> </a:t>
+            </a:r>
+            <a:r>
+              <a:rPr lang="en-US" dirty="0" err="1">
+                <a:sym typeface="Wingdings" panose="05000000000000000000" pitchFamily="2" charset="2"/>
+              </a:rPr>
+              <a:t>Ungültige</a:t>
+            </a:r>
+            <a:r>
+              <a:rPr lang="en-US" dirty="0">
+                <a:sym typeface="Wingdings" panose="05000000000000000000" pitchFamily="2" charset="2"/>
+              </a:rPr>
+              <a:t> </a:t>
+            </a:r>
+            <a:r>
+              <a:rPr lang="en-US" dirty="0" err="1">
+                <a:sym typeface="Wingdings" panose="05000000000000000000" pitchFamily="2" charset="2"/>
+              </a:rPr>
+              <a:t>Artikelnummer</a:t>
+            </a:r>
+            <a:r>
+              <a:rPr lang="en-US" dirty="0">
+                <a:sym typeface="Wingdings" panose="05000000000000000000" pitchFamily="2" charset="2"/>
+              </a:rPr>
+              <a:t> </a:t>
+            </a:r>
+            <a:r>
+              <a:rPr lang="en-US" dirty="0" err="1">
+                <a:sym typeface="Wingdings" panose="05000000000000000000" pitchFamily="2" charset="2"/>
+              </a:rPr>
+              <a:t>binden</a:t>
+            </a:r>
+            <a:r>
+              <a:rPr lang="en-US" dirty="0">
+                <a:sym typeface="Wingdings" panose="05000000000000000000" pitchFamily="2" charset="2"/>
+              </a:rPr>
+              <a:t>  </a:t>
+            </a:r>
+            <a:r>
+              <a:rPr lang="en-US" dirty="0" err="1">
+                <a:sym typeface="Wingdings" panose="05000000000000000000" pitchFamily="2" charset="2"/>
+              </a:rPr>
+              <a:t>Leerstring</a:t>
+            </a:r>
+            <a:endParaRPr lang="en-US" dirty="0"/>
+          </a:p>
+          <a:p>
+            <a:pPr marL="0" marR="0" lvl="0" indent="0" algn="l" defTabSz="914400" rtl="0" eaLnBrk="1" fontAlgn="auto" latinLnBrk="0" hangingPunct="1">
+              <a:lnSpc>
+                <a:spcPct val="100000"/>
+              </a:lnSpc>
+              <a:spcBef>
+                <a:spcPts val="0"/>
+              </a:spcBef>
+              <a:spcAft>
+                <a:spcPts val="0"/>
+              </a:spcAft>
+              <a:buClrTx/>
+              <a:buSzTx/>
+              <a:buFontTx/>
+              <a:buNone/>
+              <a:tabLst/>
+              <a:defRPr/>
+            </a:pPr>
             <a:endParaRPr lang="en-US" dirty="0"/>
           </a:p>
         </p:txBody>

--- a/slides.pptx
+++ b/slides.pptx
@@ -36,14 +36,14 @@
       <p:boldItalic r:id="rId22"/>
     </p:embeddedFont>
     <p:embeddedFont>
-      <p:font typeface="Montserrat" panose="020B0604020202020204" charset="0"/>
+      <p:font typeface="Montserrat" panose="00000500000000000000" pitchFamily="2" charset="0"/>
       <p:regular r:id="rId23"/>
       <p:bold r:id="rId24"/>
       <p:italic r:id="rId25"/>
       <p:boldItalic r:id="rId26"/>
     </p:embeddedFont>
     <p:embeddedFont>
-      <p:font typeface="Raleway" panose="020B0604020202020204" charset="0"/>
+      <p:font typeface="Raleway" pitchFamily="2" charset="0"/>
       <p:regular r:id="rId27"/>
       <p:bold r:id="rId28"/>
       <p:italic r:id="rId29"/>
